--- a/figs/rusty-bmc.pptx
+++ b/figs/rusty-bmc.pptx
@@ -107,6 +107,11 @@
       </a:defRPr>
     </a:lvl9pPr>
   </p:defaultTextStyle>
+  <p:extLst>
+    <p:ext uri="{EFAFB233-063F-42B5-8137-9DF3F51BA10A}">
+      <p15:sldGuideLst xmlns:p15="http://schemas.microsoft.com/office/powerpoint/2012/main"/>
+    </p:ext>
+  </p:extLst>
 </p:presentation>
 </file>
 
@@ -192,7 +197,7 @@
           <a:p>
             <a:fld id="{33560D31-4089-B745-9C90-4BE948E0B3C0}" type="datetimeFigureOut">
               <a:rPr lang="en-US" smtClean="0"/>
-              <a:t>4/16/24</a:t>
+              <a:t>4/17/24</a:t>
             </a:fld>
             <a:endParaRPr lang="en-US"/>
           </a:p>
@@ -679,7 +684,7 @@
           <a:p>
             <a:fld id="{2DA5BF39-07AD-FB4D-AFB6-A5FFDC3873D0}" type="datetimeFigureOut">
               <a:rPr lang="en-US" smtClean="0"/>
-              <a:t>4/16/24</a:t>
+              <a:t>4/17/24</a:t>
             </a:fld>
             <a:endParaRPr lang="en-US"/>
           </a:p>
@@ -849,7 +854,7 @@
           <a:p>
             <a:fld id="{2DA5BF39-07AD-FB4D-AFB6-A5FFDC3873D0}" type="datetimeFigureOut">
               <a:rPr lang="en-US" smtClean="0"/>
-              <a:t>4/16/24</a:t>
+              <a:t>4/17/24</a:t>
             </a:fld>
             <a:endParaRPr lang="en-US"/>
           </a:p>
@@ -1029,7 +1034,7 @@
           <a:p>
             <a:fld id="{2DA5BF39-07AD-FB4D-AFB6-A5FFDC3873D0}" type="datetimeFigureOut">
               <a:rPr lang="en-US" smtClean="0"/>
-              <a:t>4/16/24</a:t>
+              <a:t>4/17/24</a:t>
             </a:fld>
             <a:endParaRPr lang="en-US"/>
           </a:p>
@@ -1199,7 +1204,7 @@
           <a:p>
             <a:fld id="{2DA5BF39-07AD-FB4D-AFB6-A5FFDC3873D0}" type="datetimeFigureOut">
               <a:rPr lang="en-US" smtClean="0"/>
-              <a:t>4/16/24</a:t>
+              <a:t>4/17/24</a:t>
             </a:fld>
             <a:endParaRPr lang="en-US"/>
           </a:p>
@@ -1445,7 +1450,7 @@
           <a:p>
             <a:fld id="{2DA5BF39-07AD-FB4D-AFB6-A5FFDC3873D0}" type="datetimeFigureOut">
               <a:rPr lang="en-US" smtClean="0"/>
-              <a:t>4/16/24</a:t>
+              <a:t>4/17/24</a:t>
             </a:fld>
             <a:endParaRPr lang="en-US"/>
           </a:p>
@@ -1677,7 +1682,7 @@
           <a:p>
             <a:fld id="{2DA5BF39-07AD-FB4D-AFB6-A5FFDC3873D0}" type="datetimeFigureOut">
               <a:rPr lang="en-US" smtClean="0"/>
-              <a:t>4/16/24</a:t>
+              <a:t>4/17/24</a:t>
             </a:fld>
             <a:endParaRPr lang="en-US"/>
           </a:p>
@@ -2044,7 +2049,7 @@
           <a:p>
             <a:fld id="{2DA5BF39-07AD-FB4D-AFB6-A5FFDC3873D0}" type="datetimeFigureOut">
               <a:rPr lang="en-US" smtClean="0"/>
-              <a:t>4/16/24</a:t>
+              <a:t>4/17/24</a:t>
             </a:fld>
             <a:endParaRPr lang="en-US"/>
           </a:p>
@@ -2162,7 +2167,7 @@
           <a:p>
             <a:fld id="{2DA5BF39-07AD-FB4D-AFB6-A5FFDC3873D0}" type="datetimeFigureOut">
               <a:rPr lang="en-US" smtClean="0"/>
-              <a:t>4/16/24</a:t>
+              <a:t>4/17/24</a:t>
             </a:fld>
             <a:endParaRPr lang="en-US"/>
           </a:p>
@@ -2257,7 +2262,7 @@
           <a:p>
             <a:fld id="{2DA5BF39-07AD-FB4D-AFB6-A5FFDC3873D0}" type="datetimeFigureOut">
               <a:rPr lang="en-US" smtClean="0"/>
-              <a:t>4/16/24</a:t>
+              <a:t>4/17/24</a:t>
             </a:fld>
             <a:endParaRPr lang="en-US"/>
           </a:p>
@@ -2534,7 +2539,7 @@
           <a:p>
             <a:fld id="{2DA5BF39-07AD-FB4D-AFB6-A5FFDC3873D0}" type="datetimeFigureOut">
               <a:rPr lang="en-US" smtClean="0"/>
-              <a:t>4/16/24</a:t>
+              <a:t>4/17/24</a:t>
             </a:fld>
             <a:endParaRPr lang="en-US"/>
           </a:p>
@@ -2791,7 +2796,7 @@
           <a:p>
             <a:fld id="{2DA5BF39-07AD-FB4D-AFB6-A5FFDC3873D0}" type="datetimeFigureOut">
               <a:rPr lang="en-US" smtClean="0"/>
-              <a:t>4/16/24</a:t>
+              <a:t>4/17/24</a:t>
             </a:fld>
             <a:endParaRPr lang="en-US"/>
           </a:p>
@@ -3004,7 +3009,7 @@
           <a:p>
             <a:fld id="{2DA5BF39-07AD-FB4D-AFB6-A5FFDC3873D0}" type="datetimeFigureOut">
               <a:rPr lang="en-US" smtClean="0"/>
-              <a:t>4/16/24</a:t>
+              <a:t>4/17/24</a:t>
             </a:fld>
             <a:endParaRPr lang="en-US"/>
           </a:p>

--- a/figs/rusty-bmc.pptx
+++ b/figs/rusty-bmc.pptx
@@ -5,10 +5,12 @@
     <p:sldMasterId id="2147483732" r:id="rId1"/>
   </p:sldMasterIdLst>
   <p:notesMasterIdLst>
-    <p:notesMasterId r:id="rId3"/>
+    <p:notesMasterId r:id="rId5"/>
   </p:notesMasterIdLst>
   <p:sldIdLst>
     <p:sldId id="264" r:id="rId2"/>
+    <p:sldId id="265" r:id="rId3"/>
+    <p:sldId id="267" r:id="rId4"/>
   </p:sldIdLst>
   <p:sldSz cx="13258800" cy="5853113"/>
   <p:notesSz cx="6858000" cy="9144000"/>
@@ -197,7 +199,7 @@
           <a:p>
             <a:fld id="{33560D31-4089-B745-9C90-4BE948E0B3C0}" type="datetimeFigureOut">
               <a:rPr lang="en-US" smtClean="0"/>
-              <a:t>4/17/24</a:t>
+              <a:t>4/19/24</a:t>
             </a:fld>
             <a:endParaRPr lang="en-US"/>
           </a:p>
@@ -553,6 +555,95 @@
 </p:notes>
 </file>
 
+<file path=ppt/notesSlides/notesSlide2.xml><?xml version="1.0" encoding="utf-8"?>
+<p:notes xmlns:a="http://schemas.openxmlformats.org/drawingml/2006/main" xmlns:r="http://schemas.openxmlformats.org/officeDocument/2006/relationships" xmlns:p="http://schemas.openxmlformats.org/presentationml/2006/main">
+  <p:cSld>
+    <p:spTree>
+      <p:nvGrpSpPr>
+        <p:cNvPr id="1" name=""/>
+        <p:cNvGrpSpPr/>
+        <p:nvPr/>
+      </p:nvGrpSpPr>
+      <p:grpSpPr>
+        <a:xfrm>
+          <a:off x="0" y="0"/>
+          <a:ext cx="0" cy="0"/>
+          <a:chOff x="0" y="0"/>
+          <a:chExt cx="0" cy="0"/>
+        </a:xfrm>
+      </p:grpSpPr>
+      <p:sp>
+        <p:nvSpPr>
+          <p:cNvPr id="2" name="Slide Image Placeholder 1"/>
+          <p:cNvSpPr>
+            <a:spLocks noGrp="1" noRot="1" noChangeAspect="1"/>
+          </p:cNvSpPr>
+          <p:nvPr>
+            <p:ph type="sldImg"/>
+          </p:nvPr>
+        </p:nvSpPr>
+        <p:spPr>
+          <a:xfrm>
+            <a:off x="-65088" y="1143000"/>
+            <a:ext cx="6988176" cy="3086100"/>
+          </a:xfrm>
+        </p:spPr>
+      </p:sp>
+      <p:sp>
+        <p:nvSpPr>
+          <p:cNvPr id="3" name="Notes Placeholder 2"/>
+          <p:cNvSpPr>
+            <a:spLocks noGrp="1"/>
+          </p:cNvSpPr>
+          <p:nvPr>
+            <p:ph type="body" idx="1"/>
+          </p:nvPr>
+        </p:nvSpPr>
+        <p:spPr/>
+        <p:txBody>
+          <a:bodyPr/>
+          <a:lstStyle/>
+          <a:p>
+            <a:endParaRPr lang="en-US" dirty="0"/>
+          </a:p>
+        </p:txBody>
+      </p:sp>
+      <p:sp>
+        <p:nvSpPr>
+          <p:cNvPr id="4" name="Slide Number Placeholder 3"/>
+          <p:cNvSpPr>
+            <a:spLocks noGrp="1"/>
+          </p:cNvSpPr>
+          <p:nvPr>
+            <p:ph type="sldNum" sz="quarter" idx="5"/>
+          </p:nvPr>
+        </p:nvSpPr>
+        <p:spPr/>
+        <p:txBody>
+          <a:bodyPr/>
+          <a:lstStyle/>
+          <a:p>
+            <a:fld id="{F3AF41B7-FF84-5942-B8AF-03C7723B297E}" type="slidenum">
+              <a:rPr lang="en-US" smtClean="0"/>
+              <a:t>3</a:t>
+            </a:fld>
+            <a:endParaRPr lang="en-US"/>
+          </a:p>
+        </p:txBody>
+      </p:sp>
+    </p:spTree>
+    <p:extLst>
+      <p:ext uri="{BB962C8B-B14F-4D97-AF65-F5344CB8AC3E}">
+        <p14:creationId xmlns:p14="http://schemas.microsoft.com/office/powerpoint/2010/main" val="1027506130"/>
+      </p:ext>
+    </p:extLst>
+  </p:cSld>
+  <p:clrMapOvr>
+    <a:masterClrMapping/>
+  </p:clrMapOvr>
+</p:notes>
+</file>
+
 <file path=ppt/slideLayouts/slideLayout1.xml><?xml version="1.0" encoding="utf-8"?>
 <p:sldLayout xmlns:a="http://schemas.openxmlformats.org/drawingml/2006/main" xmlns:r="http://schemas.openxmlformats.org/officeDocument/2006/relationships" xmlns:p="http://schemas.openxmlformats.org/presentationml/2006/main" type="title" preserve="1">
   <p:cSld name="Title Slide">
@@ -684,7 +775,7 @@
           <a:p>
             <a:fld id="{2DA5BF39-07AD-FB4D-AFB6-A5FFDC3873D0}" type="datetimeFigureOut">
               <a:rPr lang="en-US" smtClean="0"/>
-              <a:t>4/17/24</a:t>
+              <a:t>4/19/24</a:t>
             </a:fld>
             <a:endParaRPr lang="en-US"/>
           </a:p>
@@ -854,7 +945,7 @@
           <a:p>
             <a:fld id="{2DA5BF39-07AD-FB4D-AFB6-A5FFDC3873D0}" type="datetimeFigureOut">
               <a:rPr lang="en-US" smtClean="0"/>
-              <a:t>4/17/24</a:t>
+              <a:t>4/19/24</a:t>
             </a:fld>
             <a:endParaRPr lang="en-US"/>
           </a:p>
@@ -1034,7 +1125,7 @@
           <a:p>
             <a:fld id="{2DA5BF39-07AD-FB4D-AFB6-A5FFDC3873D0}" type="datetimeFigureOut">
               <a:rPr lang="en-US" smtClean="0"/>
-              <a:t>4/17/24</a:t>
+              <a:t>4/19/24</a:t>
             </a:fld>
             <a:endParaRPr lang="en-US"/>
           </a:p>
@@ -1204,7 +1295,7 @@
           <a:p>
             <a:fld id="{2DA5BF39-07AD-FB4D-AFB6-A5FFDC3873D0}" type="datetimeFigureOut">
               <a:rPr lang="en-US" smtClean="0"/>
-              <a:t>4/17/24</a:t>
+              <a:t>4/19/24</a:t>
             </a:fld>
             <a:endParaRPr lang="en-US"/>
           </a:p>
@@ -1450,7 +1541,7 @@
           <a:p>
             <a:fld id="{2DA5BF39-07AD-FB4D-AFB6-A5FFDC3873D0}" type="datetimeFigureOut">
               <a:rPr lang="en-US" smtClean="0"/>
-              <a:t>4/17/24</a:t>
+              <a:t>4/19/24</a:t>
             </a:fld>
             <a:endParaRPr lang="en-US"/>
           </a:p>
@@ -1682,7 +1773,7 @@
           <a:p>
             <a:fld id="{2DA5BF39-07AD-FB4D-AFB6-A5FFDC3873D0}" type="datetimeFigureOut">
               <a:rPr lang="en-US" smtClean="0"/>
-              <a:t>4/17/24</a:t>
+              <a:t>4/19/24</a:t>
             </a:fld>
             <a:endParaRPr lang="en-US"/>
           </a:p>
@@ -2049,7 +2140,7 @@
           <a:p>
             <a:fld id="{2DA5BF39-07AD-FB4D-AFB6-A5FFDC3873D0}" type="datetimeFigureOut">
               <a:rPr lang="en-US" smtClean="0"/>
-              <a:t>4/17/24</a:t>
+              <a:t>4/19/24</a:t>
             </a:fld>
             <a:endParaRPr lang="en-US"/>
           </a:p>
@@ -2167,7 +2258,7 @@
           <a:p>
             <a:fld id="{2DA5BF39-07AD-FB4D-AFB6-A5FFDC3873D0}" type="datetimeFigureOut">
               <a:rPr lang="en-US" smtClean="0"/>
-              <a:t>4/17/24</a:t>
+              <a:t>4/19/24</a:t>
             </a:fld>
             <a:endParaRPr lang="en-US"/>
           </a:p>
@@ -2262,7 +2353,7 @@
           <a:p>
             <a:fld id="{2DA5BF39-07AD-FB4D-AFB6-A5FFDC3873D0}" type="datetimeFigureOut">
               <a:rPr lang="en-US" smtClean="0"/>
-              <a:t>4/17/24</a:t>
+              <a:t>4/19/24</a:t>
             </a:fld>
             <a:endParaRPr lang="en-US"/>
           </a:p>
@@ -2539,7 +2630,7 @@
           <a:p>
             <a:fld id="{2DA5BF39-07AD-FB4D-AFB6-A5FFDC3873D0}" type="datetimeFigureOut">
               <a:rPr lang="en-US" smtClean="0"/>
-              <a:t>4/17/24</a:t>
+              <a:t>4/19/24</a:t>
             </a:fld>
             <a:endParaRPr lang="en-US"/>
           </a:p>
@@ -2796,7 +2887,7 @@
           <a:p>
             <a:fld id="{2DA5BF39-07AD-FB4D-AFB6-A5FFDC3873D0}" type="datetimeFigureOut">
               <a:rPr lang="en-US" smtClean="0"/>
-              <a:t>4/17/24</a:t>
+              <a:t>4/19/24</a:t>
             </a:fld>
             <a:endParaRPr lang="en-US"/>
           </a:p>
@@ -3009,7 +3100,7 @@
           <a:p>
             <a:fld id="{2DA5BF39-07AD-FB4D-AFB6-A5FFDC3873D0}" type="datetimeFigureOut">
               <a:rPr lang="en-US" smtClean="0"/>
-              <a:t>4/17/24</a:t>
+              <a:t>4/19/24</a:t>
             </a:fld>
             <a:endParaRPr lang="en-US"/>
           </a:p>
@@ -3414,6 +3505,4489 @@
           <a:chExt cx="0" cy="0"/>
         </a:xfrm>
       </p:grpSpPr>
+      <p:grpSp>
+        <p:nvGrpSpPr>
+          <p:cNvPr id="15" name="Group 14">
+            <a:extLst>
+              <a:ext uri="{FF2B5EF4-FFF2-40B4-BE49-F238E27FC236}">
+                <a16:creationId xmlns:a16="http://schemas.microsoft.com/office/drawing/2014/main" id="{6EABCC93-B080-E8D5-4293-F6EFD21832D1}"/>
+              </a:ext>
+            </a:extLst>
+          </p:cNvPr>
+          <p:cNvGrpSpPr/>
+          <p:nvPr/>
+        </p:nvGrpSpPr>
+        <p:grpSpPr>
+          <a:xfrm>
+            <a:off x="-245137" y="-38210"/>
+            <a:ext cx="13705717" cy="5906123"/>
+            <a:chOff x="-245137" y="-38210"/>
+            <a:chExt cx="13705717" cy="5906123"/>
+          </a:xfrm>
+        </p:grpSpPr>
+        <p:sp>
+          <p:nvSpPr>
+            <p:cNvPr id="10" name="Rectangle 9">
+              <a:extLst>
+                <a:ext uri="{FF2B5EF4-FFF2-40B4-BE49-F238E27FC236}">
+                  <a16:creationId xmlns:a16="http://schemas.microsoft.com/office/drawing/2014/main" id="{6171CE1C-C5E4-A214-E205-EFAF316654A2}"/>
+                </a:ext>
+              </a:extLst>
+            </p:cNvPr>
+            <p:cNvSpPr/>
+            <p:nvPr/>
+          </p:nvSpPr>
+          <p:spPr>
+            <a:xfrm>
+              <a:off x="2540270" y="2115112"/>
+              <a:ext cx="4758042" cy="1254366"/>
+            </a:xfrm>
+            <a:prstGeom prst="rect">
+              <a:avLst/>
+            </a:prstGeom>
+            <a:solidFill>
+              <a:schemeClr val="accent3">
+                <a:lumMod val="20000"/>
+                <a:lumOff val="80000"/>
+                <a:alpha val="50000"/>
+              </a:schemeClr>
+            </a:solidFill>
+            <a:ln>
+              <a:noFill/>
+            </a:ln>
+          </p:spPr>
+          <p:style>
+            <a:lnRef idx="2">
+              <a:schemeClr val="accent1">
+                <a:shade val="50000"/>
+              </a:schemeClr>
+            </a:lnRef>
+            <a:fillRef idx="1">
+              <a:schemeClr val="accent1"/>
+            </a:fillRef>
+            <a:effectRef idx="0">
+              <a:schemeClr val="accent1"/>
+            </a:effectRef>
+            <a:fontRef idx="minor">
+              <a:schemeClr val="lt1"/>
+            </a:fontRef>
+          </p:style>
+          <p:txBody>
+            <a:bodyPr rtlCol="0" anchor="ctr"/>
+            <a:lstStyle/>
+            <a:p>
+              <a:pPr algn="ctr"/>
+              <a:endParaRPr lang="en-US" sz="600">
+                <a:solidFill>
+                  <a:schemeClr val="accent5">
+                    <a:lumMod val="20000"/>
+                    <a:lumOff val="80000"/>
+                  </a:schemeClr>
+                </a:solidFill>
+              </a:endParaRPr>
+            </a:p>
+          </p:txBody>
+        </p:sp>
+        <p:sp>
+          <p:nvSpPr>
+            <p:cNvPr id="9" name="Rectangle 8">
+              <a:extLst>
+                <a:ext uri="{FF2B5EF4-FFF2-40B4-BE49-F238E27FC236}">
+                  <a16:creationId xmlns:a16="http://schemas.microsoft.com/office/drawing/2014/main" id="{0749289A-53E1-1946-D278-60715DC68709}"/>
+                </a:ext>
+              </a:extLst>
+            </p:cNvPr>
+            <p:cNvSpPr/>
+            <p:nvPr/>
+          </p:nvSpPr>
+          <p:spPr>
+            <a:xfrm>
+              <a:off x="2540270" y="3385780"/>
+              <a:ext cx="4758042" cy="479418"/>
+            </a:xfrm>
+            <a:prstGeom prst="rect">
+              <a:avLst/>
+            </a:prstGeom>
+            <a:solidFill>
+              <a:schemeClr val="accent4">
+                <a:lumMod val="20000"/>
+                <a:lumOff val="80000"/>
+                <a:alpha val="50000"/>
+              </a:schemeClr>
+            </a:solidFill>
+            <a:ln>
+              <a:noFill/>
+            </a:ln>
+          </p:spPr>
+          <p:style>
+            <a:lnRef idx="2">
+              <a:schemeClr val="accent1">
+                <a:shade val="50000"/>
+              </a:schemeClr>
+            </a:lnRef>
+            <a:fillRef idx="1">
+              <a:schemeClr val="accent1"/>
+            </a:fillRef>
+            <a:effectRef idx="0">
+              <a:schemeClr val="accent1"/>
+            </a:effectRef>
+            <a:fontRef idx="minor">
+              <a:schemeClr val="lt1"/>
+            </a:fontRef>
+          </p:style>
+          <p:txBody>
+            <a:bodyPr rtlCol="0" anchor="ctr"/>
+            <a:lstStyle/>
+            <a:p>
+              <a:pPr algn="ctr"/>
+              <a:endParaRPr lang="en-US" sz="600"/>
+            </a:p>
+          </p:txBody>
+        </p:sp>
+        <p:sp>
+          <p:nvSpPr>
+            <p:cNvPr id="7" name="Rectangle 6">
+              <a:extLst>
+                <a:ext uri="{FF2B5EF4-FFF2-40B4-BE49-F238E27FC236}">
+                  <a16:creationId xmlns:a16="http://schemas.microsoft.com/office/drawing/2014/main" id="{24251349-5B3A-56C6-20BD-5C182734FF57}"/>
+                </a:ext>
+              </a:extLst>
+            </p:cNvPr>
+            <p:cNvSpPr/>
+            <p:nvPr/>
+          </p:nvSpPr>
+          <p:spPr>
+            <a:xfrm>
+              <a:off x="2539235" y="1675249"/>
+              <a:ext cx="4754880" cy="411480"/>
+            </a:xfrm>
+            <a:prstGeom prst="rect">
+              <a:avLst/>
+            </a:prstGeom>
+            <a:solidFill>
+              <a:schemeClr val="accent2">
+                <a:lumMod val="20000"/>
+                <a:lumOff val="80000"/>
+                <a:alpha val="50000"/>
+              </a:schemeClr>
+            </a:solidFill>
+            <a:ln>
+              <a:noFill/>
+            </a:ln>
+          </p:spPr>
+          <p:style>
+            <a:lnRef idx="2">
+              <a:schemeClr val="accent1">
+                <a:shade val="50000"/>
+              </a:schemeClr>
+            </a:lnRef>
+            <a:fillRef idx="1">
+              <a:schemeClr val="accent1"/>
+            </a:fillRef>
+            <a:effectRef idx="0">
+              <a:schemeClr val="accent1"/>
+            </a:effectRef>
+            <a:fontRef idx="minor">
+              <a:schemeClr val="lt1"/>
+            </a:fontRef>
+          </p:style>
+          <p:txBody>
+            <a:bodyPr rtlCol="0" anchor="ctr"/>
+            <a:lstStyle/>
+            <a:p>
+              <a:pPr algn="ctr"/>
+              <a:endParaRPr lang="en-US" sz="600"/>
+            </a:p>
+          </p:txBody>
+        </p:sp>
+        <p:sp>
+          <p:nvSpPr>
+            <p:cNvPr id="5" name="Rectangle 4">
+              <a:extLst>
+                <a:ext uri="{FF2B5EF4-FFF2-40B4-BE49-F238E27FC236}">
+                  <a16:creationId xmlns:a16="http://schemas.microsoft.com/office/drawing/2014/main" id="{2473ED59-540C-D964-C88B-AA7BE9DDCBC7}"/>
+                </a:ext>
+              </a:extLst>
+            </p:cNvPr>
+            <p:cNvSpPr/>
+            <p:nvPr/>
+          </p:nvSpPr>
+          <p:spPr>
+            <a:xfrm>
+              <a:off x="2540276" y="349513"/>
+              <a:ext cx="4758042" cy="1314336"/>
+            </a:xfrm>
+            <a:prstGeom prst="rect">
+              <a:avLst/>
+            </a:prstGeom>
+            <a:solidFill>
+              <a:schemeClr val="accent6">
+                <a:lumMod val="20000"/>
+                <a:lumOff val="80000"/>
+                <a:alpha val="50000"/>
+              </a:schemeClr>
+            </a:solidFill>
+            <a:ln>
+              <a:noFill/>
+            </a:ln>
+          </p:spPr>
+          <p:style>
+            <a:lnRef idx="2">
+              <a:schemeClr val="accent1">
+                <a:shade val="50000"/>
+              </a:schemeClr>
+            </a:lnRef>
+            <a:fillRef idx="1">
+              <a:schemeClr val="accent1"/>
+            </a:fillRef>
+            <a:effectRef idx="0">
+              <a:schemeClr val="accent1"/>
+            </a:effectRef>
+            <a:fontRef idx="minor">
+              <a:schemeClr val="lt1"/>
+            </a:fontRef>
+          </p:style>
+          <p:txBody>
+            <a:bodyPr rtlCol="0" anchor="ctr"/>
+            <a:lstStyle/>
+            <a:p>
+              <a:pPr algn="ctr"/>
+              <a:endParaRPr lang="en-US" sz="600"/>
+            </a:p>
+          </p:txBody>
+        </p:sp>
+        <p:sp>
+          <p:nvSpPr>
+            <p:cNvPr id="4" name="TextBox 3">
+              <a:extLst>
+                <a:ext uri="{FF2B5EF4-FFF2-40B4-BE49-F238E27FC236}">
+                  <a16:creationId xmlns:a16="http://schemas.microsoft.com/office/drawing/2014/main" id="{AEF6A663-590F-9E64-EF04-9BB10DB23B14}"/>
+                </a:ext>
+              </a:extLst>
+            </p:cNvPr>
+            <p:cNvSpPr txBox="1"/>
+            <p:nvPr/>
+          </p:nvSpPr>
+          <p:spPr>
+            <a:xfrm>
+              <a:off x="2453186" y="325768"/>
+              <a:ext cx="5019306" cy="3534301"/>
+            </a:xfrm>
+            <a:prstGeom prst="rect">
+              <a:avLst/>
+            </a:prstGeom>
+            <a:noFill/>
+          </p:spPr>
+          <p:txBody>
+            <a:bodyPr wrap="square" rtlCol="0">
+              <a:spAutoFit/>
+            </a:bodyPr>
+            <a:lstStyle/>
+            <a:p>
+              <a:r>
+                <a:rPr lang="zh-CN" altLang="en-US" sz="1002" dirty="0">
+                  <a:latin typeface="Consolas" panose="020B0609020204030204" pitchFamily="49" charset="0"/>
+                  <a:cs typeface="Consolas" panose="020B0609020204030204" pitchFamily="49" charset="0"/>
+                </a:rPr>
+                <a:t> </a:t>
+              </a:r>
+              <a:r>
+                <a:rPr lang="en-US" sz="1002" dirty="0">
+                  <a:latin typeface="Consolas" panose="020B0609020204030204" pitchFamily="49" charset="0"/>
+                  <a:cs typeface="Consolas" panose="020B0609020204030204" pitchFamily="49" charset="0"/>
+                </a:rPr>
+                <a:t>1</a:t>
+              </a:r>
+              <a:r>
+                <a:rPr lang="zh-CN" altLang="en-US" sz="1002" dirty="0">
+                  <a:latin typeface="Consolas" panose="020B0609020204030204" pitchFamily="49" charset="0"/>
+                  <a:cs typeface="Consolas" panose="020B0609020204030204" pitchFamily="49" charset="0"/>
+                </a:rPr>
+                <a:t> </a:t>
+              </a:r>
+              <a:r>
+                <a:rPr lang="en-US" altLang="zh-CN" sz="1398" dirty="0">
+                  <a:solidFill>
+                    <a:schemeClr val="accent1">
+                      <a:lumMod val="75000"/>
+                    </a:schemeClr>
+                  </a:solidFill>
+                  <a:latin typeface="Consolas" panose="020B0609020204030204" pitchFamily="49" charset="0"/>
+                  <a:cs typeface="Consolas" panose="020B0609020204030204" pitchFamily="49" charset="0"/>
+                </a:rPr>
+                <a:t>let</a:t>
+              </a:r>
+              <a:r>
+                <a:rPr lang="en-US" altLang="zh-CN" sz="1398" dirty="0">
+                  <a:latin typeface="Consolas" panose="020B0609020204030204" pitchFamily="49" charset="0"/>
+                  <a:cs typeface="Consolas" panose="020B0609020204030204" pitchFamily="49" charset="0"/>
+                </a:rPr>
+                <a:t> </a:t>
+              </a:r>
+              <a:r>
+                <a:rPr lang="en-US" altLang="zh-CN" sz="1398" dirty="0" err="1">
+                  <a:latin typeface="Consolas" panose="020B0609020204030204" pitchFamily="49" charset="0"/>
+                  <a:cs typeface="Consolas" panose="020B0609020204030204" pitchFamily="49" charset="0"/>
+                </a:rPr>
+                <a:t>set_iter</a:t>
+              </a:r>
+              <a:r>
+                <a:rPr lang="en-US" altLang="zh-CN" sz="1398" dirty="0">
+                  <a:latin typeface="Consolas" panose="020B0609020204030204" pitchFamily="49" charset="0"/>
+                  <a:cs typeface="Consolas" panose="020B0609020204030204" pitchFamily="49" charset="0"/>
+                </a:rPr>
+                <a:t> = payload</a:t>
+              </a:r>
+            </a:p>
+            <a:p>
+              <a:r>
+                <a:rPr lang="en-US" altLang="zh-CN" sz="1002" dirty="0">
+                  <a:latin typeface="Consolas" panose="020B0609020204030204" pitchFamily="49" charset="0"/>
+                  <a:cs typeface="Consolas" panose="020B0609020204030204" pitchFamily="49" charset="0"/>
+                </a:rPr>
+                <a:t> 2 </a:t>
+              </a:r>
+              <a:r>
+                <a:rPr lang="en-US" altLang="zh-CN" sz="1398" dirty="0">
+                  <a:latin typeface="Consolas" panose="020B0609020204030204" pitchFamily="49" charset="0"/>
+                  <a:cs typeface="Consolas" panose="020B0609020204030204" pitchFamily="49" charset="0"/>
+                </a:rPr>
+                <a:t> </a:t>
+              </a:r>
+              <a:r>
+                <a:rPr lang="en-US" altLang="zh-CN" sz="1398" dirty="0">
+                  <a:solidFill>
+                    <a:srgbClr val="005DF6"/>
+                  </a:solidFill>
+                  <a:latin typeface="Consolas" panose="020B0609020204030204" pitchFamily="49" charset="0"/>
+                  <a:cs typeface="Consolas" panose="020B0609020204030204" pitchFamily="49" charset="0"/>
+                </a:rPr>
+                <a:t>.windows</a:t>
+              </a:r>
+              <a:r>
+                <a:rPr lang="en-US" altLang="zh-CN" sz="1398" dirty="0">
+                  <a:latin typeface="Consolas" panose="020B0609020204030204" pitchFamily="49" charset="0"/>
+                  <a:cs typeface="Consolas" panose="020B0609020204030204" pitchFamily="49" charset="0"/>
+                </a:rPr>
+                <a:t>(4) </a:t>
+              </a:r>
+              <a:r>
+                <a:rPr lang="en-US" sz="1398" dirty="0">
+                  <a:solidFill>
+                    <a:schemeClr val="accent6">
+                      <a:lumMod val="75000"/>
+                    </a:schemeClr>
+                  </a:solidFill>
+                  <a:latin typeface="Consolas" panose="020B0609020204030204" pitchFamily="49" charset="0"/>
+                  <a:cs typeface="Consolas" panose="020B0609020204030204" pitchFamily="49" charset="0"/>
+                </a:rPr>
+                <a:t>// 4 chars as a slice</a:t>
+              </a:r>
+              <a:endParaRPr lang="en-US" altLang="zh-CN" sz="1398" dirty="0">
+                <a:latin typeface="Consolas" panose="020B0609020204030204" pitchFamily="49" charset="0"/>
+                <a:cs typeface="Consolas" panose="020B0609020204030204" pitchFamily="49" charset="0"/>
+              </a:endParaRPr>
+            </a:p>
+            <a:p>
+              <a:r>
+                <a:rPr lang="en-US" altLang="zh-CN" sz="1002" dirty="0">
+                  <a:latin typeface="Consolas" panose="020B0609020204030204" pitchFamily="49" charset="0"/>
+                  <a:cs typeface="Consolas" panose="020B0609020204030204" pitchFamily="49" charset="0"/>
+                </a:rPr>
+                <a:t> 3 </a:t>
+              </a:r>
+              <a:r>
+                <a:rPr lang="en-US" altLang="zh-CN" sz="1398" dirty="0">
+                  <a:latin typeface="Consolas" panose="020B0609020204030204" pitchFamily="49" charset="0"/>
+                  <a:cs typeface="Consolas" panose="020B0609020204030204" pitchFamily="49" charset="0"/>
+                </a:rPr>
+                <a:t> </a:t>
+              </a:r>
+              <a:r>
+                <a:rPr lang="en-US" altLang="zh-CN" sz="1398" dirty="0">
+                  <a:solidFill>
+                    <a:srgbClr val="005DF6"/>
+                  </a:solidFill>
+                  <a:latin typeface="Consolas" panose="020B0609020204030204" pitchFamily="49" charset="0"/>
+                  <a:cs typeface="Consolas" panose="020B0609020204030204" pitchFamily="49" charset="0"/>
+                </a:rPr>
+                <a:t>.enumerate</a:t>
+              </a:r>
+              <a:r>
+                <a:rPr lang="en-US" altLang="zh-CN" sz="1398" dirty="0">
+                  <a:latin typeface="Consolas" panose="020B0609020204030204" pitchFamily="49" charset="0"/>
+                  <a:cs typeface="Consolas" panose="020B0609020204030204" pitchFamily="49" charset="0"/>
+                </a:rPr>
+                <a:t>()</a:t>
+              </a:r>
+            </a:p>
+            <a:p>
+              <a:r>
+                <a:rPr lang="en-US" altLang="zh-CN" sz="1002" dirty="0">
+                  <a:latin typeface="Consolas" panose="020B0609020204030204" pitchFamily="49" charset="0"/>
+                  <a:cs typeface="Consolas" panose="020B0609020204030204" pitchFamily="49" charset="0"/>
+                </a:rPr>
+                <a:t> 4 </a:t>
+              </a:r>
+              <a:r>
+                <a:rPr lang="en-US" altLang="zh-CN" sz="1398" dirty="0">
+                  <a:latin typeface="Consolas" panose="020B0609020204030204" pitchFamily="49" charset="0"/>
+                  <a:cs typeface="Consolas" panose="020B0609020204030204" pitchFamily="49" charset="0"/>
+                </a:rPr>
+                <a:t> </a:t>
+              </a:r>
+              <a:r>
+                <a:rPr lang="en-US" altLang="zh-CN" sz="1398" dirty="0">
+                  <a:solidFill>
+                    <a:srgbClr val="005DF6"/>
+                  </a:solidFill>
+                  <a:latin typeface="Consolas" panose="020B0609020204030204" pitchFamily="49" charset="0"/>
+                  <a:cs typeface="Consolas" panose="020B0609020204030204" pitchFamily="49" charset="0"/>
+                </a:rPr>
+                <a:t>.</a:t>
+              </a:r>
+              <a:r>
+                <a:rPr lang="en-US" altLang="zh-CN" sz="1398" dirty="0" err="1">
+                  <a:solidFill>
+                    <a:srgbClr val="005DF6"/>
+                  </a:solidFill>
+                  <a:latin typeface="Consolas" panose="020B0609020204030204" pitchFamily="49" charset="0"/>
+                  <a:cs typeface="Consolas" panose="020B0609020204030204" pitchFamily="49" charset="0"/>
+                </a:rPr>
+                <a:t>filter_map</a:t>
+              </a:r>
+              <a:r>
+                <a:rPr lang="en-US" altLang="zh-CN" sz="1398" dirty="0">
+                  <a:latin typeface="Consolas" panose="020B0609020204030204" pitchFamily="49" charset="0"/>
+                  <a:cs typeface="Consolas" panose="020B0609020204030204" pitchFamily="49" charset="0"/>
+                </a:rPr>
+                <a:t>(|(</a:t>
+              </a:r>
+              <a:r>
+                <a:rPr lang="en-US" altLang="zh-CN" sz="1398" dirty="0" err="1">
+                  <a:latin typeface="Consolas" panose="020B0609020204030204" pitchFamily="49" charset="0"/>
+                  <a:cs typeface="Consolas" panose="020B0609020204030204" pitchFamily="49" charset="0"/>
+                </a:rPr>
+                <a:t>i</a:t>
+              </a:r>
+              <a:r>
+                <a:rPr lang="en-US" altLang="zh-CN" sz="1398" dirty="0">
+                  <a:latin typeface="Consolas" panose="020B0609020204030204" pitchFamily="49" charset="0"/>
+                  <a:cs typeface="Consolas" panose="020B0609020204030204" pitchFamily="49" charset="0"/>
+                </a:rPr>
+                <a:t>, v)|</a:t>
+              </a:r>
+            </a:p>
+            <a:p>
+              <a:r>
+                <a:rPr lang="en-US" altLang="zh-CN" sz="1002" dirty="0">
+                  <a:latin typeface="Consolas" panose="020B0609020204030204" pitchFamily="49" charset="0"/>
+                  <a:cs typeface="Consolas" panose="020B0609020204030204" pitchFamily="49" charset="0"/>
+                </a:rPr>
+                <a:t> 5</a:t>
+              </a:r>
+              <a:r>
+                <a:rPr lang="en-US" altLang="zh-CN" sz="1398" dirty="0">
+                  <a:latin typeface="Consolas" panose="020B0609020204030204" pitchFamily="49" charset="0"/>
+                  <a:cs typeface="Consolas" panose="020B0609020204030204" pitchFamily="49" charset="0"/>
+                </a:rPr>
+                <a:t>     </a:t>
+              </a:r>
+              <a:r>
+                <a:rPr lang="en-US" altLang="zh-CN" sz="1398" dirty="0">
+                  <a:solidFill>
+                    <a:schemeClr val="accent1">
+                      <a:lumMod val="75000"/>
+                    </a:schemeClr>
+                  </a:solidFill>
+                  <a:latin typeface="Consolas" panose="020B0609020204030204" pitchFamily="49" charset="0"/>
+                  <a:cs typeface="Consolas" panose="020B0609020204030204" pitchFamily="49" charset="0"/>
+                </a:rPr>
+                <a:t>if</a:t>
+              </a:r>
+              <a:r>
+                <a:rPr lang="en-US" altLang="zh-CN" sz="1398" dirty="0">
+                  <a:latin typeface="Consolas" panose="020B0609020204030204" pitchFamily="49" charset="0"/>
+                  <a:cs typeface="Consolas" panose="020B0609020204030204" pitchFamily="49" charset="0"/>
+                </a:rPr>
+                <a:t> v == </a:t>
+              </a:r>
+              <a:r>
+                <a:rPr lang="en-US" altLang="zh-CN" sz="1398" dirty="0" err="1">
+                  <a:latin typeface="Consolas" panose="020B0609020204030204" pitchFamily="49" charset="0"/>
+                  <a:cs typeface="Consolas" panose="020B0609020204030204" pitchFamily="49" charset="0"/>
+                </a:rPr>
+                <a:t>b</a:t>
+              </a:r>
+              <a:r>
+                <a:rPr lang="en-US" altLang="zh-CN" sz="1398" dirty="0" err="1">
+                  <a:solidFill>
+                    <a:srgbClr val="005DF6"/>
+                  </a:solidFill>
+                  <a:latin typeface="Consolas" panose="020B0609020204030204" pitchFamily="49" charset="0"/>
+                  <a:cs typeface="Consolas" panose="020B0609020204030204" pitchFamily="49" charset="0"/>
+                </a:rPr>
+                <a:t>"set</a:t>
+              </a:r>
+              <a:r>
+                <a:rPr lang="en-US" altLang="zh-CN" sz="1398" dirty="0">
+                  <a:solidFill>
+                    <a:srgbClr val="005DF6"/>
+                  </a:solidFill>
+                  <a:latin typeface="Consolas" panose="020B0609020204030204" pitchFamily="49" charset="0"/>
+                  <a:cs typeface="Consolas" panose="020B0609020204030204" pitchFamily="49" charset="0"/>
+                </a:rPr>
+                <a:t> " </a:t>
+              </a:r>
+              <a:r>
+                <a:rPr lang="en-US" altLang="zh-CN" sz="1398" dirty="0">
+                  <a:latin typeface="Consolas" panose="020B0609020204030204" pitchFamily="49" charset="0"/>
+                  <a:cs typeface="Consolas" panose="020B0609020204030204" pitchFamily="49" charset="0"/>
+                </a:rPr>
+                <a:t>{ </a:t>
+              </a:r>
+              <a:r>
+                <a:rPr lang="en-US" altLang="zh-CN" sz="1398" dirty="0">
+                  <a:solidFill>
+                    <a:schemeClr val="accent3">
+                      <a:lumMod val="75000"/>
+                    </a:schemeClr>
+                  </a:solidFill>
+                  <a:latin typeface="Consolas" panose="020B0609020204030204" pitchFamily="49" charset="0"/>
+                  <a:cs typeface="Consolas" panose="020B0609020204030204" pitchFamily="49" charset="0"/>
+                </a:rPr>
+                <a:t>Some</a:t>
+              </a:r>
+              <a:r>
+                <a:rPr lang="en-US" altLang="zh-CN" sz="1398" dirty="0">
+                  <a:latin typeface="Consolas" panose="020B0609020204030204" pitchFamily="49" charset="0"/>
+                  <a:cs typeface="Consolas" panose="020B0609020204030204" pitchFamily="49" charset="0"/>
+                </a:rPr>
+                <a:t>(</a:t>
+              </a:r>
+              <a:r>
+                <a:rPr lang="en-US" altLang="zh-CN" sz="1398" dirty="0" err="1">
+                  <a:latin typeface="Consolas" panose="020B0609020204030204" pitchFamily="49" charset="0"/>
+                  <a:cs typeface="Consolas" panose="020B0609020204030204" pitchFamily="49" charset="0"/>
+                </a:rPr>
+                <a:t>i</a:t>
+              </a:r>
+              <a:r>
+                <a:rPr lang="en-US" altLang="zh-CN" sz="1398" dirty="0">
+                  <a:latin typeface="Consolas" panose="020B0609020204030204" pitchFamily="49" charset="0"/>
+                  <a:cs typeface="Consolas" panose="020B0609020204030204" pitchFamily="49" charset="0"/>
+                </a:rPr>
+                <a:t>) } </a:t>
+              </a:r>
+              <a:r>
+                <a:rPr lang="en-US" altLang="zh-CN" sz="1398" dirty="0">
+                  <a:solidFill>
+                    <a:schemeClr val="accent1">
+                      <a:lumMod val="75000"/>
+                    </a:schemeClr>
+                  </a:solidFill>
+                  <a:latin typeface="Consolas" panose="020B0609020204030204" pitchFamily="49" charset="0"/>
+                  <a:cs typeface="Consolas" panose="020B0609020204030204" pitchFamily="49" charset="0"/>
+                </a:rPr>
+                <a:t>else</a:t>
+              </a:r>
+              <a:r>
+                <a:rPr lang="en-US" altLang="zh-CN" sz="1398" dirty="0">
+                  <a:latin typeface="Consolas" panose="020B0609020204030204" pitchFamily="49" charset="0"/>
+                  <a:cs typeface="Consolas" panose="020B0609020204030204" pitchFamily="49" charset="0"/>
+                </a:rPr>
+                <a:t> { </a:t>
+              </a:r>
+              <a:r>
+                <a:rPr lang="en-US" altLang="zh-CN" sz="1398" dirty="0">
+                  <a:solidFill>
+                    <a:schemeClr val="accent3">
+                      <a:lumMod val="75000"/>
+                    </a:schemeClr>
+                  </a:solidFill>
+                  <a:latin typeface="Consolas" panose="020B0609020204030204" pitchFamily="49" charset="0"/>
+                  <a:cs typeface="Consolas" panose="020B0609020204030204" pitchFamily="49" charset="0"/>
+                </a:rPr>
+                <a:t>None</a:t>
+              </a:r>
+              <a:r>
+                <a:rPr lang="en-US" altLang="zh-CN" sz="1398" dirty="0">
+                  <a:latin typeface="Consolas" panose="020B0609020204030204" pitchFamily="49" charset="0"/>
+                  <a:cs typeface="Consolas" panose="020B0609020204030204" pitchFamily="49" charset="0"/>
+                </a:rPr>
+                <a:t> }</a:t>
+              </a:r>
+            </a:p>
+            <a:p>
+              <a:r>
+                <a:rPr lang="en-US" altLang="zh-CN" sz="1002" dirty="0">
+                  <a:latin typeface="Consolas" panose="020B0609020204030204" pitchFamily="49" charset="0"/>
+                  <a:cs typeface="Consolas" panose="020B0609020204030204" pitchFamily="49" charset="0"/>
+                </a:rPr>
+                <a:t> 6 </a:t>
+              </a:r>
+              <a:r>
+                <a:rPr lang="en-US" altLang="zh-CN" sz="1398" dirty="0">
+                  <a:latin typeface="Consolas" panose="020B0609020204030204" pitchFamily="49" charset="0"/>
+                  <a:cs typeface="Consolas" panose="020B0609020204030204" pitchFamily="49" charset="0"/>
+                </a:rPr>
+                <a:t>); </a:t>
+              </a:r>
+              <a:r>
+                <a:rPr lang="en-US" sz="1398" dirty="0">
+                  <a:solidFill>
+                    <a:schemeClr val="accent6">
+                      <a:lumMod val="75000"/>
+                    </a:schemeClr>
+                  </a:solidFill>
+                  <a:latin typeface="Consolas" panose="020B0609020204030204" pitchFamily="49" charset="0"/>
+                  <a:cs typeface="Consolas" panose="020B0609020204030204" pitchFamily="49" charset="0"/>
+                </a:rPr>
+                <a:t>// found the SET command</a:t>
+              </a:r>
+              <a:endParaRPr lang="en-US" altLang="zh-CN" sz="1398" dirty="0">
+                <a:latin typeface="Consolas" panose="020B0609020204030204" pitchFamily="49" charset="0"/>
+                <a:cs typeface="Consolas" panose="020B0609020204030204" pitchFamily="49" charset="0"/>
+              </a:endParaRPr>
+            </a:p>
+            <a:p>
+              <a:r>
+                <a:rPr lang="en-US" altLang="zh-CN" sz="1002" dirty="0">
+                  <a:latin typeface="Consolas" panose="020B0609020204030204" pitchFamily="49" charset="0"/>
+                  <a:cs typeface="Consolas" panose="020B0609020204030204" pitchFamily="49" charset="0"/>
+                </a:rPr>
+                <a:t> 7 </a:t>
+              </a:r>
+              <a:r>
+                <a:rPr lang="en-US" altLang="zh-CN" sz="1398" dirty="0">
+                  <a:solidFill>
+                    <a:schemeClr val="accent1">
+                      <a:lumMod val="75000"/>
+                    </a:schemeClr>
+                  </a:solidFill>
+                  <a:latin typeface="Consolas" panose="020B0609020204030204" pitchFamily="49" charset="0"/>
+                  <a:cs typeface="Consolas" panose="020B0609020204030204" pitchFamily="49" charset="0"/>
+                </a:rPr>
+                <a:t>for</a:t>
+              </a:r>
+              <a:r>
+                <a:rPr lang="en-US" altLang="zh-CN" sz="1398" dirty="0">
+                  <a:latin typeface="Consolas" panose="020B0609020204030204" pitchFamily="49" charset="0"/>
+                  <a:cs typeface="Consolas" panose="020B0609020204030204" pitchFamily="49" charset="0"/>
+                </a:rPr>
+                <a:t> index </a:t>
+              </a:r>
+              <a:r>
+                <a:rPr lang="en-US" altLang="zh-CN" sz="1398" dirty="0">
+                  <a:solidFill>
+                    <a:schemeClr val="accent1">
+                      <a:lumMod val="75000"/>
+                    </a:schemeClr>
+                  </a:solidFill>
+                  <a:latin typeface="Consolas" panose="020B0609020204030204" pitchFamily="49" charset="0"/>
+                  <a:cs typeface="Consolas" panose="020B0609020204030204" pitchFamily="49" charset="0"/>
+                </a:rPr>
+                <a:t>in</a:t>
+              </a:r>
+              <a:r>
+                <a:rPr lang="en-US" altLang="zh-CN" sz="1398" dirty="0">
+                  <a:latin typeface="Consolas" panose="020B0609020204030204" pitchFamily="49" charset="0"/>
+                  <a:cs typeface="Consolas" panose="020B0609020204030204" pitchFamily="49" charset="0"/>
+                </a:rPr>
+                <a:t> </a:t>
+              </a:r>
+              <a:r>
+                <a:rPr lang="en-US" altLang="zh-CN" sz="1398" dirty="0" err="1">
+                  <a:latin typeface="Consolas" panose="020B0609020204030204" pitchFamily="49" charset="0"/>
+                  <a:cs typeface="Consolas" panose="020B0609020204030204" pitchFamily="49" charset="0"/>
+                </a:rPr>
+                <a:t>set_iter</a:t>
+              </a:r>
+              <a:r>
+                <a:rPr lang="en-US" altLang="zh-CN" sz="1398" dirty="0">
+                  <a:latin typeface="Consolas" panose="020B0609020204030204" pitchFamily="49" charset="0"/>
+                  <a:cs typeface="Consolas" panose="020B0609020204030204" pitchFamily="49" charset="0"/>
+                </a:rPr>
+                <a:t> {</a:t>
+              </a:r>
+            </a:p>
+            <a:p>
+              <a:r>
+                <a:rPr lang="en-US" altLang="zh-CN" sz="1002" dirty="0">
+                  <a:latin typeface="Consolas" panose="020B0609020204030204" pitchFamily="49" charset="0"/>
+                  <a:cs typeface="Consolas" panose="020B0609020204030204" pitchFamily="49" charset="0"/>
+                </a:rPr>
+                <a:t> 8</a:t>
+              </a:r>
+              <a:r>
+                <a:rPr lang="en-US" altLang="zh-CN" sz="1398" dirty="0">
+                  <a:latin typeface="Consolas" panose="020B0609020204030204" pitchFamily="49" charset="0"/>
+                  <a:cs typeface="Consolas" panose="020B0609020204030204" pitchFamily="49" charset="0"/>
+                </a:rPr>
+                <a:t>   ... </a:t>
+              </a:r>
+              <a:r>
+                <a:rPr lang="en-US" sz="1398" dirty="0">
+                  <a:solidFill>
+                    <a:schemeClr val="accent6">
+                      <a:lumMod val="75000"/>
+                    </a:schemeClr>
+                  </a:solidFill>
+                  <a:latin typeface="Consolas" panose="020B0609020204030204" pitchFamily="49" charset="0"/>
+                  <a:cs typeface="Consolas" panose="020B0609020204030204" pitchFamily="49" charset="0"/>
+                </a:rPr>
+                <a:t>// set payload index via SET command</a:t>
+              </a:r>
+              <a:endParaRPr lang="en-US" altLang="zh-CN" sz="1398" dirty="0">
+                <a:latin typeface="Consolas" panose="020B0609020204030204" pitchFamily="49" charset="0"/>
+                <a:cs typeface="Consolas" panose="020B0609020204030204" pitchFamily="49" charset="0"/>
+              </a:endParaRPr>
+            </a:p>
+            <a:p>
+              <a:r>
+                <a:rPr lang="en-US" altLang="zh-CN" sz="1002" dirty="0">
+                  <a:latin typeface="Consolas" panose="020B0609020204030204" pitchFamily="49" charset="0"/>
+                  <a:cs typeface="Consolas" panose="020B0609020204030204" pitchFamily="49" charset="0"/>
+                </a:rPr>
+                <a:t> 9</a:t>
+              </a:r>
+              <a:r>
+                <a:rPr lang="en-US" altLang="zh-CN" sz="1398" dirty="0">
+                  <a:latin typeface="Consolas" panose="020B0609020204030204" pitchFamily="49" charset="0"/>
+                  <a:cs typeface="Consolas" panose="020B0609020204030204" pitchFamily="49" charset="0"/>
+                </a:rPr>
+                <a:t>   payload</a:t>
+              </a:r>
+            </a:p>
+            <a:p>
+              <a:r>
+                <a:rPr lang="en-US" altLang="zh-CN" sz="1002" dirty="0">
+                  <a:latin typeface="Consolas" panose="020B0609020204030204" pitchFamily="49" charset="0"/>
+                  <a:cs typeface="Consolas" panose="020B0609020204030204" pitchFamily="49" charset="0"/>
+                </a:rPr>
+                <a:t>10</a:t>
+              </a:r>
+              <a:r>
+                <a:rPr lang="en-US" altLang="zh-CN" sz="1398" dirty="0">
+                  <a:latin typeface="Consolas" panose="020B0609020204030204" pitchFamily="49" charset="0"/>
+                  <a:cs typeface="Consolas" panose="020B0609020204030204" pitchFamily="49" charset="0"/>
+                </a:rPr>
+                <a:t>    </a:t>
+              </a:r>
+              <a:r>
+                <a:rPr lang="en-US" altLang="zh-CN" sz="1398" dirty="0">
+                  <a:solidFill>
+                    <a:srgbClr val="005DF6"/>
+                  </a:solidFill>
+                  <a:latin typeface="Consolas" panose="020B0609020204030204" pitchFamily="49" charset="0"/>
+                  <a:cs typeface="Consolas" panose="020B0609020204030204" pitchFamily="49" charset="0"/>
+                </a:rPr>
+                <a:t>.</a:t>
+              </a:r>
+              <a:r>
+                <a:rPr lang="en-US" altLang="zh-CN" sz="1398" dirty="0" err="1">
+                  <a:solidFill>
+                    <a:srgbClr val="005DF6"/>
+                  </a:solidFill>
+                  <a:latin typeface="Consolas" panose="020B0609020204030204" pitchFamily="49" charset="0"/>
+                  <a:cs typeface="Consolas" panose="020B0609020204030204" pitchFamily="49" charset="0"/>
+                </a:rPr>
+                <a:t>iter</a:t>
+              </a:r>
+              <a:r>
+                <a:rPr lang="en-US" altLang="zh-CN" sz="1398" dirty="0">
+                  <a:latin typeface="Consolas" panose="020B0609020204030204" pitchFamily="49" charset="0"/>
+                  <a:cs typeface="Consolas" panose="020B0609020204030204" pitchFamily="49" charset="0"/>
+                </a:rPr>
+                <a:t>()</a:t>
+              </a:r>
+            </a:p>
+            <a:p>
+              <a:r>
+                <a:rPr lang="en-US" altLang="zh-CN" sz="1002" dirty="0">
+                  <a:latin typeface="Consolas" panose="020B0609020204030204" pitchFamily="49" charset="0"/>
+                  <a:cs typeface="Consolas" panose="020B0609020204030204" pitchFamily="49" charset="0"/>
+                </a:rPr>
+                <a:t>11</a:t>
+              </a:r>
+              <a:r>
+                <a:rPr lang="en-US" altLang="zh-CN" sz="1398" dirty="0">
+                  <a:latin typeface="Consolas" panose="020B0609020204030204" pitchFamily="49" charset="0"/>
+                  <a:cs typeface="Consolas" panose="020B0609020204030204" pitchFamily="49" charset="0"/>
+                </a:rPr>
+                <a:t>    </a:t>
+              </a:r>
+              <a:r>
+                <a:rPr lang="en-US" altLang="zh-CN" sz="1398" dirty="0">
+                  <a:solidFill>
+                    <a:srgbClr val="005DF6"/>
+                  </a:solidFill>
+                  <a:latin typeface="Consolas" panose="020B0609020204030204" pitchFamily="49" charset="0"/>
+                  <a:cs typeface="Consolas" panose="020B0609020204030204" pitchFamily="49" charset="0"/>
+                </a:rPr>
+                <a:t>.</a:t>
+              </a:r>
+              <a:r>
+                <a:rPr lang="en-US" altLang="zh-CN" sz="1398" dirty="0" err="1">
+                  <a:solidFill>
+                    <a:srgbClr val="005DF6"/>
+                  </a:solidFill>
+                  <a:latin typeface="Consolas" panose="020B0609020204030204" pitchFamily="49" charset="0"/>
+                  <a:cs typeface="Consolas" panose="020B0609020204030204" pitchFamily="49" charset="0"/>
+                </a:rPr>
+                <a:t>take_while</a:t>
+              </a:r>
+              <a:r>
+                <a:rPr lang="en-US" altLang="zh-CN" sz="1398" dirty="0">
+                  <a:latin typeface="Consolas" panose="020B0609020204030204" pitchFamily="49" charset="0"/>
+                  <a:cs typeface="Consolas" panose="020B0609020204030204" pitchFamily="49" charset="0"/>
+                </a:rPr>
+                <a:t>(|&amp;&amp;c| c != b</a:t>
+              </a:r>
+              <a:r>
+                <a:rPr lang="en-US" altLang="zh-CN" sz="1398" dirty="0">
+                  <a:solidFill>
+                    <a:srgbClr val="005DF6"/>
+                  </a:solidFill>
+                  <a:latin typeface="Consolas" panose="020B0609020204030204" pitchFamily="49" charset="0"/>
+                  <a:cs typeface="Consolas" panose="020B0609020204030204" pitchFamily="49" charset="0"/>
+                </a:rPr>
+                <a:t>' '</a:t>
+              </a:r>
+              <a:r>
+                <a:rPr lang="en-US" altLang="zh-CN" sz="1398" dirty="0">
+                  <a:latin typeface="Consolas" panose="020B0609020204030204" pitchFamily="49" charset="0"/>
+                  <a:cs typeface="Consolas" panose="020B0609020204030204" pitchFamily="49" charset="0"/>
+                </a:rPr>
+                <a:t>) </a:t>
+              </a:r>
+            </a:p>
+            <a:p>
+              <a:r>
+                <a:rPr lang="en-US" altLang="zh-CN" sz="1002" dirty="0">
+                  <a:latin typeface="Consolas" panose="020B0609020204030204" pitchFamily="49" charset="0"/>
+                  <a:cs typeface="Consolas" panose="020B0609020204030204" pitchFamily="49" charset="0"/>
+                </a:rPr>
+                <a:t>12</a:t>
+              </a:r>
+              <a:r>
+                <a:rPr lang="en-US" altLang="zh-CN" sz="1398" dirty="0">
+                  <a:latin typeface="Consolas" panose="020B0609020204030204" pitchFamily="49" charset="0"/>
+                  <a:cs typeface="Consolas" panose="020B0609020204030204" pitchFamily="49" charset="0"/>
+                </a:rPr>
+                <a:t>    </a:t>
+              </a:r>
+              <a:r>
+                <a:rPr lang="en-US" altLang="zh-CN" sz="1398" dirty="0">
+                  <a:solidFill>
+                    <a:srgbClr val="005DF6"/>
+                  </a:solidFill>
+                  <a:latin typeface="Consolas" panose="020B0609020204030204" pitchFamily="49" charset="0"/>
+                  <a:cs typeface="Consolas" panose="020B0609020204030204" pitchFamily="49" charset="0"/>
+                </a:rPr>
+                <a:t>.</a:t>
+              </a:r>
+              <a:r>
+                <a:rPr lang="en-US" altLang="zh-CN" sz="1398" dirty="0" err="1">
+                  <a:solidFill>
+                    <a:srgbClr val="005DF6"/>
+                  </a:solidFill>
+                  <a:latin typeface="Consolas" panose="020B0609020204030204" pitchFamily="49" charset="0"/>
+                  <a:cs typeface="Consolas" panose="020B0609020204030204" pitchFamily="49" charset="0"/>
+                </a:rPr>
+                <a:t>for_each</a:t>
+              </a:r>
+              <a:r>
+                <a:rPr lang="en-US" altLang="zh-CN" sz="1398" dirty="0">
+                  <a:latin typeface="Consolas" panose="020B0609020204030204" pitchFamily="49" charset="0"/>
+                  <a:cs typeface="Consolas" panose="020B0609020204030204" pitchFamily="49" charset="0"/>
+                </a:rPr>
+                <a:t>(|&amp;c| {</a:t>
+              </a:r>
+            </a:p>
+            <a:p>
+              <a:r>
+                <a:rPr lang="en-US" altLang="zh-CN" sz="1002" dirty="0">
+                  <a:latin typeface="Consolas" panose="020B0609020204030204" pitchFamily="49" charset="0"/>
+                  <a:cs typeface="Consolas" panose="020B0609020204030204" pitchFamily="49" charset="0"/>
+                </a:rPr>
+                <a:t>13</a:t>
+              </a:r>
+              <a:r>
+                <a:rPr lang="en-US" altLang="zh-CN" sz="1398" dirty="0">
+                  <a:latin typeface="Consolas" panose="020B0609020204030204" pitchFamily="49" charset="0"/>
+                  <a:cs typeface="Consolas" panose="020B0609020204030204" pitchFamily="49" charset="0"/>
+                </a:rPr>
+                <a:t>      ... </a:t>
+              </a:r>
+              <a:r>
+                <a:rPr lang="en-US" sz="1398" dirty="0">
+                  <a:solidFill>
+                    <a:schemeClr val="accent6">
+                      <a:lumMod val="75000"/>
+                    </a:schemeClr>
+                  </a:solidFill>
+                  <a:latin typeface="Consolas" panose="020B0609020204030204" pitchFamily="49" charset="0"/>
+                  <a:cs typeface="Consolas" panose="020B0609020204030204" pitchFamily="49" charset="0"/>
+                </a:rPr>
+                <a:t>// process the key with hash </a:t>
+              </a:r>
+              <a:r>
+                <a:rPr lang="en-US" sz="1398" dirty="0" err="1">
+                  <a:solidFill>
+                    <a:schemeClr val="accent6">
+                      <a:lumMod val="75000"/>
+                    </a:schemeClr>
+                  </a:solidFill>
+                  <a:latin typeface="Consolas" panose="020B0609020204030204" pitchFamily="49" charset="0"/>
+                  <a:cs typeface="Consolas" panose="020B0609020204030204" pitchFamily="49" charset="0"/>
+                </a:rPr>
+                <a:t>func</a:t>
+              </a:r>
+              <a:r>
+                <a:rPr lang="en-US" sz="1398" dirty="0">
+                  <a:solidFill>
+                    <a:schemeClr val="accent6">
+                      <a:lumMod val="75000"/>
+                    </a:schemeClr>
+                  </a:solidFill>
+                  <a:latin typeface="Consolas" panose="020B0609020204030204" pitchFamily="49" charset="0"/>
+                  <a:cs typeface="Consolas" panose="020B0609020204030204" pitchFamily="49" charset="0"/>
+                </a:rPr>
+                <a:t> </a:t>
+              </a:r>
+              <a:endParaRPr lang="en-US" altLang="zh-CN" sz="1398" dirty="0">
+                <a:latin typeface="Consolas" panose="020B0609020204030204" pitchFamily="49" charset="0"/>
+                <a:cs typeface="Consolas" panose="020B0609020204030204" pitchFamily="49" charset="0"/>
+              </a:endParaRPr>
+            </a:p>
+            <a:p>
+              <a:r>
+                <a:rPr lang="en-US" altLang="zh-CN" sz="1002" dirty="0">
+                  <a:latin typeface="Consolas" panose="020B0609020204030204" pitchFamily="49" charset="0"/>
+                  <a:cs typeface="Consolas" panose="020B0609020204030204" pitchFamily="49" charset="0"/>
+                </a:rPr>
+                <a:t>14</a:t>
+              </a:r>
+              <a:r>
+                <a:rPr lang="en-US" altLang="zh-CN" sz="1398" dirty="0">
+                  <a:latin typeface="Consolas" panose="020B0609020204030204" pitchFamily="49" charset="0"/>
+                  <a:cs typeface="Consolas" panose="020B0609020204030204" pitchFamily="49" charset="0"/>
+                </a:rPr>
+                <a:t>    });</a:t>
+              </a:r>
+            </a:p>
+            <a:p>
+              <a:r>
+                <a:rPr lang="en-US" altLang="zh-CN" sz="1002" dirty="0">
+                  <a:latin typeface="Consolas" panose="020B0609020204030204" pitchFamily="49" charset="0"/>
+                  <a:cs typeface="Consolas" panose="020B0609020204030204" pitchFamily="49" charset="0"/>
+                </a:rPr>
+                <a:t>15</a:t>
+              </a:r>
+              <a:r>
+                <a:rPr lang="en-US" altLang="zh-CN" sz="1398" dirty="0">
+                  <a:latin typeface="Consolas" panose="020B0609020204030204" pitchFamily="49" charset="0"/>
+                  <a:cs typeface="Consolas" panose="020B0609020204030204" pitchFamily="49" charset="0"/>
+                </a:rPr>
+                <a:t>  ... </a:t>
+              </a:r>
+              <a:r>
+                <a:rPr lang="en-US" sz="1398" dirty="0">
+                  <a:solidFill>
+                    <a:schemeClr val="accent6">
+                      <a:lumMod val="75000"/>
+                    </a:schemeClr>
+                  </a:solidFill>
+                  <a:latin typeface="Consolas" panose="020B0609020204030204" pitchFamily="49" charset="0"/>
+                  <a:cs typeface="Consolas" panose="020B0609020204030204" pitchFamily="49" charset="0"/>
+                </a:rPr>
+                <a:t>// invalidate Memcached cache entry</a:t>
+              </a:r>
+              <a:endParaRPr lang="en-US" altLang="zh-CN" sz="1398" dirty="0">
+                <a:latin typeface="Consolas" panose="020B0609020204030204" pitchFamily="49" charset="0"/>
+                <a:cs typeface="Consolas" panose="020B0609020204030204" pitchFamily="49" charset="0"/>
+              </a:endParaRPr>
+            </a:p>
+            <a:p>
+              <a:r>
+                <a:rPr lang="en-US" altLang="zh-CN" sz="1002" dirty="0">
+                  <a:latin typeface="Consolas" panose="020B0609020204030204" pitchFamily="49" charset="0"/>
+                  <a:cs typeface="Consolas" panose="020B0609020204030204" pitchFamily="49" charset="0"/>
+                </a:rPr>
+                <a:t>16</a:t>
+              </a:r>
+              <a:r>
+                <a:rPr lang="en-US" altLang="zh-CN" sz="1398" dirty="0">
+                  <a:latin typeface="Consolas" panose="020B0609020204030204" pitchFamily="49" charset="0"/>
+                  <a:cs typeface="Consolas" panose="020B0609020204030204" pitchFamily="49" charset="0"/>
+                </a:rPr>
+                <a:t>}     </a:t>
+              </a:r>
+              <a:r>
+                <a:rPr lang="en-US" altLang="zh-CN" sz="1398" dirty="0">
+                  <a:solidFill>
+                    <a:schemeClr val="accent6">
+                      <a:lumMod val="75000"/>
+                    </a:schemeClr>
+                  </a:solidFill>
+                  <a:latin typeface="Consolas" panose="020B0609020204030204" pitchFamily="49" charset="0"/>
+                  <a:cs typeface="Consolas" panose="020B0609020204030204" pitchFamily="49" charset="0"/>
+                </a:rPr>
+                <a:t>// </a:t>
+              </a:r>
+              <a:r>
+                <a:rPr lang="en-US" sz="1398" dirty="0">
+                  <a:solidFill>
+                    <a:schemeClr val="accent6">
+                      <a:lumMod val="75000"/>
+                    </a:schemeClr>
+                  </a:solidFill>
+                  <a:latin typeface="Consolas" panose="020B0609020204030204" pitchFamily="49" charset="0"/>
+                  <a:cs typeface="Consolas" panose="020B0609020204030204" pitchFamily="49" charset="0"/>
+                </a:rPr>
+                <a:t>if the</a:t>
+              </a:r>
+              <a:r>
+                <a:rPr lang="en-US" altLang="zh-CN" sz="1398" dirty="0">
+                  <a:solidFill>
+                    <a:schemeClr val="accent6">
+                      <a:lumMod val="75000"/>
+                    </a:schemeClr>
+                  </a:solidFill>
+                  <a:latin typeface="Consolas" panose="020B0609020204030204" pitchFamily="49" charset="0"/>
+                  <a:cs typeface="Consolas" panose="020B0609020204030204" pitchFamily="49" charset="0"/>
+                </a:rPr>
+                <a:t> </a:t>
+              </a:r>
+              <a:r>
+                <a:rPr lang="en-US" sz="1398" dirty="0">
+                  <a:solidFill>
+                    <a:schemeClr val="accent6">
+                      <a:lumMod val="75000"/>
+                    </a:schemeClr>
+                  </a:solidFill>
+                  <a:latin typeface="Consolas" panose="020B0609020204030204" pitchFamily="49" charset="0"/>
+                  <a:cs typeface="Consolas" panose="020B0609020204030204" pitchFamily="49" charset="0"/>
+                </a:rPr>
+                <a:t>hash matches</a:t>
+              </a:r>
+              <a:endParaRPr lang="en-US" altLang="zh-CN" sz="1398" dirty="0">
+                <a:solidFill>
+                  <a:schemeClr val="accent6">
+                    <a:lumMod val="75000"/>
+                  </a:schemeClr>
+                </a:solidFill>
+                <a:latin typeface="Consolas" panose="020B0609020204030204" pitchFamily="49" charset="0"/>
+                <a:cs typeface="Consolas" panose="020B0609020204030204" pitchFamily="49" charset="0"/>
+              </a:endParaRPr>
+            </a:p>
+          </p:txBody>
+        </p:sp>
+        <p:pic>
+          <p:nvPicPr>
+            <p:cNvPr id="17" name="Graphic 16" descr="Badge 1 with solid fill">
+              <a:extLst>
+                <a:ext uri="{FF2B5EF4-FFF2-40B4-BE49-F238E27FC236}">
+                  <a16:creationId xmlns:a16="http://schemas.microsoft.com/office/drawing/2014/main" id="{3EF231DC-BA19-322C-0BA3-EDF3EE27C3F5}"/>
+                </a:ext>
+              </a:extLst>
+            </p:cNvPr>
+            <p:cNvPicPr>
+              <a:picLocks noChangeAspect="1"/>
+            </p:cNvPicPr>
+            <p:nvPr/>
+          </p:nvPicPr>
+          <p:blipFill>
+            <a:blip r:embed="rId3">
+              <a:extLst>
+                <a:ext uri="{96DAC541-7B7A-43D3-8B79-37D633B846F1}">
+                  <asvg:svgBlip xmlns:asvg="http://schemas.microsoft.com/office/drawing/2016/SVG/main" r:embed="rId4"/>
+                </a:ext>
+              </a:extLst>
+            </a:blip>
+            <a:stretch>
+              <a:fillRect/>
+            </a:stretch>
+          </p:blipFill>
+          <p:spPr>
+            <a:xfrm>
+              <a:off x="6978269" y="349513"/>
+              <a:ext cx="320040" cy="320040"/>
+            </a:xfrm>
+            <a:prstGeom prst="rect">
+              <a:avLst/>
+            </a:prstGeom>
+          </p:spPr>
+        </p:pic>
+        <p:pic>
+          <p:nvPicPr>
+            <p:cNvPr id="18" name="Graphic 17" descr="Badge with solid fill">
+              <a:extLst>
+                <a:ext uri="{FF2B5EF4-FFF2-40B4-BE49-F238E27FC236}">
+                  <a16:creationId xmlns:a16="http://schemas.microsoft.com/office/drawing/2014/main" id="{5B01409A-786D-911D-ECAF-A68A80566030}"/>
+                </a:ext>
+              </a:extLst>
+            </p:cNvPr>
+            <p:cNvPicPr>
+              <a:picLocks noChangeAspect="1"/>
+            </p:cNvPicPr>
+            <p:nvPr/>
+          </p:nvPicPr>
+          <p:blipFill>
+            <a:blip r:embed="rId5">
+              <a:extLst>
+                <a:ext uri="{96DAC541-7B7A-43D3-8B79-37D633B846F1}">
+                  <asvg:svgBlip xmlns:asvg="http://schemas.microsoft.com/office/drawing/2016/SVG/main" r:embed="rId6"/>
+                </a:ext>
+              </a:extLst>
+            </a:blip>
+            <a:stretch>
+              <a:fillRect/>
+            </a:stretch>
+          </p:blipFill>
+          <p:spPr>
+            <a:xfrm>
+              <a:off x="6978269" y="1687597"/>
+              <a:ext cx="320040" cy="320040"/>
+            </a:xfrm>
+            <a:prstGeom prst="rect">
+              <a:avLst/>
+            </a:prstGeom>
+          </p:spPr>
+        </p:pic>
+        <p:pic>
+          <p:nvPicPr>
+            <p:cNvPr id="19" name="Graphic 18" descr="Badge 4 with solid fill">
+              <a:extLst>
+                <a:ext uri="{FF2B5EF4-FFF2-40B4-BE49-F238E27FC236}">
+                  <a16:creationId xmlns:a16="http://schemas.microsoft.com/office/drawing/2014/main" id="{FA92AC77-E958-501C-92E9-FD57FBD89630}"/>
+                </a:ext>
+              </a:extLst>
+            </p:cNvPr>
+            <p:cNvPicPr>
+              <a:picLocks noChangeAspect="1"/>
+            </p:cNvPicPr>
+            <p:nvPr/>
+          </p:nvPicPr>
+          <p:blipFill>
+            <a:blip r:embed="rId7">
+              <a:extLst>
+                <a:ext uri="{96DAC541-7B7A-43D3-8B79-37D633B846F1}">
+                  <asvg:svgBlip xmlns:asvg="http://schemas.microsoft.com/office/drawing/2016/SVG/main" r:embed="rId8"/>
+                </a:ext>
+              </a:extLst>
+            </a:blip>
+            <a:stretch>
+              <a:fillRect/>
+            </a:stretch>
+          </p:blipFill>
+          <p:spPr>
+            <a:xfrm>
+              <a:off x="6978269" y="3385135"/>
+              <a:ext cx="320040" cy="320040"/>
+            </a:xfrm>
+            <a:prstGeom prst="rect">
+              <a:avLst/>
+            </a:prstGeom>
+          </p:spPr>
+        </p:pic>
+        <p:pic>
+          <p:nvPicPr>
+            <p:cNvPr id="20" name="Graphic 19" descr="Badge 3 with solid fill">
+              <a:extLst>
+                <a:ext uri="{FF2B5EF4-FFF2-40B4-BE49-F238E27FC236}">
+                  <a16:creationId xmlns:a16="http://schemas.microsoft.com/office/drawing/2014/main" id="{7B92D227-EDB9-2604-A772-4B4C0CF7C24A}"/>
+                </a:ext>
+              </a:extLst>
+            </p:cNvPr>
+            <p:cNvPicPr>
+              <a:picLocks noChangeAspect="1"/>
+            </p:cNvPicPr>
+            <p:nvPr/>
+          </p:nvPicPr>
+          <p:blipFill>
+            <a:blip r:embed="rId9">
+              <a:extLst>
+                <a:ext uri="{96DAC541-7B7A-43D3-8B79-37D633B846F1}">
+                  <asvg:svgBlip xmlns:asvg="http://schemas.microsoft.com/office/drawing/2016/SVG/main" r:embed="rId10"/>
+                </a:ext>
+              </a:extLst>
+            </a:blip>
+            <a:stretch>
+              <a:fillRect/>
+            </a:stretch>
+          </p:blipFill>
+          <p:spPr>
+            <a:xfrm>
+              <a:off x="6978269" y="2121049"/>
+              <a:ext cx="320040" cy="320040"/>
+            </a:xfrm>
+            <a:prstGeom prst="rect">
+              <a:avLst/>
+            </a:prstGeom>
+          </p:spPr>
+        </p:pic>
+        <p:sp>
+          <p:nvSpPr>
+            <p:cNvPr id="29" name="Rectangle 28">
+              <a:extLst>
+                <a:ext uri="{FF2B5EF4-FFF2-40B4-BE49-F238E27FC236}">
+                  <a16:creationId xmlns:a16="http://schemas.microsoft.com/office/drawing/2014/main" id="{9A6D2F72-F591-C552-E5A5-D170419EE9D4}"/>
+                </a:ext>
+              </a:extLst>
+            </p:cNvPr>
+            <p:cNvSpPr/>
+            <p:nvPr/>
+          </p:nvSpPr>
+          <p:spPr>
+            <a:xfrm>
+              <a:off x="-3871" y="2830954"/>
+              <a:ext cx="2482344" cy="1034238"/>
+            </a:xfrm>
+            <a:prstGeom prst="rect">
+              <a:avLst/>
+            </a:prstGeom>
+            <a:solidFill>
+              <a:schemeClr val="accent4">
+                <a:lumMod val="20000"/>
+                <a:lumOff val="80000"/>
+                <a:alpha val="50000"/>
+              </a:schemeClr>
+            </a:solidFill>
+            <a:ln>
+              <a:noFill/>
+            </a:ln>
+          </p:spPr>
+          <p:style>
+            <a:lnRef idx="2">
+              <a:schemeClr val="accent1">
+                <a:shade val="50000"/>
+              </a:schemeClr>
+            </a:lnRef>
+            <a:fillRef idx="1">
+              <a:schemeClr val="accent1"/>
+            </a:fillRef>
+            <a:effectRef idx="0">
+              <a:schemeClr val="accent1"/>
+            </a:effectRef>
+            <a:fontRef idx="minor">
+              <a:schemeClr val="lt1"/>
+            </a:fontRef>
+          </p:style>
+          <p:txBody>
+            <a:bodyPr rtlCol="0" anchor="ctr"/>
+            <a:lstStyle/>
+            <a:p>
+              <a:pPr algn="ctr"/>
+              <a:endParaRPr lang="en-US" sz="600"/>
+            </a:p>
+          </p:txBody>
+        </p:sp>
+        <p:sp>
+          <p:nvSpPr>
+            <p:cNvPr id="30" name="Rectangle 29">
+              <a:extLst>
+                <a:ext uri="{FF2B5EF4-FFF2-40B4-BE49-F238E27FC236}">
+                  <a16:creationId xmlns:a16="http://schemas.microsoft.com/office/drawing/2014/main" id="{BB741A0A-8112-94C3-1CAF-BEE4AB46B054}"/>
+                </a:ext>
+              </a:extLst>
+            </p:cNvPr>
+            <p:cNvSpPr/>
+            <p:nvPr/>
+          </p:nvSpPr>
+          <p:spPr>
+            <a:xfrm>
+              <a:off x="9164" y="1161640"/>
+              <a:ext cx="2475606" cy="780294"/>
+            </a:xfrm>
+            <a:prstGeom prst="rect">
+              <a:avLst/>
+            </a:prstGeom>
+            <a:solidFill>
+              <a:schemeClr val="accent2">
+                <a:lumMod val="20000"/>
+                <a:lumOff val="80000"/>
+                <a:alpha val="50000"/>
+              </a:schemeClr>
+            </a:solidFill>
+            <a:ln>
+              <a:noFill/>
+            </a:ln>
+          </p:spPr>
+          <p:style>
+            <a:lnRef idx="2">
+              <a:schemeClr val="accent1">
+                <a:shade val="50000"/>
+              </a:schemeClr>
+            </a:lnRef>
+            <a:fillRef idx="1">
+              <a:schemeClr val="accent1"/>
+            </a:fillRef>
+            <a:effectRef idx="0">
+              <a:schemeClr val="accent1"/>
+            </a:effectRef>
+            <a:fontRef idx="minor">
+              <a:schemeClr val="lt1"/>
+            </a:fontRef>
+          </p:style>
+          <p:txBody>
+            <a:bodyPr rtlCol="0" anchor="ctr"/>
+            <a:lstStyle/>
+            <a:p>
+              <a:pPr algn="ctr"/>
+              <a:endParaRPr lang="en-US" sz="600"/>
+            </a:p>
+          </p:txBody>
+        </p:sp>
+        <p:sp>
+          <p:nvSpPr>
+            <p:cNvPr id="31" name="Rectangle 30">
+              <a:extLst>
+                <a:ext uri="{FF2B5EF4-FFF2-40B4-BE49-F238E27FC236}">
+                  <a16:creationId xmlns:a16="http://schemas.microsoft.com/office/drawing/2014/main" id="{2AA051CE-99A8-7C8A-9D7E-93A16BC8DFAC}"/>
+                </a:ext>
+              </a:extLst>
+            </p:cNvPr>
+            <p:cNvSpPr/>
+            <p:nvPr/>
+          </p:nvSpPr>
+          <p:spPr>
+            <a:xfrm>
+              <a:off x="224" y="349516"/>
+              <a:ext cx="2484546" cy="786450"/>
+            </a:xfrm>
+            <a:prstGeom prst="rect">
+              <a:avLst/>
+            </a:prstGeom>
+            <a:solidFill>
+              <a:schemeClr val="accent6">
+                <a:lumMod val="20000"/>
+                <a:lumOff val="80000"/>
+                <a:alpha val="50000"/>
+              </a:schemeClr>
+            </a:solidFill>
+            <a:ln>
+              <a:noFill/>
+            </a:ln>
+          </p:spPr>
+          <p:style>
+            <a:lnRef idx="2">
+              <a:schemeClr val="accent1">
+                <a:shade val="50000"/>
+              </a:schemeClr>
+            </a:lnRef>
+            <a:fillRef idx="1">
+              <a:schemeClr val="accent1"/>
+            </a:fillRef>
+            <a:effectRef idx="0">
+              <a:schemeClr val="accent1"/>
+            </a:effectRef>
+            <a:fontRef idx="minor">
+              <a:schemeClr val="lt1"/>
+            </a:fontRef>
+          </p:style>
+          <p:txBody>
+            <a:bodyPr rtlCol="0" anchor="ctr"/>
+            <a:lstStyle/>
+            <a:p>
+              <a:pPr algn="ctr"/>
+              <a:endParaRPr lang="en-US" sz="600"/>
+            </a:p>
+          </p:txBody>
+        </p:sp>
+        <p:sp>
+          <p:nvSpPr>
+            <p:cNvPr id="32" name="Rectangle 31">
+              <a:extLst>
+                <a:ext uri="{FF2B5EF4-FFF2-40B4-BE49-F238E27FC236}">
+                  <a16:creationId xmlns:a16="http://schemas.microsoft.com/office/drawing/2014/main" id="{7CC9A494-0FA5-8E3C-1AC2-2ED9E39E4330}"/>
+                </a:ext>
+              </a:extLst>
+            </p:cNvPr>
+            <p:cNvSpPr/>
+            <p:nvPr/>
+          </p:nvSpPr>
+          <p:spPr>
+            <a:xfrm>
+              <a:off x="-3871" y="1991116"/>
+              <a:ext cx="2482344" cy="780294"/>
+            </a:xfrm>
+            <a:prstGeom prst="rect">
+              <a:avLst/>
+            </a:prstGeom>
+            <a:solidFill>
+              <a:schemeClr val="accent3">
+                <a:lumMod val="20000"/>
+                <a:lumOff val="80000"/>
+                <a:alpha val="50000"/>
+              </a:schemeClr>
+            </a:solidFill>
+            <a:ln>
+              <a:noFill/>
+            </a:ln>
+          </p:spPr>
+          <p:style>
+            <a:lnRef idx="2">
+              <a:schemeClr val="accent1">
+                <a:shade val="50000"/>
+              </a:schemeClr>
+            </a:lnRef>
+            <a:fillRef idx="1">
+              <a:schemeClr val="accent1"/>
+            </a:fillRef>
+            <a:effectRef idx="0">
+              <a:schemeClr val="accent1"/>
+            </a:effectRef>
+            <a:fontRef idx="minor">
+              <a:schemeClr val="lt1"/>
+            </a:fontRef>
+          </p:style>
+          <p:txBody>
+            <a:bodyPr rtlCol="0" anchor="ctr"/>
+            <a:lstStyle/>
+            <a:p>
+              <a:pPr algn="ctr"/>
+              <a:endParaRPr lang="en-US" sz="600">
+                <a:solidFill>
+                  <a:schemeClr val="accent5">
+                    <a:lumMod val="20000"/>
+                    <a:lumOff val="80000"/>
+                  </a:schemeClr>
+                </a:solidFill>
+              </a:endParaRPr>
+            </a:p>
+          </p:txBody>
+        </p:sp>
+        <p:sp>
+          <p:nvSpPr>
+            <p:cNvPr id="33" name="TextBox 32">
+              <a:extLst>
+                <a:ext uri="{FF2B5EF4-FFF2-40B4-BE49-F238E27FC236}">
+                  <a16:creationId xmlns:a16="http://schemas.microsoft.com/office/drawing/2014/main" id="{963E7442-FB98-C5BB-388B-0200B7BA8526}"/>
+                </a:ext>
+              </a:extLst>
+            </p:cNvPr>
+            <p:cNvSpPr txBox="1"/>
+            <p:nvPr/>
+          </p:nvSpPr>
+          <p:spPr>
+            <a:xfrm>
+              <a:off x="-50032" y="344782"/>
+              <a:ext cx="2628075" cy="3574376"/>
+            </a:xfrm>
+            <a:prstGeom prst="rect">
+              <a:avLst/>
+            </a:prstGeom>
+            <a:noFill/>
+          </p:spPr>
+          <p:txBody>
+            <a:bodyPr wrap="square" rtlCol="0">
+              <a:spAutoFit/>
+            </a:bodyPr>
+            <a:lstStyle/>
+            <a:p>
+              <a:r>
+                <a:rPr lang="en-US" sz="1602" dirty="0">
+                  <a:latin typeface="Times" pitchFamily="2" charset="0"/>
+                </a:rPr>
+                <a:t>      It extracts the SET command from the XDP payload.</a:t>
+              </a:r>
+              <a:br>
+                <a:rPr lang="en-US" sz="1602" dirty="0">
+                  <a:latin typeface="Times" pitchFamily="2" charset="0"/>
+                </a:rPr>
+              </a:br>
+              <a:r>
+                <a:rPr lang="en-US" sz="600" dirty="0">
+                  <a:latin typeface="Times" pitchFamily="2" charset="0"/>
+                </a:rPr>
+                <a:t> </a:t>
+              </a:r>
+            </a:p>
+            <a:p>
+              <a:r>
+                <a:rPr lang="en-US" sz="1602" dirty="0">
+                  <a:latin typeface="Times" pitchFamily="2" charset="0"/>
+                </a:rPr>
+                <a:t>      SET command founded, try to figure the index of the Memcached key in payload.</a:t>
+              </a:r>
+            </a:p>
+            <a:p>
+              <a:r>
+                <a:rPr lang="en-US" sz="600" dirty="0">
+                  <a:latin typeface="Times" pitchFamily="2" charset="0"/>
+                </a:rPr>
+                <a:t> </a:t>
+              </a:r>
+              <a:br>
+                <a:rPr lang="en-US" sz="1602" dirty="0">
+                  <a:latin typeface="Times" pitchFamily="2" charset="0"/>
+                </a:rPr>
+              </a:br>
+              <a:r>
+                <a:rPr lang="en-US" sz="1602" dirty="0">
+                  <a:latin typeface="Times" pitchFamily="2" charset="0"/>
+                </a:rPr>
+                <a:t>      If the key is found, process the key with hash function.</a:t>
+              </a:r>
+            </a:p>
+            <a:p>
+              <a:endParaRPr lang="en-US" sz="600" dirty="0">
+                <a:latin typeface="Times" pitchFamily="2" charset="0"/>
+              </a:endParaRPr>
+            </a:p>
+            <a:p>
+              <a:r>
+                <a:rPr lang="en-US" sz="1602" dirty="0">
+                  <a:latin typeface="Times" pitchFamily="2" charset="0"/>
+                </a:rPr>
+                <a:t> </a:t>
+              </a:r>
+              <a:r>
+                <a:rPr lang="zh-CN" altLang="en-US" sz="1602" dirty="0">
+                  <a:latin typeface="Times" pitchFamily="2" charset="0"/>
+                </a:rPr>
+                <a:t>     </a:t>
+              </a:r>
+              <a:r>
+                <a:rPr lang="en-US" sz="1602" dirty="0">
+                  <a:latin typeface="Times" pitchFamily="2" charset="0"/>
+                </a:rPr>
+                <a:t>If the hash matches the calculated hash, the corresponding cache entry in the map should be invalidated</a:t>
+              </a:r>
+            </a:p>
+          </p:txBody>
+        </p:sp>
+        <p:pic>
+          <p:nvPicPr>
+            <p:cNvPr id="34" name="Graphic 33" descr="Badge 1 with solid fill">
+              <a:extLst>
+                <a:ext uri="{FF2B5EF4-FFF2-40B4-BE49-F238E27FC236}">
+                  <a16:creationId xmlns:a16="http://schemas.microsoft.com/office/drawing/2014/main" id="{700B2B5C-6668-1329-7D82-F4E232043877}"/>
+                </a:ext>
+              </a:extLst>
+            </p:cNvPr>
+            <p:cNvPicPr>
+              <a:picLocks noChangeAspect="1"/>
+            </p:cNvPicPr>
+            <p:nvPr/>
+          </p:nvPicPr>
+          <p:blipFill>
+            <a:blip r:embed="rId3">
+              <a:extLst>
+                <a:ext uri="{96DAC541-7B7A-43D3-8B79-37D633B846F1}">
+                  <asvg:svgBlip xmlns:asvg="http://schemas.microsoft.com/office/drawing/2016/SVG/main" r:embed="rId4"/>
+                </a:ext>
+              </a:extLst>
+            </a:blip>
+            <a:stretch>
+              <a:fillRect/>
+            </a:stretch>
+          </p:blipFill>
+          <p:spPr>
+            <a:xfrm>
+              <a:off x="-1327" y="360775"/>
+              <a:ext cx="320040" cy="320040"/>
+            </a:xfrm>
+            <a:prstGeom prst="rect">
+              <a:avLst/>
+            </a:prstGeom>
+          </p:spPr>
+        </p:pic>
+        <p:pic>
+          <p:nvPicPr>
+            <p:cNvPr id="35" name="Graphic 34" descr="Badge with solid fill">
+              <a:extLst>
+                <a:ext uri="{FF2B5EF4-FFF2-40B4-BE49-F238E27FC236}">
+                  <a16:creationId xmlns:a16="http://schemas.microsoft.com/office/drawing/2014/main" id="{B2C0A68F-F222-F20C-7A30-BDE48AA830B8}"/>
+                </a:ext>
+              </a:extLst>
+            </p:cNvPr>
+            <p:cNvPicPr>
+              <a:picLocks noChangeAspect="1"/>
+            </p:cNvPicPr>
+            <p:nvPr/>
+          </p:nvPicPr>
+          <p:blipFill>
+            <a:blip r:embed="rId5">
+              <a:extLst>
+                <a:ext uri="{96DAC541-7B7A-43D3-8B79-37D633B846F1}">
+                  <asvg:svgBlip xmlns:asvg="http://schemas.microsoft.com/office/drawing/2016/SVG/main" r:embed="rId6"/>
+                </a:ext>
+              </a:extLst>
+            </a:blip>
+            <a:stretch>
+              <a:fillRect/>
+            </a:stretch>
+          </p:blipFill>
+          <p:spPr>
+            <a:xfrm>
+              <a:off x="-3877" y="1165261"/>
+              <a:ext cx="320040" cy="320040"/>
+            </a:xfrm>
+            <a:prstGeom prst="rect">
+              <a:avLst/>
+            </a:prstGeom>
+          </p:spPr>
+        </p:pic>
+        <p:pic>
+          <p:nvPicPr>
+            <p:cNvPr id="36" name="Graphic 35" descr="Badge 3 with solid fill">
+              <a:extLst>
+                <a:ext uri="{FF2B5EF4-FFF2-40B4-BE49-F238E27FC236}">
+                  <a16:creationId xmlns:a16="http://schemas.microsoft.com/office/drawing/2014/main" id="{39A236E1-9D0F-82A2-1FBD-609460CCCBD3}"/>
+                </a:ext>
+              </a:extLst>
+            </p:cNvPr>
+            <p:cNvPicPr>
+              <a:picLocks noChangeAspect="1"/>
+            </p:cNvPicPr>
+            <p:nvPr/>
+          </p:nvPicPr>
+          <p:blipFill>
+            <a:blip r:embed="rId9">
+              <a:extLst>
+                <a:ext uri="{96DAC541-7B7A-43D3-8B79-37D633B846F1}">
+                  <asvg:svgBlip xmlns:asvg="http://schemas.microsoft.com/office/drawing/2016/SVG/main" r:embed="rId10"/>
+                </a:ext>
+              </a:extLst>
+            </a:blip>
+            <a:stretch>
+              <a:fillRect/>
+            </a:stretch>
+          </p:blipFill>
+          <p:spPr>
+            <a:xfrm>
+              <a:off x="-28644" y="1968460"/>
+              <a:ext cx="340842" cy="320040"/>
+            </a:xfrm>
+            <a:prstGeom prst="rect">
+              <a:avLst/>
+            </a:prstGeom>
+          </p:spPr>
+        </p:pic>
+        <p:pic>
+          <p:nvPicPr>
+            <p:cNvPr id="37" name="Graphic 36" descr="Badge 4 with solid fill">
+              <a:extLst>
+                <a:ext uri="{FF2B5EF4-FFF2-40B4-BE49-F238E27FC236}">
+                  <a16:creationId xmlns:a16="http://schemas.microsoft.com/office/drawing/2014/main" id="{AC9A0978-8E4E-FBE9-ACB1-857FE6149204}"/>
+                </a:ext>
+              </a:extLst>
+            </p:cNvPr>
+            <p:cNvPicPr>
+              <a:picLocks noChangeAspect="1"/>
+            </p:cNvPicPr>
+            <p:nvPr/>
+          </p:nvPicPr>
+          <p:blipFill>
+            <a:blip r:embed="rId7">
+              <a:extLst>
+                <a:ext uri="{96DAC541-7B7A-43D3-8B79-37D633B846F1}">
+                  <asvg:svgBlip xmlns:asvg="http://schemas.microsoft.com/office/drawing/2016/SVG/main" r:embed="rId8"/>
+                </a:ext>
+              </a:extLst>
+            </a:blip>
+            <a:stretch>
+              <a:fillRect/>
+            </a:stretch>
+          </p:blipFill>
+          <p:spPr>
+            <a:xfrm>
+              <a:off x="-7842" y="2784366"/>
+              <a:ext cx="320040" cy="320040"/>
+            </a:xfrm>
+            <a:prstGeom prst="rect">
+              <a:avLst/>
+            </a:prstGeom>
+          </p:spPr>
+        </p:pic>
+        <p:sp>
+          <p:nvSpPr>
+            <p:cNvPr id="21" name="Rectangle 20">
+              <a:extLst>
+                <a:ext uri="{FF2B5EF4-FFF2-40B4-BE49-F238E27FC236}">
+                  <a16:creationId xmlns:a16="http://schemas.microsoft.com/office/drawing/2014/main" id="{005023A3-1E33-185B-84C7-F58C1EE72E43}"/>
+                </a:ext>
+              </a:extLst>
+            </p:cNvPr>
+            <p:cNvSpPr/>
+            <p:nvPr/>
+          </p:nvSpPr>
+          <p:spPr>
+            <a:xfrm>
+              <a:off x="2923838" y="-38210"/>
+              <a:ext cx="4078002" cy="440202"/>
+            </a:xfrm>
+            <a:prstGeom prst="rect">
+              <a:avLst/>
+            </a:prstGeom>
+            <a:noFill/>
+            <a:ln>
+              <a:noFill/>
+            </a:ln>
+          </p:spPr>
+          <p:style>
+            <a:lnRef idx="2">
+              <a:schemeClr val="accent1">
+                <a:shade val="50000"/>
+              </a:schemeClr>
+            </a:lnRef>
+            <a:fillRef idx="1">
+              <a:schemeClr val="accent1"/>
+            </a:fillRef>
+            <a:effectRef idx="0">
+              <a:schemeClr val="accent1"/>
+            </a:effectRef>
+            <a:fontRef idx="minor">
+              <a:schemeClr val="lt1"/>
+            </a:fontRef>
+          </p:style>
+          <p:txBody>
+            <a:bodyPr rtlCol="0" anchor="ctr"/>
+            <a:lstStyle/>
+            <a:p>
+              <a:pPr algn="ctr"/>
+              <a:r>
+                <a:rPr lang="en-US" sz="1602" b="1" dirty="0">
+                  <a:solidFill>
+                    <a:schemeClr val="tx1"/>
+                  </a:solidFill>
+                  <a:latin typeface="Times" pitchFamily="2" charset="0"/>
+                </a:rPr>
+                <a:t>(b) REX Implementation</a:t>
+              </a:r>
+            </a:p>
+          </p:txBody>
+        </p:sp>
+        <p:sp>
+          <p:nvSpPr>
+            <p:cNvPr id="22" name="Rectangle 21">
+              <a:extLst>
+                <a:ext uri="{FF2B5EF4-FFF2-40B4-BE49-F238E27FC236}">
+                  <a16:creationId xmlns:a16="http://schemas.microsoft.com/office/drawing/2014/main" id="{1E3A8365-9DC7-6D34-D9CA-273E5B1AB00D}"/>
+                </a:ext>
+              </a:extLst>
+            </p:cNvPr>
+            <p:cNvSpPr/>
+            <p:nvPr/>
+          </p:nvSpPr>
+          <p:spPr>
+            <a:xfrm>
+              <a:off x="7347635" y="-24122"/>
+              <a:ext cx="4803228" cy="440202"/>
+            </a:xfrm>
+            <a:prstGeom prst="rect">
+              <a:avLst/>
+            </a:prstGeom>
+            <a:noFill/>
+            <a:ln>
+              <a:noFill/>
+            </a:ln>
+          </p:spPr>
+          <p:style>
+            <a:lnRef idx="2">
+              <a:schemeClr val="accent1">
+                <a:shade val="50000"/>
+              </a:schemeClr>
+            </a:lnRef>
+            <a:fillRef idx="1">
+              <a:schemeClr val="accent1"/>
+            </a:fillRef>
+            <a:effectRef idx="0">
+              <a:schemeClr val="accent1"/>
+            </a:effectRef>
+            <a:fontRef idx="minor">
+              <a:schemeClr val="lt1"/>
+            </a:fontRef>
+          </p:style>
+          <p:txBody>
+            <a:bodyPr rtlCol="0" anchor="ctr"/>
+            <a:lstStyle/>
+            <a:p>
+              <a:pPr algn="ctr"/>
+              <a:r>
+                <a:rPr lang="en-US" sz="1602" b="1" dirty="0">
+                  <a:solidFill>
+                    <a:schemeClr val="tx1"/>
+                  </a:solidFill>
+                  <a:latin typeface="Times" pitchFamily="2" charset="0"/>
+                </a:rPr>
+                <a:t>(c) Original BMC Implementation</a:t>
+              </a:r>
+            </a:p>
+          </p:txBody>
+        </p:sp>
+        <p:sp>
+          <p:nvSpPr>
+            <p:cNvPr id="23" name="Rectangle 22">
+              <a:extLst>
+                <a:ext uri="{FF2B5EF4-FFF2-40B4-BE49-F238E27FC236}">
+                  <a16:creationId xmlns:a16="http://schemas.microsoft.com/office/drawing/2014/main" id="{1CE35A57-781D-448C-79A2-01CC8430EFF8}"/>
+                </a:ext>
+              </a:extLst>
+            </p:cNvPr>
+            <p:cNvSpPr/>
+            <p:nvPr/>
+          </p:nvSpPr>
+          <p:spPr>
+            <a:xfrm>
+              <a:off x="-245137" y="-38210"/>
+              <a:ext cx="3019092" cy="440202"/>
+            </a:xfrm>
+            <a:prstGeom prst="rect">
+              <a:avLst/>
+            </a:prstGeom>
+            <a:noFill/>
+            <a:ln>
+              <a:noFill/>
+            </a:ln>
+          </p:spPr>
+          <p:style>
+            <a:lnRef idx="2">
+              <a:schemeClr val="accent1">
+                <a:shade val="50000"/>
+              </a:schemeClr>
+            </a:lnRef>
+            <a:fillRef idx="1">
+              <a:schemeClr val="accent1"/>
+            </a:fillRef>
+            <a:effectRef idx="0">
+              <a:schemeClr val="accent1"/>
+            </a:effectRef>
+            <a:fontRef idx="minor">
+              <a:schemeClr val="lt1"/>
+            </a:fontRef>
+          </p:style>
+          <p:txBody>
+            <a:bodyPr rtlCol="0" anchor="ctr"/>
+            <a:lstStyle/>
+            <a:p>
+              <a:pPr algn="ctr"/>
+              <a:r>
+                <a:rPr lang="en-US" sz="1602" b="1" dirty="0">
+                  <a:solidFill>
+                    <a:schemeClr val="tx1"/>
+                  </a:solidFill>
+                  <a:latin typeface="Times" pitchFamily="2" charset="0"/>
+                </a:rPr>
+                <a:t>(a) Algorithm Description</a:t>
+              </a:r>
+            </a:p>
+          </p:txBody>
+        </p:sp>
+        <p:sp>
+          <p:nvSpPr>
+            <p:cNvPr id="24" name="Rectangle 23">
+              <a:extLst>
+                <a:ext uri="{FF2B5EF4-FFF2-40B4-BE49-F238E27FC236}">
+                  <a16:creationId xmlns:a16="http://schemas.microsoft.com/office/drawing/2014/main" id="{2E3387EB-FB63-2A18-B4CD-45CCC84E65BC}"/>
+                </a:ext>
+              </a:extLst>
+            </p:cNvPr>
+            <p:cNvSpPr/>
+            <p:nvPr/>
+          </p:nvSpPr>
+          <p:spPr>
+            <a:xfrm>
+              <a:off x="6081050" y="100789"/>
+              <a:ext cx="115614" cy="190140"/>
+            </a:xfrm>
+            <a:prstGeom prst="rect">
+              <a:avLst/>
+            </a:prstGeom>
+          </p:spPr>
+          <p:style>
+            <a:lnRef idx="2">
+              <a:schemeClr val="accent6">
+                <a:shade val="50000"/>
+              </a:schemeClr>
+            </a:lnRef>
+            <a:fillRef idx="1">
+              <a:schemeClr val="accent6"/>
+            </a:fillRef>
+            <a:effectRef idx="0">
+              <a:schemeClr val="accent6"/>
+            </a:effectRef>
+            <a:fontRef idx="minor">
+              <a:schemeClr val="lt1"/>
+            </a:fontRef>
+          </p:style>
+          <p:txBody>
+            <a:bodyPr rtlCol="0" anchor="ctr"/>
+            <a:lstStyle/>
+            <a:p>
+              <a:pPr algn="ctr"/>
+              <a:endParaRPr lang="en-US" sz="600"/>
+            </a:p>
+          </p:txBody>
+        </p:sp>
+        <p:sp>
+          <p:nvSpPr>
+            <p:cNvPr id="26" name="Rectangle 25">
+              <a:extLst>
+                <a:ext uri="{FF2B5EF4-FFF2-40B4-BE49-F238E27FC236}">
+                  <a16:creationId xmlns:a16="http://schemas.microsoft.com/office/drawing/2014/main" id="{AA08FE57-1C6D-8693-37F9-D6C0FDA932C3}"/>
+                </a:ext>
+              </a:extLst>
+            </p:cNvPr>
+            <p:cNvSpPr/>
+            <p:nvPr/>
+          </p:nvSpPr>
+          <p:spPr>
+            <a:xfrm>
+              <a:off x="11293256" y="100789"/>
+              <a:ext cx="115614" cy="190140"/>
+            </a:xfrm>
+            <a:prstGeom prst="rect">
+              <a:avLst/>
+            </a:prstGeom>
+          </p:spPr>
+          <p:style>
+            <a:lnRef idx="2">
+              <a:schemeClr val="accent1">
+                <a:shade val="50000"/>
+              </a:schemeClr>
+            </a:lnRef>
+            <a:fillRef idx="1">
+              <a:schemeClr val="accent1"/>
+            </a:fillRef>
+            <a:effectRef idx="0">
+              <a:schemeClr val="accent1"/>
+            </a:effectRef>
+            <a:fontRef idx="minor">
+              <a:schemeClr val="lt1"/>
+            </a:fontRef>
+          </p:style>
+          <p:txBody>
+            <a:bodyPr rtlCol="0" anchor="ctr"/>
+            <a:lstStyle/>
+            <a:p>
+              <a:pPr algn="ctr"/>
+              <a:endParaRPr lang="en-US" sz="600"/>
+            </a:p>
+          </p:txBody>
+        </p:sp>
+        <p:sp>
+          <p:nvSpPr>
+            <p:cNvPr id="12" name="Rectangle 11">
+              <a:extLst>
+                <a:ext uri="{FF2B5EF4-FFF2-40B4-BE49-F238E27FC236}">
+                  <a16:creationId xmlns:a16="http://schemas.microsoft.com/office/drawing/2014/main" id="{8D506F76-E2E2-FF51-A0E2-F4C220ED5008}"/>
+                </a:ext>
+              </a:extLst>
+            </p:cNvPr>
+            <p:cNvSpPr/>
+            <p:nvPr/>
+          </p:nvSpPr>
+          <p:spPr>
+            <a:xfrm>
+              <a:off x="7338751" y="3816908"/>
+              <a:ext cx="5897879" cy="1259503"/>
+            </a:xfrm>
+            <a:prstGeom prst="rect">
+              <a:avLst/>
+            </a:prstGeom>
+            <a:solidFill>
+              <a:schemeClr val="accent3">
+                <a:lumMod val="20000"/>
+                <a:lumOff val="80000"/>
+                <a:alpha val="50000"/>
+              </a:schemeClr>
+            </a:solidFill>
+            <a:ln>
+              <a:noFill/>
+            </a:ln>
+          </p:spPr>
+          <p:style>
+            <a:lnRef idx="2">
+              <a:schemeClr val="accent1">
+                <a:shade val="50000"/>
+              </a:schemeClr>
+            </a:lnRef>
+            <a:fillRef idx="1">
+              <a:schemeClr val="accent1"/>
+            </a:fillRef>
+            <a:effectRef idx="0">
+              <a:schemeClr val="accent1"/>
+            </a:effectRef>
+            <a:fontRef idx="minor">
+              <a:schemeClr val="lt1"/>
+            </a:fontRef>
+          </p:style>
+          <p:txBody>
+            <a:bodyPr rtlCol="0" anchor="ctr"/>
+            <a:lstStyle/>
+            <a:p>
+              <a:pPr algn="ctr"/>
+              <a:endParaRPr lang="en-US" sz="600">
+                <a:solidFill>
+                  <a:schemeClr val="accent5">
+                    <a:lumMod val="20000"/>
+                    <a:lumOff val="80000"/>
+                  </a:schemeClr>
+                </a:solidFill>
+              </a:endParaRPr>
+            </a:p>
+          </p:txBody>
+        </p:sp>
+        <p:sp>
+          <p:nvSpPr>
+            <p:cNvPr id="25" name="Rectangle 24">
+              <a:extLst>
+                <a:ext uri="{FF2B5EF4-FFF2-40B4-BE49-F238E27FC236}">
+                  <a16:creationId xmlns:a16="http://schemas.microsoft.com/office/drawing/2014/main" id="{F26BD918-1C8A-B40D-BDCE-6AE14FF00A7B}"/>
+                </a:ext>
+              </a:extLst>
+            </p:cNvPr>
+            <p:cNvSpPr/>
+            <p:nvPr/>
+          </p:nvSpPr>
+          <p:spPr>
+            <a:xfrm>
+              <a:off x="7338747" y="5091251"/>
+              <a:ext cx="5897878" cy="700869"/>
+            </a:xfrm>
+            <a:prstGeom prst="rect">
+              <a:avLst/>
+            </a:prstGeom>
+            <a:solidFill>
+              <a:schemeClr val="accent4">
+                <a:lumMod val="20000"/>
+                <a:lumOff val="80000"/>
+                <a:alpha val="50000"/>
+              </a:schemeClr>
+            </a:solidFill>
+            <a:ln>
+              <a:noFill/>
+            </a:ln>
+          </p:spPr>
+          <p:style>
+            <a:lnRef idx="2">
+              <a:schemeClr val="accent1">
+                <a:shade val="50000"/>
+              </a:schemeClr>
+            </a:lnRef>
+            <a:fillRef idx="1">
+              <a:schemeClr val="accent1"/>
+            </a:fillRef>
+            <a:effectRef idx="0">
+              <a:schemeClr val="accent1"/>
+            </a:effectRef>
+            <a:fontRef idx="minor">
+              <a:schemeClr val="lt1"/>
+            </a:fontRef>
+          </p:style>
+          <p:txBody>
+            <a:bodyPr rtlCol="0" anchor="ctr"/>
+            <a:lstStyle/>
+            <a:p>
+              <a:pPr algn="ctr"/>
+              <a:endParaRPr lang="en-US" sz="600"/>
+            </a:p>
+          </p:txBody>
+        </p:sp>
+        <p:sp>
+          <p:nvSpPr>
+            <p:cNvPr id="28" name="Rectangle 27">
+              <a:extLst>
+                <a:ext uri="{FF2B5EF4-FFF2-40B4-BE49-F238E27FC236}">
+                  <a16:creationId xmlns:a16="http://schemas.microsoft.com/office/drawing/2014/main" id="{895C97F2-96FB-AFDC-7685-54F5FA32D6B6}"/>
+                </a:ext>
+              </a:extLst>
+            </p:cNvPr>
+            <p:cNvSpPr/>
+            <p:nvPr/>
+          </p:nvSpPr>
+          <p:spPr>
+            <a:xfrm>
+              <a:off x="7338752" y="2082870"/>
+              <a:ext cx="5897879" cy="1709928"/>
+            </a:xfrm>
+            <a:prstGeom prst="rect">
+              <a:avLst/>
+            </a:prstGeom>
+            <a:solidFill>
+              <a:schemeClr val="accent2">
+                <a:lumMod val="20000"/>
+                <a:lumOff val="80000"/>
+                <a:alpha val="50000"/>
+              </a:schemeClr>
+            </a:solidFill>
+            <a:ln>
+              <a:noFill/>
+            </a:ln>
+          </p:spPr>
+          <p:style>
+            <a:lnRef idx="2">
+              <a:schemeClr val="accent1">
+                <a:shade val="50000"/>
+              </a:schemeClr>
+            </a:lnRef>
+            <a:fillRef idx="1">
+              <a:schemeClr val="accent1"/>
+            </a:fillRef>
+            <a:effectRef idx="0">
+              <a:schemeClr val="accent1"/>
+            </a:effectRef>
+            <a:fontRef idx="minor">
+              <a:schemeClr val="lt1"/>
+            </a:fontRef>
+          </p:style>
+          <p:txBody>
+            <a:bodyPr rtlCol="0" anchor="ctr"/>
+            <a:lstStyle/>
+            <a:p>
+              <a:pPr algn="ctr"/>
+              <a:endParaRPr lang="en-US" sz="600"/>
+            </a:p>
+          </p:txBody>
+        </p:sp>
+        <p:sp>
+          <p:nvSpPr>
+            <p:cNvPr id="38" name="Rectangle 37">
+              <a:extLst>
+                <a:ext uri="{FF2B5EF4-FFF2-40B4-BE49-F238E27FC236}">
+                  <a16:creationId xmlns:a16="http://schemas.microsoft.com/office/drawing/2014/main" id="{3695863C-3613-474B-8636-6D929BBEBD1D}"/>
+                </a:ext>
+              </a:extLst>
+            </p:cNvPr>
+            <p:cNvSpPr/>
+            <p:nvPr/>
+          </p:nvSpPr>
+          <p:spPr>
+            <a:xfrm>
+              <a:off x="7340463" y="348837"/>
+              <a:ext cx="5897880" cy="1709928"/>
+            </a:xfrm>
+            <a:prstGeom prst="rect">
+              <a:avLst/>
+            </a:prstGeom>
+            <a:solidFill>
+              <a:schemeClr val="accent6">
+                <a:lumMod val="20000"/>
+                <a:lumOff val="80000"/>
+                <a:alpha val="50000"/>
+              </a:schemeClr>
+            </a:solidFill>
+            <a:ln>
+              <a:noFill/>
+            </a:ln>
+          </p:spPr>
+          <p:style>
+            <a:lnRef idx="2">
+              <a:schemeClr val="accent1">
+                <a:shade val="50000"/>
+              </a:schemeClr>
+            </a:lnRef>
+            <a:fillRef idx="1">
+              <a:schemeClr val="accent1"/>
+            </a:fillRef>
+            <a:effectRef idx="0">
+              <a:schemeClr val="accent1"/>
+            </a:effectRef>
+            <a:fontRef idx="minor">
+              <a:schemeClr val="lt1"/>
+            </a:fontRef>
+          </p:style>
+          <p:txBody>
+            <a:bodyPr rtlCol="0" anchor="ctr"/>
+            <a:lstStyle/>
+            <a:p>
+              <a:pPr algn="ctr"/>
+              <a:endParaRPr lang="en-US" sz="600"/>
+            </a:p>
+          </p:txBody>
+        </p:sp>
+        <p:sp>
+          <p:nvSpPr>
+            <p:cNvPr id="39" name="TextBox 38">
+              <a:extLst>
+                <a:ext uri="{FF2B5EF4-FFF2-40B4-BE49-F238E27FC236}">
+                  <a16:creationId xmlns:a16="http://schemas.microsoft.com/office/drawing/2014/main" id="{D5C203C4-09C8-F5FD-A05E-DC51BD58717C}"/>
+                </a:ext>
+              </a:extLst>
+            </p:cNvPr>
+            <p:cNvSpPr txBox="1"/>
+            <p:nvPr/>
+          </p:nvSpPr>
+          <p:spPr>
+            <a:xfrm>
+              <a:off x="7247246" y="321707"/>
+              <a:ext cx="6213334" cy="5470408"/>
+            </a:xfrm>
+            <a:prstGeom prst="rect">
+              <a:avLst/>
+            </a:prstGeom>
+            <a:noFill/>
+          </p:spPr>
+          <p:txBody>
+            <a:bodyPr wrap="square" rtlCol="0">
+              <a:spAutoFit/>
+            </a:bodyPr>
+            <a:lstStyle/>
+            <a:p>
+              <a:r>
+                <a:rPr lang="zh-CN" altLang="en-US" sz="1002" dirty="0">
+                  <a:latin typeface="Consolas" panose="020B0609020204030204" pitchFamily="49" charset="0"/>
+                  <a:cs typeface="Consolas" panose="020B0609020204030204" pitchFamily="49" charset="0"/>
+                </a:rPr>
+                <a:t> </a:t>
+              </a:r>
+              <a:r>
+                <a:rPr lang="en-US" sz="1002" dirty="0">
+                  <a:latin typeface="Consolas" panose="020B0609020204030204" pitchFamily="49" charset="0"/>
+                  <a:ea typeface="Menlo" panose="020B0609030804020204" pitchFamily="49" charset="0"/>
+                  <a:cs typeface="Consolas" panose="020B0609020204030204" pitchFamily="49" charset="0"/>
+                </a:rPr>
+                <a:t>1</a:t>
+              </a:r>
+              <a:r>
+                <a:rPr lang="zh-CN" altLang="en-US" sz="1002" dirty="0">
+                  <a:latin typeface="Consolas" panose="020B0609020204030204" pitchFamily="49" charset="0"/>
+                  <a:cs typeface="Consolas" panose="020B0609020204030204" pitchFamily="49" charset="0"/>
+                </a:rPr>
+                <a:t> </a:t>
+              </a:r>
+              <a:r>
+                <a:rPr lang="en-US" altLang="zh-CN" sz="1398" dirty="0">
+                  <a:latin typeface="Consolas" panose="020B0609020204030204" pitchFamily="49" charset="0"/>
+                  <a:ea typeface="Menlo" panose="020B0609030804020204" pitchFamily="49" charset="0"/>
+                  <a:cs typeface="Consolas" panose="020B0609020204030204" pitchFamily="49" charset="0"/>
+                </a:rPr>
+                <a:t>#</a:t>
+              </a:r>
+              <a:r>
+                <a:rPr lang="en-US" altLang="zh-CN" sz="1398" dirty="0">
+                  <a:solidFill>
+                    <a:srgbClr val="C00000"/>
+                  </a:solidFill>
+                  <a:latin typeface="Consolas" panose="020B0609020204030204" pitchFamily="49" charset="0"/>
+                  <a:ea typeface="Menlo" panose="020B0609030804020204" pitchFamily="49" charset="0"/>
+                  <a:cs typeface="Consolas" panose="020B0609020204030204" pitchFamily="49" charset="0"/>
+                </a:rPr>
+                <a:t>pragma</a:t>
+              </a:r>
+              <a:r>
+                <a:rPr lang="en-US" altLang="zh-CN" sz="1398" dirty="0">
+                  <a:latin typeface="Consolas" panose="020B0609020204030204" pitchFamily="49" charset="0"/>
+                  <a:ea typeface="Menlo" panose="020B0609030804020204" pitchFamily="49" charset="0"/>
+                  <a:cs typeface="Consolas" panose="020B0609020204030204" pitchFamily="49" charset="0"/>
+                </a:rPr>
+                <a:t> clang loop unroll(disable)</a:t>
+              </a:r>
+            </a:p>
+            <a:p>
+              <a:r>
+                <a:rPr lang="zh-CN" altLang="en-US" sz="1002" dirty="0">
+                  <a:solidFill>
+                    <a:prstClr val="black"/>
+                  </a:solidFill>
+                  <a:latin typeface="Consolas" panose="020B0609020204030204" pitchFamily="49" charset="0"/>
+                  <a:cs typeface="Consolas" panose="020B0609020204030204" pitchFamily="49" charset="0"/>
+                </a:rPr>
+                <a:t> </a:t>
+              </a:r>
+              <a:r>
+                <a:rPr lang="en-US" altLang="zh-CN" sz="1002" dirty="0">
+                  <a:solidFill>
+                    <a:prstClr val="black"/>
+                  </a:solidFill>
+                  <a:latin typeface="Consolas" panose="020B0609020204030204" pitchFamily="49" charset="0"/>
+                  <a:ea typeface="Menlo" panose="020B0609030804020204" pitchFamily="49" charset="0"/>
+                  <a:cs typeface="Consolas" panose="020B0609020204030204" pitchFamily="49" charset="0"/>
+                </a:rPr>
+                <a:t>2</a:t>
+              </a:r>
+              <a:r>
+                <a:rPr lang="en-US" sz="1002" dirty="0">
+                  <a:solidFill>
+                    <a:prstClr val="black"/>
+                  </a:solidFill>
+                  <a:latin typeface="Consolas" panose="020B0609020204030204" pitchFamily="49" charset="0"/>
+                  <a:ea typeface="Menlo" panose="020B0609030804020204" pitchFamily="49" charset="0"/>
+                  <a:cs typeface="Consolas" panose="020B0609020204030204" pitchFamily="49" charset="0"/>
+                </a:rPr>
+                <a:t> </a:t>
+              </a:r>
+              <a:r>
+                <a:rPr lang="en-US" altLang="zh-CN" sz="1398" dirty="0">
+                  <a:solidFill>
+                    <a:srgbClr val="005DF6"/>
+                  </a:solidFill>
+                  <a:latin typeface="Consolas" panose="020B0609020204030204" pitchFamily="49" charset="0"/>
+                  <a:ea typeface="Menlo" panose="020B0609030804020204" pitchFamily="49" charset="0"/>
+                  <a:cs typeface="Consolas" panose="020B0609020204030204" pitchFamily="49" charset="0"/>
+                </a:rPr>
+                <a:t>for</a:t>
+              </a:r>
+              <a:r>
+                <a:rPr lang="en-US" altLang="zh-CN" sz="1398" dirty="0">
+                  <a:latin typeface="Consolas" panose="020B0609020204030204" pitchFamily="49" charset="0"/>
+                  <a:ea typeface="Menlo" panose="020B0609030804020204" pitchFamily="49" charset="0"/>
+                  <a:cs typeface="Consolas" panose="020B0609020204030204" pitchFamily="49" charset="0"/>
+                </a:rPr>
+                <a:t> (</a:t>
+              </a:r>
+              <a:r>
+                <a:rPr lang="en-US" altLang="zh-CN" sz="1398" dirty="0">
+                  <a:solidFill>
+                    <a:srgbClr val="005DF6"/>
+                  </a:solidFill>
+                  <a:latin typeface="Consolas" panose="020B0609020204030204" pitchFamily="49" charset="0"/>
+                  <a:ea typeface="Menlo" panose="020B0609030804020204" pitchFamily="49" charset="0"/>
+                  <a:cs typeface="Consolas" panose="020B0609020204030204" pitchFamily="49" charset="0"/>
+                </a:rPr>
+                <a:t>unsigned int </a:t>
+              </a:r>
+              <a:r>
+                <a:rPr lang="en-US" altLang="zh-CN" sz="1398" dirty="0">
+                  <a:latin typeface="Consolas" panose="020B0609020204030204" pitchFamily="49" charset="0"/>
+                  <a:ea typeface="Menlo" panose="020B0609030804020204" pitchFamily="49" charset="0"/>
+                  <a:cs typeface="Consolas" panose="020B0609020204030204" pitchFamily="49" charset="0"/>
+                </a:rPr>
+                <a:t>off = 0; off &lt; </a:t>
+              </a:r>
+              <a:r>
+                <a:rPr lang="en-US" altLang="zh-CN" sz="1398" dirty="0">
+                  <a:solidFill>
+                    <a:srgbClr val="C00000"/>
+                  </a:solidFill>
+                  <a:latin typeface="Consolas" panose="020B0609020204030204" pitchFamily="49" charset="0"/>
+                  <a:ea typeface="Menlo" panose="020B0609030804020204" pitchFamily="49" charset="0"/>
+                  <a:cs typeface="Consolas" panose="020B0609020204030204" pitchFamily="49" charset="0"/>
+                </a:rPr>
+                <a:t>BMC_MAX_PACKET_LENGTH </a:t>
+              </a:r>
+              <a:r>
+                <a:rPr lang="en-US" altLang="zh-CN" sz="1398" dirty="0">
+                  <a:latin typeface="Consolas" panose="020B0609020204030204" pitchFamily="49" charset="0"/>
+                  <a:ea typeface="Menlo" panose="020B0609030804020204" pitchFamily="49" charset="0"/>
+                  <a:cs typeface="Consolas" panose="020B0609020204030204" pitchFamily="49" charset="0"/>
+                </a:rPr>
+                <a:t>&amp;&amp;</a:t>
+              </a:r>
+            </a:p>
+            <a:p>
+              <a:r>
+                <a:rPr lang="en-US" altLang="zh-CN" sz="1002" dirty="0">
+                  <a:latin typeface="Consolas" panose="020B0609020204030204" pitchFamily="49" charset="0"/>
+                  <a:ea typeface="Menlo" panose="020B0609030804020204" pitchFamily="49" charset="0"/>
+                  <a:cs typeface="Consolas" panose="020B0609020204030204" pitchFamily="49" charset="0"/>
+                </a:rPr>
+                <a:t> 4 </a:t>
+              </a:r>
+              <a:r>
+                <a:rPr lang="zh-CN" altLang="en-US" sz="1002" dirty="0">
+                  <a:latin typeface="Consolas" panose="020B0609020204030204" pitchFamily="49" charset="0"/>
+                  <a:cs typeface="Consolas" panose="020B0609020204030204" pitchFamily="49" charset="0"/>
+                </a:rPr>
+                <a:t>  </a:t>
+              </a:r>
+              <a:r>
+                <a:rPr lang="en-US" altLang="zh-CN" sz="1398" dirty="0">
+                  <a:latin typeface="Consolas" panose="020B0609020204030204" pitchFamily="49" charset="0"/>
+                  <a:ea typeface="Menlo" panose="020B0609030804020204" pitchFamily="49" charset="0"/>
+                  <a:cs typeface="Consolas" panose="020B0609020204030204" pitchFamily="49" charset="0"/>
+                </a:rPr>
+                <a:t>payload + off + 1 &lt;= </a:t>
+              </a:r>
+              <a:r>
+                <a:rPr lang="en-US" altLang="zh-CN" sz="1398" dirty="0" err="1">
+                  <a:latin typeface="Consolas" panose="020B0609020204030204" pitchFamily="49" charset="0"/>
+                  <a:ea typeface="Menlo" panose="020B0609030804020204" pitchFamily="49" charset="0"/>
+                  <a:cs typeface="Consolas" panose="020B0609020204030204" pitchFamily="49" charset="0"/>
+                </a:rPr>
+                <a:t>data_end</a:t>
+              </a:r>
+              <a:r>
+                <a:rPr lang="en-US" altLang="zh-CN" sz="1398" dirty="0">
+                  <a:latin typeface="Consolas" panose="020B0609020204030204" pitchFamily="49" charset="0"/>
+                  <a:ea typeface="Menlo" panose="020B0609030804020204" pitchFamily="49" charset="0"/>
+                  <a:cs typeface="Consolas" panose="020B0609020204030204" pitchFamily="49" charset="0"/>
+                </a:rPr>
+                <a:t>; off++) {</a:t>
+              </a:r>
+            </a:p>
+            <a:p>
+              <a:r>
+                <a:rPr lang="en-US" altLang="zh-CN" sz="1002" dirty="0">
+                  <a:latin typeface="Consolas" panose="020B0609020204030204" pitchFamily="49" charset="0"/>
+                  <a:ea typeface="Menlo" panose="020B0609030804020204" pitchFamily="49" charset="0"/>
+                  <a:cs typeface="Consolas" panose="020B0609020204030204" pitchFamily="49" charset="0"/>
+                </a:rPr>
+                <a:t> 5 </a:t>
+              </a:r>
+              <a:r>
+                <a:rPr lang="zh-CN" altLang="en-US" sz="1002" dirty="0">
+                  <a:latin typeface="Consolas" panose="020B0609020204030204" pitchFamily="49" charset="0"/>
+                  <a:cs typeface="Consolas" panose="020B0609020204030204" pitchFamily="49" charset="0"/>
+                </a:rPr>
+                <a:t>  </a:t>
+              </a:r>
+              <a:r>
+                <a:rPr lang="en-US" altLang="zh-CN" sz="1398" dirty="0">
+                  <a:solidFill>
+                    <a:srgbClr val="005DF6"/>
+                  </a:solidFill>
+                  <a:latin typeface="Consolas" panose="020B0609020204030204" pitchFamily="49" charset="0"/>
+                  <a:ea typeface="Menlo" panose="020B0609030804020204" pitchFamily="49" charset="0"/>
+                  <a:cs typeface="Consolas" panose="020B0609020204030204" pitchFamily="49" charset="0"/>
+                </a:rPr>
+                <a:t>if</a:t>
+              </a:r>
+              <a:r>
+                <a:rPr lang="en-US" altLang="zh-CN" sz="1398" dirty="0">
+                  <a:latin typeface="Consolas" panose="020B0609020204030204" pitchFamily="49" charset="0"/>
+                  <a:ea typeface="Menlo" panose="020B0609030804020204" pitchFamily="49" charset="0"/>
+                  <a:cs typeface="Consolas" panose="020B0609020204030204" pitchFamily="49" charset="0"/>
+                </a:rPr>
+                <a:t> (</a:t>
+              </a:r>
+              <a:r>
+                <a:rPr lang="en-US" altLang="zh-CN" sz="1398" dirty="0" err="1">
+                  <a:latin typeface="Consolas" panose="020B0609020204030204" pitchFamily="49" charset="0"/>
+                  <a:ea typeface="Menlo" panose="020B0609030804020204" pitchFamily="49" charset="0"/>
+                  <a:cs typeface="Consolas" panose="020B0609020204030204" pitchFamily="49" charset="0"/>
+                </a:rPr>
+                <a:t>set_found</a:t>
+              </a:r>
+              <a:r>
+                <a:rPr lang="en-US" altLang="zh-CN" sz="1398" dirty="0">
+                  <a:latin typeface="Consolas" panose="020B0609020204030204" pitchFamily="49" charset="0"/>
+                  <a:ea typeface="Menlo" panose="020B0609030804020204" pitchFamily="49" charset="0"/>
+                  <a:cs typeface="Consolas" panose="020B0609020204030204" pitchFamily="49" charset="0"/>
+                </a:rPr>
+                <a:t> == 0 &amp;&amp; payload[off] == </a:t>
+              </a:r>
+              <a:r>
+                <a:rPr lang="en-US" altLang="zh-CN" sz="1398" dirty="0">
+                  <a:solidFill>
+                    <a:srgbClr val="005DF6"/>
+                  </a:solidFill>
+                  <a:latin typeface="Consolas" panose="020B0609020204030204" pitchFamily="49" charset="0"/>
+                  <a:ea typeface="Menlo" panose="020B0609030804020204" pitchFamily="49" charset="0"/>
+                  <a:cs typeface="Consolas" panose="020B0609020204030204" pitchFamily="49" charset="0"/>
+                </a:rPr>
+                <a:t>'s'</a:t>
+              </a:r>
+              <a:r>
+                <a:rPr lang="en-US" altLang="zh-CN" sz="1398" dirty="0">
+                  <a:latin typeface="Consolas" panose="020B0609020204030204" pitchFamily="49" charset="0"/>
+                  <a:ea typeface="Menlo" panose="020B0609030804020204" pitchFamily="49" charset="0"/>
+                  <a:cs typeface="Consolas" panose="020B0609020204030204" pitchFamily="49" charset="0"/>
+                </a:rPr>
+                <a:t> &amp;&amp;</a:t>
+              </a:r>
+            </a:p>
+            <a:p>
+              <a:r>
+                <a:rPr lang="en-US" altLang="zh-CN" sz="1002" dirty="0">
+                  <a:latin typeface="Consolas" panose="020B0609020204030204" pitchFamily="49" charset="0"/>
+                  <a:ea typeface="Menlo" panose="020B0609030804020204" pitchFamily="49" charset="0"/>
+                  <a:cs typeface="Consolas" panose="020B0609020204030204" pitchFamily="49" charset="0"/>
+                </a:rPr>
+                <a:t> 6     </a:t>
+              </a:r>
+              <a:r>
+                <a:rPr lang="zh-CN" altLang="en-US" sz="1002" dirty="0">
+                  <a:latin typeface="Consolas" panose="020B0609020204030204" pitchFamily="49" charset="0"/>
+                  <a:cs typeface="Consolas" panose="020B0609020204030204" pitchFamily="49" charset="0"/>
+                </a:rPr>
+                <a:t>  </a:t>
+              </a:r>
+              <a:r>
+                <a:rPr lang="en-US" altLang="zh-CN" sz="1398" dirty="0">
+                  <a:latin typeface="Consolas" panose="020B0609020204030204" pitchFamily="49" charset="0"/>
+                  <a:ea typeface="Menlo" panose="020B0609030804020204" pitchFamily="49" charset="0"/>
+                  <a:cs typeface="Consolas" panose="020B0609020204030204" pitchFamily="49" charset="0"/>
+                </a:rPr>
+                <a:t>payload + off + 3 &lt;= </a:t>
+              </a:r>
+              <a:r>
+                <a:rPr lang="en-US" altLang="zh-CN" sz="1398" dirty="0" err="1">
+                  <a:latin typeface="Consolas" panose="020B0609020204030204" pitchFamily="49" charset="0"/>
+                  <a:ea typeface="Menlo" panose="020B0609030804020204" pitchFamily="49" charset="0"/>
+                  <a:cs typeface="Consolas" panose="020B0609020204030204" pitchFamily="49" charset="0"/>
+                </a:rPr>
+                <a:t>data_end</a:t>
+              </a:r>
+              <a:r>
+                <a:rPr lang="en-US" altLang="zh-CN" sz="1398" dirty="0">
+                  <a:latin typeface="Consolas" panose="020B0609020204030204" pitchFamily="49" charset="0"/>
+                  <a:ea typeface="Menlo" panose="020B0609030804020204" pitchFamily="49" charset="0"/>
+                  <a:cs typeface="Consolas" panose="020B0609020204030204" pitchFamily="49" charset="0"/>
+                </a:rPr>
+                <a:t> &amp;&amp;</a:t>
+              </a:r>
+            </a:p>
+            <a:p>
+              <a:r>
+                <a:rPr lang="en-US" altLang="zh-CN" sz="1002" dirty="0">
+                  <a:latin typeface="Consolas" panose="020B0609020204030204" pitchFamily="49" charset="0"/>
+                  <a:ea typeface="Menlo" panose="020B0609030804020204" pitchFamily="49" charset="0"/>
+                  <a:cs typeface="Consolas" panose="020B0609020204030204" pitchFamily="49" charset="0"/>
+                </a:rPr>
+                <a:t> 7     </a:t>
+              </a:r>
+              <a:r>
+                <a:rPr lang="zh-CN" altLang="en-US" sz="1002" dirty="0">
+                  <a:latin typeface="Consolas" panose="020B0609020204030204" pitchFamily="49" charset="0"/>
+                  <a:cs typeface="Consolas" panose="020B0609020204030204" pitchFamily="49" charset="0"/>
+                </a:rPr>
+                <a:t>  </a:t>
+              </a:r>
+              <a:r>
+                <a:rPr lang="en-US" altLang="zh-CN" sz="1398" dirty="0">
+                  <a:latin typeface="Consolas" panose="020B0609020204030204" pitchFamily="49" charset="0"/>
+                  <a:ea typeface="Menlo" panose="020B0609030804020204" pitchFamily="49" charset="0"/>
+                  <a:cs typeface="Consolas" panose="020B0609020204030204" pitchFamily="49" charset="0"/>
+                </a:rPr>
+                <a:t>payload[off + 1] == </a:t>
+              </a:r>
+              <a:r>
+                <a:rPr lang="en-US" altLang="zh-CN" sz="1398" dirty="0">
+                  <a:solidFill>
+                    <a:srgbClr val="005DF6"/>
+                  </a:solidFill>
+                  <a:latin typeface="Consolas" panose="020B0609020204030204" pitchFamily="49" charset="0"/>
+                  <a:ea typeface="Menlo" panose="020B0609030804020204" pitchFamily="49" charset="0"/>
+                  <a:cs typeface="Consolas" panose="020B0609020204030204" pitchFamily="49" charset="0"/>
+                </a:rPr>
+                <a:t>'e'</a:t>
+              </a:r>
+              <a:r>
+                <a:rPr lang="en-US" altLang="zh-CN" sz="1398" dirty="0">
+                  <a:latin typeface="Consolas" panose="020B0609020204030204" pitchFamily="49" charset="0"/>
+                  <a:ea typeface="Menlo" panose="020B0609030804020204" pitchFamily="49" charset="0"/>
+                  <a:cs typeface="Consolas" panose="020B0609020204030204" pitchFamily="49" charset="0"/>
+                </a:rPr>
+                <a:t> &amp;&amp; payload[off + 2] == </a:t>
+              </a:r>
+              <a:r>
+                <a:rPr lang="en-US" altLang="zh-CN" sz="1398" dirty="0">
+                  <a:solidFill>
+                    <a:srgbClr val="005DF6"/>
+                  </a:solidFill>
+                  <a:latin typeface="Consolas" panose="020B0609020204030204" pitchFamily="49" charset="0"/>
+                  <a:ea typeface="Menlo" panose="020B0609030804020204" pitchFamily="49" charset="0"/>
+                  <a:cs typeface="Consolas" panose="020B0609020204030204" pitchFamily="49" charset="0"/>
+                </a:rPr>
+                <a:t>'t'</a:t>
+              </a:r>
+              <a:r>
+                <a:rPr lang="en-US" altLang="zh-CN" sz="1398" dirty="0">
+                  <a:latin typeface="Consolas" panose="020B0609020204030204" pitchFamily="49" charset="0"/>
+                  <a:ea typeface="Menlo" panose="020B0609030804020204" pitchFamily="49" charset="0"/>
+                  <a:cs typeface="Consolas" panose="020B0609020204030204" pitchFamily="49" charset="0"/>
+                </a:rPr>
+                <a:t>) {</a:t>
+              </a:r>
+            </a:p>
+            <a:p>
+              <a:r>
+                <a:rPr lang="en-US" altLang="zh-CN" sz="1002" dirty="0">
+                  <a:latin typeface="Consolas" panose="020B0609020204030204" pitchFamily="49" charset="0"/>
+                  <a:ea typeface="Menlo" panose="020B0609030804020204" pitchFamily="49" charset="0"/>
+                  <a:cs typeface="Consolas" panose="020B0609020204030204" pitchFamily="49" charset="0"/>
+                </a:rPr>
+                <a:t> 9   </a:t>
+              </a:r>
+              <a:r>
+                <a:rPr lang="zh-CN" altLang="en-US" sz="1002" dirty="0">
+                  <a:latin typeface="Consolas" panose="020B0609020204030204" pitchFamily="49" charset="0"/>
+                  <a:cs typeface="Consolas" panose="020B0609020204030204" pitchFamily="49" charset="0"/>
+                </a:rPr>
+                <a:t>  </a:t>
+              </a:r>
+              <a:r>
+                <a:rPr lang="en-US" altLang="zh-CN" sz="1398" dirty="0">
+                  <a:latin typeface="Consolas" panose="020B0609020204030204" pitchFamily="49" charset="0"/>
+                  <a:ea typeface="Menlo" panose="020B0609030804020204" pitchFamily="49" charset="0"/>
+                  <a:cs typeface="Consolas" panose="020B0609020204030204" pitchFamily="49" charset="0"/>
+                </a:rPr>
+                <a:t>...</a:t>
+              </a:r>
+              <a:r>
+                <a:rPr lang="zh-CN" altLang="en-US" sz="1398" dirty="0">
+                  <a:latin typeface="Consolas" panose="020B0609020204030204" pitchFamily="49" charset="0"/>
+                  <a:cs typeface="Consolas" panose="020B0609020204030204" pitchFamily="49" charset="0"/>
+                </a:rPr>
+                <a:t> </a:t>
+              </a:r>
+              <a:r>
+                <a:rPr lang="en-US" sz="1398" dirty="0">
+                  <a:solidFill>
+                    <a:schemeClr val="accent6">
+                      <a:lumMod val="75000"/>
+                    </a:schemeClr>
+                  </a:solidFill>
+                  <a:latin typeface="Consolas" panose="020B0609020204030204" pitchFamily="49" charset="0"/>
+                  <a:ea typeface="Menlo" panose="020B0609030804020204" pitchFamily="49" charset="0"/>
+                  <a:cs typeface="Consolas" panose="020B0609020204030204" pitchFamily="49" charset="0"/>
+                </a:rPr>
+                <a:t>//</a:t>
+              </a:r>
+              <a:r>
+                <a:rPr lang="zh-CN" altLang="en-US" sz="1398" dirty="0">
+                  <a:solidFill>
+                    <a:schemeClr val="accent6">
+                      <a:lumMod val="75000"/>
+                    </a:schemeClr>
+                  </a:solidFill>
+                  <a:latin typeface="Consolas" panose="020B0609020204030204" pitchFamily="49" charset="0"/>
+                  <a:cs typeface="Consolas" panose="020B0609020204030204" pitchFamily="49" charset="0"/>
+                </a:rPr>
+                <a:t> </a:t>
+              </a:r>
+              <a:r>
+                <a:rPr lang="en-US" altLang="zh-CN" sz="1398" dirty="0">
+                  <a:solidFill>
+                    <a:schemeClr val="accent6">
+                      <a:lumMod val="75000"/>
+                    </a:schemeClr>
+                  </a:solidFill>
+                  <a:latin typeface="Consolas" panose="020B0609020204030204" pitchFamily="49" charset="0"/>
+                  <a:ea typeface="Menlo" panose="020B0609030804020204" pitchFamily="49" charset="0"/>
+                  <a:cs typeface="Consolas" panose="020B0609020204030204" pitchFamily="49" charset="0"/>
+                </a:rPr>
+                <a:t>move offset after the SET command</a:t>
+              </a:r>
+              <a:endParaRPr lang="en-US" altLang="zh-CN" sz="1398" dirty="0">
+                <a:latin typeface="Consolas" panose="020B0609020204030204" pitchFamily="49" charset="0"/>
+                <a:ea typeface="Menlo" panose="020B0609030804020204" pitchFamily="49" charset="0"/>
+                <a:cs typeface="Consolas" panose="020B0609020204030204" pitchFamily="49" charset="0"/>
+              </a:endParaRPr>
+            </a:p>
+            <a:p>
+              <a:r>
+                <a:rPr lang="en-US" altLang="zh-CN" sz="1002" dirty="0">
+                  <a:latin typeface="Consolas" panose="020B0609020204030204" pitchFamily="49" charset="0"/>
+                  <a:ea typeface="Menlo" panose="020B0609030804020204" pitchFamily="49" charset="0"/>
+                  <a:cs typeface="Consolas" panose="020B0609020204030204" pitchFamily="49" charset="0"/>
+                </a:rPr>
+                <a:t>10 </a:t>
+              </a:r>
+              <a:r>
+                <a:rPr lang="en-US" altLang="zh-CN" sz="1398" dirty="0">
+                  <a:latin typeface="Consolas" panose="020B0609020204030204" pitchFamily="49" charset="0"/>
+                  <a:ea typeface="Menlo" panose="020B0609030804020204" pitchFamily="49" charset="0"/>
+                  <a:cs typeface="Consolas" panose="020B0609020204030204" pitchFamily="49" charset="0"/>
+                </a:rPr>
+                <a:t>   </a:t>
+              </a:r>
+              <a:r>
+                <a:rPr lang="en-US" altLang="zh-CN" sz="1398" dirty="0" err="1">
+                  <a:latin typeface="Consolas" panose="020B0609020204030204" pitchFamily="49" charset="0"/>
+                  <a:ea typeface="Menlo" panose="020B0609030804020204" pitchFamily="49" charset="0"/>
+                  <a:cs typeface="Consolas" panose="020B0609020204030204" pitchFamily="49" charset="0"/>
+                </a:rPr>
+                <a:t>set_found</a:t>
+              </a:r>
+              <a:r>
+                <a:rPr lang="en-US" altLang="zh-CN" sz="1398" dirty="0">
+                  <a:latin typeface="Consolas" panose="020B0609020204030204" pitchFamily="49" charset="0"/>
+                  <a:ea typeface="Menlo" panose="020B0609030804020204" pitchFamily="49" charset="0"/>
+                  <a:cs typeface="Consolas" panose="020B0609020204030204" pitchFamily="49" charset="0"/>
+                </a:rPr>
+                <a:t> = 1;</a:t>
+              </a:r>
+            </a:p>
+            <a:p>
+              <a:r>
+                <a:rPr lang="en-US" altLang="zh-CN" sz="1002" dirty="0">
+                  <a:latin typeface="Consolas" panose="020B0609020204030204" pitchFamily="49" charset="0"/>
+                  <a:ea typeface="Menlo" panose="020B0609030804020204" pitchFamily="49" charset="0"/>
+                  <a:cs typeface="Consolas" panose="020B0609020204030204" pitchFamily="49" charset="0"/>
+                </a:rPr>
+                <a:t>11 </a:t>
+              </a:r>
+              <a:r>
+                <a:rPr lang="en-US" altLang="zh-CN" sz="1398" dirty="0">
+                  <a:latin typeface="Consolas" panose="020B0609020204030204" pitchFamily="49" charset="0"/>
+                  <a:ea typeface="Menlo" panose="020B0609030804020204" pitchFamily="49" charset="0"/>
+                  <a:cs typeface="Consolas" panose="020B0609020204030204" pitchFamily="49" charset="0"/>
+                </a:rPr>
+                <a:t> } </a:t>
+              </a:r>
+              <a:r>
+                <a:rPr lang="en-US" altLang="zh-CN" sz="1398" dirty="0">
+                  <a:solidFill>
+                    <a:srgbClr val="005DF6"/>
+                  </a:solidFill>
+                  <a:latin typeface="Consolas" panose="020B0609020204030204" pitchFamily="49" charset="0"/>
+                  <a:ea typeface="Menlo" panose="020B0609030804020204" pitchFamily="49" charset="0"/>
+                  <a:cs typeface="Consolas" panose="020B0609020204030204" pitchFamily="49" charset="0"/>
+                </a:rPr>
+                <a:t>else if </a:t>
+              </a:r>
+              <a:r>
+                <a:rPr lang="en-US" altLang="zh-CN" sz="1398" dirty="0">
+                  <a:latin typeface="Consolas" panose="020B0609020204030204" pitchFamily="49" charset="0"/>
+                  <a:ea typeface="Menlo" panose="020B0609030804020204" pitchFamily="49" charset="0"/>
+                  <a:cs typeface="Consolas" panose="020B0609020204030204" pitchFamily="49" charset="0"/>
+                </a:rPr>
+                <a:t>(</a:t>
+              </a:r>
+              <a:r>
+                <a:rPr lang="en-US" altLang="zh-CN" sz="1398" dirty="0" err="1">
+                  <a:latin typeface="Consolas" panose="020B0609020204030204" pitchFamily="49" charset="0"/>
+                  <a:ea typeface="Menlo" panose="020B0609030804020204" pitchFamily="49" charset="0"/>
+                  <a:cs typeface="Consolas" panose="020B0609020204030204" pitchFamily="49" charset="0"/>
+                </a:rPr>
+                <a:t>key_found</a:t>
+              </a:r>
+              <a:r>
+                <a:rPr lang="en-US" altLang="zh-CN" sz="1398" dirty="0">
+                  <a:latin typeface="Consolas" panose="020B0609020204030204" pitchFamily="49" charset="0"/>
+                  <a:ea typeface="Menlo" panose="020B0609030804020204" pitchFamily="49" charset="0"/>
+                  <a:cs typeface="Consolas" panose="020B0609020204030204" pitchFamily="49" charset="0"/>
+                </a:rPr>
+                <a:t> == 0 &amp;&amp; </a:t>
+              </a:r>
+              <a:r>
+                <a:rPr lang="en-US" altLang="zh-CN" sz="1398" dirty="0" err="1">
+                  <a:latin typeface="Consolas" panose="020B0609020204030204" pitchFamily="49" charset="0"/>
+                  <a:ea typeface="Menlo" panose="020B0609030804020204" pitchFamily="49" charset="0"/>
+                  <a:cs typeface="Consolas" panose="020B0609020204030204" pitchFamily="49" charset="0"/>
+                </a:rPr>
+                <a:t>set_found</a:t>
+              </a:r>
+              <a:r>
+                <a:rPr lang="en-US" altLang="zh-CN" sz="1398" dirty="0">
+                  <a:latin typeface="Consolas" panose="020B0609020204030204" pitchFamily="49" charset="0"/>
+                  <a:ea typeface="Menlo" panose="020B0609030804020204" pitchFamily="49" charset="0"/>
+                  <a:cs typeface="Consolas" panose="020B0609020204030204" pitchFamily="49" charset="0"/>
+                </a:rPr>
+                <a:t> == 1 &amp;&amp;</a:t>
+              </a:r>
+            </a:p>
+            <a:p>
+              <a:r>
+                <a:rPr lang="en-US" altLang="zh-CN" sz="1002" dirty="0">
+                  <a:latin typeface="Consolas" panose="020B0609020204030204" pitchFamily="49" charset="0"/>
+                  <a:ea typeface="Menlo" panose="020B0609030804020204" pitchFamily="49" charset="0"/>
+                  <a:cs typeface="Consolas" panose="020B0609020204030204" pitchFamily="49" charset="0"/>
+                </a:rPr>
+                <a:t>12</a:t>
+              </a:r>
+              <a:r>
+                <a:rPr lang="en-US" altLang="zh-CN" sz="1398" dirty="0">
+                  <a:latin typeface="Consolas" panose="020B0609020204030204" pitchFamily="49" charset="0"/>
+                  <a:ea typeface="Menlo" panose="020B0609030804020204" pitchFamily="49" charset="0"/>
+                  <a:cs typeface="Consolas" panose="020B0609020204030204" pitchFamily="49" charset="0"/>
+                </a:rPr>
+                <a:t>             &amp;&amp; payload[off] != </a:t>
+              </a:r>
+              <a:r>
+                <a:rPr lang="en-US" altLang="zh-CN" sz="1398" dirty="0">
+                  <a:solidFill>
+                    <a:srgbClr val="005DF6"/>
+                  </a:solidFill>
+                  <a:latin typeface="Consolas" panose="020B0609020204030204" pitchFamily="49" charset="0"/>
+                  <a:ea typeface="Menlo" panose="020B0609030804020204" pitchFamily="49" charset="0"/>
+                  <a:cs typeface="Consolas" panose="020B0609020204030204" pitchFamily="49" charset="0"/>
+                </a:rPr>
+                <a:t>' '</a:t>
+              </a:r>
+              <a:r>
+                <a:rPr lang="en-US" altLang="zh-CN" sz="1398" dirty="0">
+                  <a:latin typeface="Consolas" panose="020B0609020204030204" pitchFamily="49" charset="0"/>
+                  <a:ea typeface="Menlo" panose="020B0609030804020204" pitchFamily="49" charset="0"/>
+                  <a:cs typeface="Consolas" panose="020B0609020204030204" pitchFamily="49" charset="0"/>
+                </a:rPr>
+                <a:t>) {</a:t>
+              </a:r>
+            </a:p>
+            <a:p>
+              <a:r>
+                <a:rPr lang="en-US" altLang="zh-CN" sz="1002" dirty="0">
+                  <a:latin typeface="Consolas" panose="020B0609020204030204" pitchFamily="49" charset="0"/>
+                  <a:ea typeface="Menlo" panose="020B0609030804020204" pitchFamily="49" charset="0"/>
+                  <a:cs typeface="Consolas" panose="020B0609020204030204" pitchFamily="49" charset="0"/>
+                </a:rPr>
+                <a:t>13  </a:t>
+              </a:r>
+              <a:r>
+                <a:rPr lang="en-US" altLang="zh-CN" sz="1398" dirty="0">
+                  <a:latin typeface="Consolas" panose="020B0609020204030204" pitchFamily="49" charset="0"/>
+                  <a:ea typeface="Menlo" panose="020B0609030804020204" pitchFamily="49" charset="0"/>
+                  <a:cs typeface="Consolas" panose="020B0609020204030204" pitchFamily="49" charset="0"/>
+                </a:rPr>
+                <a:t>  </a:t>
+              </a:r>
+              <a:r>
+                <a:rPr lang="en-US" altLang="zh-CN" sz="1398" dirty="0">
+                  <a:solidFill>
+                    <a:srgbClr val="005DF6"/>
+                  </a:solidFill>
+                  <a:latin typeface="Consolas" panose="020B0609020204030204" pitchFamily="49" charset="0"/>
+                  <a:ea typeface="Menlo" panose="020B0609030804020204" pitchFamily="49" charset="0"/>
+                  <a:cs typeface="Consolas" panose="020B0609020204030204" pitchFamily="49" charset="0"/>
+                </a:rPr>
+                <a:t>if</a:t>
+              </a:r>
+              <a:r>
+                <a:rPr lang="en-US" altLang="zh-CN" sz="1398" dirty="0">
+                  <a:latin typeface="Consolas" panose="020B0609020204030204" pitchFamily="49" charset="0"/>
+                  <a:ea typeface="Menlo" panose="020B0609030804020204" pitchFamily="49" charset="0"/>
+                  <a:cs typeface="Consolas" panose="020B0609020204030204" pitchFamily="49" charset="0"/>
+                </a:rPr>
+                <a:t> (payload[off] == </a:t>
+              </a:r>
+              <a:r>
+                <a:rPr lang="en-US" altLang="zh-CN" sz="1398" dirty="0">
+                  <a:solidFill>
+                    <a:srgbClr val="005DF6"/>
+                  </a:solidFill>
+                  <a:latin typeface="Consolas" panose="020B0609020204030204" pitchFamily="49" charset="0"/>
+                  <a:ea typeface="Menlo" panose="020B0609030804020204" pitchFamily="49" charset="0"/>
+                  <a:cs typeface="Consolas" panose="020B0609020204030204" pitchFamily="49" charset="0"/>
+                </a:rPr>
+                <a:t>'\r’</a:t>
+              </a:r>
+              <a:r>
+                <a:rPr lang="en-US" altLang="zh-CN" sz="1398" dirty="0">
+                  <a:latin typeface="Consolas" panose="020B0609020204030204" pitchFamily="49" charset="0"/>
+                  <a:ea typeface="Menlo" panose="020B0609030804020204" pitchFamily="49" charset="0"/>
+                  <a:cs typeface="Consolas" panose="020B0609020204030204" pitchFamily="49" charset="0"/>
+                </a:rPr>
+                <a:t>) { </a:t>
+              </a:r>
+            </a:p>
+            <a:p>
+              <a:r>
+                <a:rPr lang="en-US" altLang="zh-CN" sz="1002" dirty="0">
+                  <a:latin typeface="Consolas" panose="020B0609020204030204" pitchFamily="49" charset="0"/>
+                  <a:ea typeface="Menlo" panose="020B0609030804020204" pitchFamily="49" charset="0"/>
+                  <a:cs typeface="Consolas" panose="020B0609020204030204" pitchFamily="49" charset="0"/>
+                </a:rPr>
+                <a:t>14 </a:t>
+              </a:r>
+              <a:r>
+                <a:rPr lang="en-US" altLang="zh-CN" sz="1398" dirty="0">
+                  <a:latin typeface="Consolas" panose="020B0609020204030204" pitchFamily="49" charset="0"/>
+                  <a:ea typeface="Menlo" panose="020B0609030804020204" pitchFamily="49" charset="0"/>
+                  <a:cs typeface="Consolas" panose="020B0609020204030204" pitchFamily="49" charset="0"/>
+                </a:rPr>
+                <a:t>     </a:t>
+              </a:r>
+              <a:r>
+                <a:rPr lang="en-US" altLang="zh-CN" sz="1398" dirty="0" err="1">
+                  <a:latin typeface="Consolas" panose="020B0609020204030204" pitchFamily="49" charset="0"/>
+                  <a:ea typeface="Menlo" panose="020B0609030804020204" pitchFamily="49" charset="0"/>
+                  <a:cs typeface="Consolas" panose="020B0609020204030204" pitchFamily="49" charset="0"/>
+                </a:rPr>
+                <a:t>set_found</a:t>
+              </a:r>
+              <a:r>
+                <a:rPr lang="en-US" altLang="zh-CN" sz="1398" dirty="0">
+                  <a:latin typeface="Consolas" panose="020B0609020204030204" pitchFamily="49" charset="0"/>
+                  <a:ea typeface="Menlo" panose="020B0609030804020204" pitchFamily="49" charset="0"/>
+                  <a:cs typeface="Consolas" panose="020B0609020204030204" pitchFamily="49" charset="0"/>
+                </a:rPr>
+                <a:t> = 0; </a:t>
+              </a:r>
+              <a:r>
+                <a:rPr lang="en-US" altLang="zh-CN" sz="1398" dirty="0" err="1">
+                  <a:latin typeface="Consolas" panose="020B0609020204030204" pitchFamily="49" charset="0"/>
+                  <a:ea typeface="Menlo" panose="020B0609030804020204" pitchFamily="49" charset="0"/>
+                  <a:cs typeface="Consolas" panose="020B0609020204030204" pitchFamily="49" charset="0"/>
+                </a:rPr>
+                <a:t>key_found</a:t>
+              </a:r>
+              <a:r>
+                <a:rPr lang="en-US" altLang="zh-CN" sz="1398" dirty="0">
+                  <a:latin typeface="Consolas" panose="020B0609020204030204" pitchFamily="49" charset="0"/>
+                  <a:ea typeface="Menlo" panose="020B0609030804020204" pitchFamily="49" charset="0"/>
+                  <a:cs typeface="Consolas" panose="020B0609020204030204" pitchFamily="49" charset="0"/>
+                </a:rPr>
+                <a:t> = 0;</a:t>
+              </a:r>
+            </a:p>
+            <a:p>
+              <a:r>
+                <a:rPr lang="en-US" altLang="zh-CN" sz="1002" dirty="0">
+                  <a:latin typeface="Consolas" panose="020B0609020204030204" pitchFamily="49" charset="0"/>
+                  <a:ea typeface="Menlo" panose="020B0609030804020204" pitchFamily="49" charset="0"/>
+                  <a:cs typeface="Consolas" panose="020B0609020204030204" pitchFamily="49" charset="0"/>
+                </a:rPr>
+                <a:t>16 </a:t>
+              </a:r>
+              <a:r>
+                <a:rPr lang="en-US" altLang="zh-CN" sz="1398" dirty="0">
+                  <a:latin typeface="Consolas" panose="020B0609020204030204" pitchFamily="49" charset="0"/>
+                  <a:ea typeface="Menlo" panose="020B0609030804020204" pitchFamily="49" charset="0"/>
+                  <a:cs typeface="Consolas" panose="020B0609020204030204" pitchFamily="49" charset="0"/>
+                </a:rPr>
+                <a:t>   } </a:t>
+              </a:r>
+              <a:r>
+                <a:rPr lang="en-US" altLang="zh-CN" sz="1398" dirty="0">
+                  <a:solidFill>
+                    <a:srgbClr val="005DF6"/>
+                  </a:solidFill>
+                  <a:latin typeface="Consolas" panose="020B0609020204030204" pitchFamily="49" charset="0"/>
+                  <a:ea typeface="Menlo" panose="020B0609030804020204" pitchFamily="49" charset="0"/>
+                  <a:cs typeface="Consolas" panose="020B0609020204030204" pitchFamily="49" charset="0"/>
+                </a:rPr>
+                <a:t>else</a:t>
+              </a:r>
+              <a:r>
+                <a:rPr lang="en-US" altLang="zh-CN" sz="1398" dirty="0">
+                  <a:latin typeface="Consolas" panose="020B0609020204030204" pitchFamily="49" charset="0"/>
+                  <a:ea typeface="Menlo" panose="020B0609030804020204" pitchFamily="49" charset="0"/>
+                  <a:cs typeface="Consolas" panose="020B0609020204030204" pitchFamily="49" charset="0"/>
+                </a:rPr>
+                <a:t> {</a:t>
+              </a:r>
+            </a:p>
+            <a:p>
+              <a:r>
+                <a:rPr lang="en-US" altLang="zh-CN" sz="1002" dirty="0">
+                  <a:latin typeface="Consolas" panose="020B0609020204030204" pitchFamily="49" charset="0"/>
+                  <a:ea typeface="Menlo" panose="020B0609030804020204" pitchFamily="49" charset="0"/>
+                  <a:cs typeface="Consolas" panose="020B0609020204030204" pitchFamily="49" charset="0"/>
+                </a:rPr>
+                <a:t>17</a:t>
+              </a:r>
+              <a:r>
+                <a:rPr lang="en-US" altLang="zh-CN" sz="1398" dirty="0">
+                  <a:latin typeface="Consolas" panose="020B0609020204030204" pitchFamily="49" charset="0"/>
+                  <a:ea typeface="Menlo" panose="020B0609030804020204" pitchFamily="49" charset="0"/>
+                  <a:cs typeface="Consolas" panose="020B0609020204030204" pitchFamily="49" charset="0"/>
+                </a:rPr>
+                <a:t>      ...</a:t>
+              </a:r>
+              <a:r>
+                <a:rPr lang="zh-CN" altLang="en-US" sz="1398" dirty="0">
+                  <a:latin typeface="Consolas" panose="020B0609020204030204" pitchFamily="49" charset="0"/>
+                  <a:cs typeface="Consolas" panose="020B0609020204030204" pitchFamily="49" charset="0"/>
+                </a:rPr>
+                <a:t> </a:t>
+              </a:r>
+              <a:r>
+                <a:rPr lang="en-US" sz="1398" dirty="0">
+                  <a:solidFill>
+                    <a:schemeClr val="accent6">
+                      <a:lumMod val="75000"/>
+                    </a:schemeClr>
+                  </a:solidFill>
+                  <a:latin typeface="Consolas" panose="020B0609020204030204" pitchFamily="49" charset="0"/>
+                  <a:ea typeface="Menlo" panose="020B0609030804020204" pitchFamily="49" charset="0"/>
+                  <a:cs typeface="Consolas" panose="020B0609020204030204" pitchFamily="49" charset="0"/>
+                </a:rPr>
+                <a:t>// found the start of the key </a:t>
+              </a:r>
+              <a:endParaRPr lang="en-US" altLang="zh-CN" sz="1398" dirty="0">
+                <a:latin typeface="Consolas" panose="020B0609020204030204" pitchFamily="49" charset="0"/>
+                <a:ea typeface="Menlo" panose="020B0609030804020204" pitchFamily="49" charset="0"/>
+                <a:cs typeface="Consolas" panose="020B0609020204030204" pitchFamily="49" charset="0"/>
+              </a:endParaRPr>
+            </a:p>
+            <a:p>
+              <a:r>
+                <a:rPr lang="en-US" altLang="zh-CN" sz="1002" dirty="0">
+                  <a:latin typeface="Consolas" panose="020B0609020204030204" pitchFamily="49" charset="0"/>
+                  <a:ea typeface="Menlo" panose="020B0609030804020204" pitchFamily="49" charset="0"/>
+                  <a:cs typeface="Consolas" panose="020B0609020204030204" pitchFamily="49" charset="0"/>
+                </a:rPr>
+                <a:t>18 </a:t>
+              </a:r>
+              <a:r>
+                <a:rPr lang="en-US" altLang="zh-CN" sz="1398" dirty="0">
+                  <a:latin typeface="Consolas" panose="020B0609020204030204" pitchFamily="49" charset="0"/>
+                  <a:ea typeface="Menlo" panose="020B0609030804020204" pitchFamily="49" charset="0"/>
+                  <a:cs typeface="Consolas" panose="020B0609020204030204" pitchFamily="49" charset="0"/>
+                </a:rPr>
+                <a:t>     </a:t>
+              </a:r>
+              <a:r>
+                <a:rPr lang="en-US" altLang="zh-CN" sz="1398" dirty="0" err="1">
+                  <a:latin typeface="Consolas" panose="020B0609020204030204" pitchFamily="49" charset="0"/>
+                  <a:ea typeface="Menlo" panose="020B0609030804020204" pitchFamily="49" charset="0"/>
+                  <a:cs typeface="Consolas" panose="020B0609020204030204" pitchFamily="49" charset="0"/>
+                </a:rPr>
+                <a:t>key_found</a:t>
+              </a:r>
+              <a:r>
+                <a:rPr lang="en-US" altLang="zh-CN" sz="1398" dirty="0">
+                  <a:latin typeface="Consolas" panose="020B0609020204030204" pitchFamily="49" charset="0"/>
+                  <a:ea typeface="Menlo" panose="020B0609030804020204" pitchFamily="49" charset="0"/>
+                  <a:cs typeface="Consolas" panose="020B0609020204030204" pitchFamily="49" charset="0"/>
+                </a:rPr>
+                <a:t> = 1;</a:t>
+              </a:r>
+            </a:p>
+            <a:p>
+              <a:r>
+                <a:rPr lang="en-US" altLang="zh-CN" sz="1002" dirty="0">
+                  <a:latin typeface="Consolas" panose="020B0609020204030204" pitchFamily="49" charset="0"/>
+                  <a:ea typeface="Menlo" panose="020B0609030804020204" pitchFamily="49" charset="0"/>
+                  <a:cs typeface="Consolas" panose="020B0609020204030204" pitchFamily="49" charset="0"/>
+                </a:rPr>
+                <a:t>19</a:t>
+              </a:r>
+              <a:r>
+                <a:rPr lang="en-US" altLang="zh-CN" sz="1398" dirty="0">
+                  <a:latin typeface="Consolas" panose="020B0609020204030204" pitchFamily="49" charset="0"/>
+                  <a:ea typeface="Menlo" panose="020B0609030804020204" pitchFamily="49" charset="0"/>
+                  <a:cs typeface="Consolas" panose="020B0609020204030204" pitchFamily="49" charset="0"/>
+                </a:rPr>
+                <a:t>    }</a:t>
+              </a:r>
+            </a:p>
+            <a:p>
+              <a:r>
+                <a:rPr lang="en-US" altLang="zh-CN" sz="1002" dirty="0">
+                  <a:latin typeface="Consolas" panose="020B0609020204030204" pitchFamily="49" charset="0"/>
+                  <a:ea typeface="Menlo" panose="020B0609030804020204" pitchFamily="49" charset="0"/>
+                  <a:cs typeface="Consolas" panose="020B0609020204030204" pitchFamily="49" charset="0"/>
+                </a:rPr>
+                <a:t>20 </a:t>
+              </a:r>
+              <a:r>
+                <a:rPr lang="en-US" altLang="zh-CN" sz="1398" dirty="0">
+                  <a:latin typeface="Consolas" panose="020B0609020204030204" pitchFamily="49" charset="0"/>
+                  <a:ea typeface="Menlo" panose="020B0609030804020204" pitchFamily="49" charset="0"/>
+                  <a:cs typeface="Consolas" panose="020B0609020204030204" pitchFamily="49" charset="0"/>
+                </a:rPr>
+                <a:t> } </a:t>
+              </a:r>
+              <a:r>
+                <a:rPr lang="en-US" altLang="zh-CN" sz="1398" dirty="0">
+                  <a:solidFill>
+                    <a:srgbClr val="005DF6"/>
+                  </a:solidFill>
+                  <a:latin typeface="Consolas" panose="020B0609020204030204" pitchFamily="49" charset="0"/>
+                  <a:ea typeface="Menlo" panose="020B0609030804020204" pitchFamily="49" charset="0"/>
+                  <a:cs typeface="Consolas" panose="020B0609020204030204" pitchFamily="49" charset="0"/>
+                </a:rPr>
+                <a:t>else if </a:t>
+              </a:r>
+              <a:r>
+                <a:rPr lang="en-US" altLang="zh-CN" sz="1398" dirty="0">
+                  <a:latin typeface="Consolas" panose="020B0609020204030204" pitchFamily="49" charset="0"/>
+                  <a:ea typeface="Menlo" panose="020B0609030804020204" pitchFamily="49" charset="0"/>
+                  <a:cs typeface="Consolas" panose="020B0609020204030204" pitchFamily="49" charset="0"/>
+                </a:rPr>
+                <a:t>(</a:t>
+              </a:r>
+              <a:r>
+                <a:rPr lang="en-US" altLang="zh-CN" sz="1398" dirty="0" err="1">
+                  <a:latin typeface="Consolas" panose="020B0609020204030204" pitchFamily="49" charset="0"/>
+                  <a:ea typeface="Menlo" panose="020B0609030804020204" pitchFamily="49" charset="0"/>
+                  <a:cs typeface="Consolas" panose="020B0609020204030204" pitchFamily="49" charset="0"/>
+                </a:rPr>
+                <a:t>key_found</a:t>
+              </a:r>
+              <a:r>
+                <a:rPr lang="en-US" altLang="zh-CN" sz="1398" dirty="0">
+                  <a:latin typeface="Consolas" panose="020B0609020204030204" pitchFamily="49" charset="0"/>
+                  <a:ea typeface="Menlo" panose="020B0609030804020204" pitchFamily="49" charset="0"/>
+                  <a:cs typeface="Consolas" panose="020B0609020204030204" pitchFamily="49" charset="0"/>
+                </a:rPr>
+                <a:t> == 1) {</a:t>
+              </a:r>
+            </a:p>
+            <a:p>
+              <a:r>
+                <a:rPr lang="en-US" altLang="zh-CN" sz="1002" dirty="0">
+                  <a:latin typeface="Consolas" panose="020B0609020204030204" pitchFamily="49" charset="0"/>
+                  <a:ea typeface="Menlo" panose="020B0609030804020204" pitchFamily="49" charset="0"/>
+                  <a:cs typeface="Consolas" panose="020B0609020204030204" pitchFamily="49" charset="0"/>
+                </a:rPr>
+                <a:t>21 </a:t>
+              </a:r>
+              <a:r>
+                <a:rPr lang="en-US" altLang="zh-CN" sz="1398" dirty="0">
+                  <a:latin typeface="Consolas" panose="020B0609020204030204" pitchFamily="49" charset="0"/>
+                  <a:ea typeface="Menlo" panose="020B0609030804020204" pitchFamily="49" charset="0"/>
+                  <a:cs typeface="Consolas" panose="020B0609020204030204" pitchFamily="49" charset="0"/>
+                </a:rPr>
+                <a:t>   </a:t>
+              </a:r>
+              <a:r>
+                <a:rPr lang="en-US" altLang="zh-CN" sz="1398" dirty="0">
+                  <a:solidFill>
+                    <a:srgbClr val="005DF6"/>
+                  </a:solidFill>
+                  <a:latin typeface="Consolas" panose="020B0609020204030204" pitchFamily="49" charset="0"/>
+                  <a:ea typeface="Menlo" panose="020B0609030804020204" pitchFamily="49" charset="0"/>
+                  <a:cs typeface="Consolas" panose="020B0609020204030204" pitchFamily="49" charset="0"/>
+                </a:rPr>
+                <a:t>if</a:t>
+              </a:r>
+              <a:r>
+                <a:rPr lang="en-US" altLang="zh-CN" sz="1398" dirty="0">
+                  <a:latin typeface="Consolas" panose="020B0609020204030204" pitchFamily="49" charset="0"/>
+                  <a:ea typeface="Menlo" panose="020B0609030804020204" pitchFamily="49" charset="0"/>
+                  <a:cs typeface="Consolas" panose="020B0609020204030204" pitchFamily="49" charset="0"/>
+                </a:rPr>
+                <a:t> (payload[off] == </a:t>
+              </a:r>
+              <a:r>
+                <a:rPr lang="en-US" altLang="zh-CN" sz="1398" dirty="0">
+                  <a:solidFill>
+                    <a:srgbClr val="005DF6"/>
+                  </a:solidFill>
+                  <a:latin typeface="Consolas" panose="020B0609020204030204" pitchFamily="49" charset="0"/>
+                  <a:ea typeface="Menlo" panose="020B0609030804020204" pitchFamily="49" charset="0"/>
+                  <a:cs typeface="Consolas" panose="020B0609020204030204" pitchFamily="49" charset="0"/>
+                </a:rPr>
+                <a:t>' '</a:t>
+              </a:r>
+              <a:r>
+                <a:rPr lang="en-US" altLang="zh-CN" sz="1398" dirty="0">
+                  <a:latin typeface="Consolas" panose="020B0609020204030204" pitchFamily="49" charset="0"/>
+                  <a:ea typeface="Menlo" panose="020B0609030804020204" pitchFamily="49" charset="0"/>
+                  <a:cs typeface="Consolas" panose="020B0609020204030204" pitchFamily="49" charset="0"/>
+                </a:rPr>
+                <a:t>) {</a:t>
+              </a:r>
+            </a:p>
+            <a:p>
+              <a:r>
+                <a:rPr lang="en-US" altLang="zh-CN" sz="1002" dirty="0">
+                  <a:latin typeface="Consolas" panose="020B0609020204030204" pitchFamily="49" charset="0"/>
+                  <a:ea typeface="Menlo" panose="020B0609030804020204" pitchFamily="49" charset="0"/>
+                  <a:cs typeface="Consolas" panose="020B0609020204030204" pitchFamily="49" charset="0"/>
+                </a:rPr>
+                <a:t>22 </a:t>
+              </a:r>
+              <a:r>
+                <a:rPr lang="en-US" altLang="zh-CN" sz="1398" dirty="0">
+                  <a:latin typeface="Consolas" panose="020B0609020204030204" pitchFamily="49" charset="0"/>
+                  <a:ea typeface="Menlo" panose="020B0609030804020204" pitchFamily="49" charset="0"/>
+                  <a:cs typeface="Consolas" panose="020B0609020204030204" pitchFamily="49" charset="0"/>
+                </a:rPr>
+                <a:t>     ...</a:t>
+              </a:r>
+              <a:r>
+                <a:rPr lang="zh-CN" altLang="en-US" sz="1398" dirty="0">
+                  <a:latin typeface="Consolas" panose="020B0609020204030204" pitchFamily="49" charset="0"/>
+                  <a:cs typeface="Consolas" panose="020B0609020204030204" pitchFamily="49" charset="0"/>
+                </a:rPr>
+                <a:t> </a:t>
+              </a:r>
+              <a:r>
+                <a:rPr lang="en-US" sz="1398" dirty="0">
+                  <a:solidFill>
+                    <a:schemeClr val="accent6">
+                      <a:lumMod val="75000"/>
+                    </a:schemeClr>
+                  </a:solidFill>
+                  <a:latin typeface="Consolas" panose="020B0609020204030204" pitchFamily="49" charset="0"/>
+                  <a:ea typeface="Menlo" panose="020B0609030804020204" pitchFamily="49" charset="0"/>
+                  <a:cs typeface="Consolas" panose="020B0609020204030204" pitchFamily="49" charset="0"/>
+                </a:rPr>
+                <a:t>// found the end of the key</a:t>
+              </a:r>
+              <a:endParaRPr lang="en-US" altLang="zh-CN" sz="1398" dirty="0">
+                <a:latin typeface="Consolas" panose="020B0609020204030204" pitchFamily="49" charset="0"/>
+                <a:ea typeface="Menlo" panose="020B0609030804020204" pitchFamily="49" charset="0"/>
+                <a:cs typeface="Consolas" panose="020B0609020204030204" pitchFamily="49" charset="0"/>
+              </a:endParaRPr>
+            </a:p>
+            <a:p>
+              <a:r>
+                <a:rPr lang="en-US" altLang="zh-CN" sz="1002" dirty="0">
+                  <a:latin typeface="Consolas" panose="020B0609020204030204" pitchFamily="49" charset="0"/>
+                  <a:ea typeface="Menlo" panose="020B0609030804020204" pitchFamily="49" charset="0"/>
+                  <a:cs typeface="Consolas" panose="020B0609020204030204" pitchFamily="49" charset="0"/>
+                </a:rPr>
+                <a:t>23 </a:t>
+              </a:r>
+              <a:r>
+                <a:rPr lang="en-US" altLang="zh-CN" sz="1398" dirty="0">
+                  <a:latin typeface="Consolas" panose="020B0609020204030204" pitchFamily="49" charset="0"/>
+                  <a:ea typeface="Menlo" panose="020B0609030804020204" pitchFamily="49" charset="0"/>
+                  <a:cs typeface="Consolas" panose="020B0609020204030204" pitchFamily="49" charset="0"/>
+                </a:rPr>
+                <a:t>     </a:t>
+              </a:r>
+              <a:r>
+                <a:rPr lang="en-US" altLang="zh-CN" sz="1398" dirty="0" err="1">
+                  <a:latin typeface="Consolas" panose="020B0609020204030204" pitchFamily="49" charset="0"/>
+                  <a:ea typeface="Menlo" panose="020B0609030804020204" pitchFamily="49" charset="0"/>
+                  <a:cs typeface="Consolas" panose="020B0609020204030204" pitchFamily="49" charset="0"/>
+                </a:rPr>
+                <a:t>set_found</a:t>
+              </a:r>
+              <a:r>
+                <a:rPr lang="en-US" altLang="zh-CN" sz="1398" dirty="0">
+                  <a:latin typeface="Consolas" panose="020B0609020204030204" pitchFamily="49" charset="0"/>
+                  <a:ea typeface="Menlo" panose="020B0609030804020204" pitchFamily="49" charset="0"/>
+                  <a:cs typeface="Consolas" panose="020B0609020204030204" pitchFamily="49" charset="0"/>
+                </a:rPr>
+                <a:t> = 0; </a:t>
+              </a:r>
+              <a:r>
+                <a:rPr lang="en-US" altLang="zh-CN" sz="1398" dirty="0" err="1">
+                  <a:latin typeface="Consolas" panose="020B0609020204030204" pitchFamily="49" charset="0"/>
+                  <a:ea typeface="Menlo" panose="020B0609030804020204" pitchFamily="49" charset="0"/>
+                  <a:cs typeface="Consolas" panose="020B0609020204030204" pitchFamily="49" charset="0"/>
+                </a:rPr>
+                <a:t>key_found</a:t>
+              </a:r>
+              <a:r>
+                <a:rPr lang="en-US" altLang="zh-CN" sz="1398" dirty="0">
+                  <a:latin typeface="Consolas" panose="020B0609020204030204" pitchFamily="49" charset="0"/>
+                  <a:ea typeface="Menlo" panose="020B0609030804020204" pitchFamily="49" charset="0"/>
+                  <a:cs typeface="Consolas" panose="020B0609020204030204" pitchFamily="49" charset="0"/>
+                </a:rPr>
+                <a:t> = 0;</a:t>
+              </a:r>
+            </a:p>
+            <a:p>
+              <a:r>
+                <a:rPr lang="en-US" altLang="zh-CN" sz="1002" dirty="0">
+                  <a:latin typeface="Consolas" panose="020B0609020204030204" pitchFamily="49" charset="0"/>
+                  <a:ea typeface="Menlo" panose="020B0609030804020204" pitchFamily="49" charset="0"/>
+                  <a:cs typeface="Consolas" panose="020B0609020204030204" pitchFamily="49" charset="0"/>
+                </a:rPr>
+                <a:t>25 </a:t>
+              </a:r>
+              <a:r>
+                <a:rPr lang="en-US" altLang="zh-CN" sz="1398" dirty="0">
+                  <a:latin typeface="Consolas" panose="020B0609020204030204" pitchFamily="49" charset="0"/>
+                  <a:ea typeface="Menlo" panose="020B0609030804020204" pitchFamily="49" charset="0"/>
+                  <a:cs typeface="Consolas" panose="020B0609020204030204" pitchFamily="49" charset="0"/>
+                </a:rPr>
+                <a:t>   } </a:t>
+              </a:r>
+              <a:r>
+                <a:rPr lang="en-US" altLang="zh-CN" sz="1398" dirty="0">
+                  <a:solidFill>
+                    <a:srgbClr val="005DF6"/>
+                  </a:solidFill>
+                  <a:latin typeface="Consolas" panose="020B0609020204030204" pitchFamily="49" charset="0"/>
+                  <a:ea typeface="Menlo" panose="020B0609030804020204" pitchFamily="49" charset="0"/>
+                  <a:cs typeface="Consolas" panose="020B0609020204030204" pitchFamily="49" charset="0"/>
+                </a:rPr>
+                <a:t>else</a:t>
+              </a:r>
+              <a:r>
+                <a:rPr lang="en-US" altLang="zh-CN" sz="1398" dirty="0">
+                  <a:latin typeface="Consolas" panose="020B0609020204030204" pitchFamily="49" charset="0"/>
+                  <a:ea typeface="Menlo" panose="020B0609030804020204" pitchFamily="49" charset="0"/>
+                  <a:cs typeface="Consolas" panose="020B0609020204030204" pitchFamily="49" charset="0"/>
+                </a:rPr>
+                <a:t> {</a:t>
+              </a:r>
+            </a:p>
+            <a:p>
+              <a:r>
+                <a:rPr lang="en-US" altLang="zh-CN" sz="1002" dirty="0">
+                  <a:latin typeface="Consolas" panose="020B0609020204030204" pitchFamily="49" charset="0"/>
+                  <a:ea typeface="Menlo" panose="020B0609030804020204" pitchFamily="49" charset="0"/>
+                  <a:cs typeface="Consolas" panose="020B0609020204030204" pitchFamily="49" charset="0"/>
+                </a:rPr>
+                <a:t>26 </a:t>
+              </a:r>
+              <a:r>
+                <a:rPr lang="en-US" altLang="zh-CN" sz="1398" dirty="0">
+                  <a:latin typeface="Consolas" panose="020B0609020204030204" pitchFamily="49" charset="0"/>
+                  <a:ea typeface="Menlo" panose="020B0609030804020204" pitchFamily="49" charset="0"/>
+                  <a:cs typeface="Consolas" panose="020B0609020204030204" pitchFamily="49" charset="0"/>
+                </a:rPr>
+                <a:t>     </a:t>
+              </a:r>
+              <a:r>
+                <a:rPr lang="en-US" altLang="zh-CN" sz="1398" dirty="0">
+                  <a:solidFill>
+                    <a:srgbClr val="005DF6"/>
+                  </a:solidFill>
+                  <a:latin typeface="Consolas" panose="020B0609020204030204" pitchFamily="49" charset="0"/>
+                  <a:ea typeface="Menlo" panose="020B0609030804020204" pitchFamily="49" charset="0"/>
+                  <a:cs typeface="Consolas" panose="020B0609020204030204" pitchFamily="49" charset="0"/>
+                </a:rPr>
+                <a:t>if </a:t>
+              </a:r>
+              <a:r>
+                <a:rPr lang="en-US" altLang="zh-CN" sz="1398" dirty="0">
+                  <a:latin typeface="Consolas" panose="020B0609020204030204" pitchFamily="49" charset="0"/>
+                  <a:ea typeface="Menlo" panose="020B0609030804020204" pitchFamily="49" charset="0"/>
+                  <a:cs typeface="Consolas" panose="020B0609020204030204" pitchFamily="49" charset="0"/>
+                </a:rPr>
+                <a:t>(...) {...}</a:t>
+              </a:r>
+              <a:r>
+                <a:rPr lang="zh-CN" altLang="en-US" sz="1398" dirty="0">
+                  <a:latin typeface="Consolas" panose="020B0609020204030204" pitchFamily="49" charset="0"/>
+                  <a:cs typeface="Consolas" panose="020B0609020204030204" pitchFamily="49" charset="0"/>
+                </a:rPr>
+                <a:t> </a:t>
+              </a:r>
+              <a:r>
+                <a:rPr lang="en-US" sz="1398" dirty="0">
+                  <a:solidFill>
+                    <a:schemeClr val="accent6">
+                      <a:lumMod val="75000"/>
+                    </a:schemeClr>
+                  </a:solidFill>
+                  <a:latin typeface="Consolas" panose="020B0609020204030204" pitchFamily="49" charset="0"/>
+                  <a:ea typeface="Menlo" panose="020B0609030804020204" pitchFamily="49" charset="0"/>
+                  <a:cs typeface="Consolas" panose="020B0609020204030204" pitchFamily="49" charset="0"/>
+                </a:rPr>
+                <a:t>// process the key with hash </a:t>
+              </a:r>
+              <a:r>
+                <a:rPr lang="en-US" sz="1398" dirty="0" err="1">
+                  <a:solidFill>
+                    <a:schemeClr val="accent6">
+                      <a:lumMod val="75000"/>
+                    </a:schemeClr>
+                  </a:solidFill>
+                  <a:latin typeface="Consolas" panose="020B0609020204030204" pitchFamily="49" charset="0"/>
+                  <a:ea typeface="Menlo" panose="020B0609030804020204" pitchFamily="49" charset="0"/>
+                  <a:cs typeface="Consolas" panose="020B0609020204030204" pitchFamily="49" charset="0"/>
+                </a:rPr>
+                <a:t>func</a:t>
+              </a:r>
+              <a:endParaRPr lang="en-US" altLang="zh-CN" sz="1398" dirty="0">
+                <a:latin typeface="Consolas" panose="020B0609020204030204" pitchFamily="49" charset="0"/>
+                <a:ea typeface="Menlo" panose="020B0609030804020204" pitchFamily="49" charset="0"/>
+                <a:cs typeface="Consolas" panose="020B0609020204030204" pitchFamily="49" charset="0"/>
+              </a:endParaRPr>
+            </a:p>
+            <a:p>
+              <a:r>
+                <a:rPr lang="en-US" altLang="zh-CN" sz="1002" dirty="0">
+                  <a:latin typeface="Consolas" panose="020B0609020204030204" pitchFamily="49" charset="0"/>
+                  <a:ea typeface="Menlo" panose="020B0609030804020204" pitchFamily="49" charset="0"/>
+                  <a:cs typeface="Consolas" panose="020B0609020204030204" pitchFamily="49" charset="0"/>
+                </a:rPr>
+                <a:t>27 </a:t>
+              </a:r>
+              <a:r>
+                <a:rPr lang="en-US" altLang="zh-CN" sz="1398" dirty="0">
+                  <a:latin typeface="Consolas" panose="020B0609020204030204" pitchFamily="49" charset="0"/>
+                  <a:ea typeface="Menlo" panose="020B0609030804020204" pitchFamily="49" charset="0"/>
+                  <a:cs typeface="Consolas" panose="020B0609020204030204" pitchFamily="49" charset="0"/>
+                </a:rPr>
+                <a:t>   }     </a:t>
+              </a:r>
+              <a:r>
+                <a:rPr lang="en-US" sz="1398" dirty="0">
+                  <a:solidFill>
+                    <a:schemeClr val="accent6">
+                      <a:lumMod val="75000"/>
+                    </a:schemeClr>
+                  </a:solidFill>
+                  <a:latin typeface="Consolas" panose="020B0609020204030204" pitchFamily="49" charset="0"/>
+                  <a:ea typeface="Menlo" panose="020B0609030804020204" pitchFamily="49" charset="0"/>
+                  <a:cs typeface="Consolas" panose="020B0609020204030204" pitchFamily="49" charset="0"/>
+                </a:rPr>
+                <a:t>// invalidate Memcached cache entry</a:t>
+              </a:r>
+              <a:endParaRPr lang="en-US" altLang="zh-CN" sz="1398" dirty="0">
+                <a:latin typeface="Consolas" panose="020B0609020204030204" pitchFamily="49" charset="0"/>
+                <a:ea typeface="Menlo" panose="020B0609030804020204" pitchFamily="49" charset="0"/>
+                <a:cs typeface="Consolas" panose="020B0609020204030204" pitchFamily="49" charset="0"/>
+              </a:endParaRPr>
+            </a:p>
+            <a:p>
+              <a:r>
+                <a:rPr lang="en-US" altLang="zh-CN" sz="1002" dirty="0">
+                  <a:latin typeface="Consolas" panose="020B0609020204030204" pitchFamily="49" charset="0"/>
+                  <a:ea typeface="Menlo" panose="020B0609030804020204" pitchFamily="49" charset="0"/>
+                  <a:cs typeface="Consolas" panose="020B0609020204030204" pitchFamily="49" charset="0"/>
+                </a:rPr>
+                <a:t>28 </a:t>
+              </a:r>
+              <a:r>
+                <a:rPr lang="en-US" altLang="zh-CN" sz="1398" dirty="0">
+                  <a:latin typeface="Consolas" panose="020B0609020204030204" pitchFamily="49" charset="0"/>
+                  <a:ea typeface="Menlo" panose="020B0609030804020204" pitchFamily="49" charset="0"/>
+                  <a:cs typeface="Consolas" panose="020B0609020204030204" pitchFamily="49" charset="0"/>
+                </a:rPr>
+                <a:t> }       </a:t>
+              </a:r>
+              <a:r>
+                <a:rPr lang="en-US" sz="1398" dirty="0">
+                  <a:solidFill>
+                    <a:schemeClr val="accent6">
+                      <a:lumMod val="75000"/>
+                    </a:schemeClr>
+                  </a:solidFill>
+                  <a:latin typeface="Consolas" panose="020B0609020204030204" pitchFamily="49" charset="0"/>
+                  <a:ea typeface="Menlo" panose="020B0609030804020204" pitchFamily="49" charset="0"/>
+                  <a:cs typeface="Consolas" panose="020B0609020204030204" pitchFamily="49" charset="0"/>
+                </a:rPr>
+                <a:t>// if the hash matches</a:t>
+              </a:r>
+              <a:endParaRPr lang="en-US" altLang="zh-CN" sz="1398" dirty="0">
+                <a:latin typeface="Consolas" panose="020B0609020204030204" pitchFamily="49" charset="0"/>
+                <a:ea typeface="Menlo" panose="020B0609030804020204" pitchFamily="49" charset="0"/>
+                <a:cs typeface="Consolas" panose="020B0609020204030204" pitchFamily="49" charset="0"/>
+              </a:endParaRPr>
+            </a:p>
+            <a:p>
+              <a:r>
+                <a:rPr lang="en-US" altLang="zh-CN" sz="1002" dirty="0">
+                  <a:latin typeface="Consolas" panose="020B0609020204030204" pitchFamily="49" charset="0"/>
+                  <a:ea typeface="Menlo" panose="020B0609030804020204" pitchFamily="49" charset="0"/>
+                  <a:cs typeface="Consolas" panose="020B0609020204030204" pitchFamily="49" charset="0"/>
+                </a:rPr>
+                <a:t>29</a:t>
+              </a:r>
+              <a:r>
+                <a:rPr lang="en-US" altLang="zh-CN" sz="1398" dirty="0">
+                  <a:latin typeface="Consolas" panose="020B0609020204030204" pitchFamily="49" charset="0"/>
+                  <a:ea typeface="Menlo" panose="020B0609030804020204" pitchFamily="49" charset="0"/>
+                  <a:cs typeface="Consolas" panose="020B0609020204030204" pitchFamily="49" charset="0"/>
+                </a:rPr>
+                <a:t>}</a:t>
+              </a:r>
+            </a:p>
+          </p:txBody>
+        </p:sp>
+        <p:pic>
+          <p:nvPicPr>
+            <p:cNvPr id="40" name="Graphic 39" descr="Badge 3 with solid fill">
+              <a:extLst>
+                <a:ext uri="{FF2B5EF4-FFF2-40B4-BE49-F238E27FC236}">
+                  <a16:creationId xmlns:a16="http://schemas.microsoft.com/office/drawing/2014/main" id="{D118D1CA-8F64-2FE3-1426-D9269F196FE6}"/>
+                </a:ext>
+              </a:extLst>
+            </p:cNvPr>
+            <p:cNvPicPr>
+              <a:picLocks noChangeAspect="1"/>
+            </p:cNvPicPr>
+            <p:nvPr/>
+          </p:nvPicPr>
+          <p:blipFill>
+            <a:blip r:embed="rId9">
+              <a:extLst>
+                <a:ext uri="{96DAC541-7B7A-43D3-8B79-37D633B846F1}">
+                  <asvg:svgBlip xmlns:asvg="http://schemas.microsoft.com/office/drawing/2016/SVG/main" r:embed="rId10"/>
+                </a:ext>
+              </a:extLst>
+            </a:blip>
+            <a:stretch>
+              <a:fillRect/>
+            </a:stretch>
+          </p:blipFill>
+          <p:spPr>
+            <a:xfrm>
+              <a:off x="12916586" y="3802063"/>
+              <a:ext cx="320040" cy="320040"/>
+            </a:xfrm>
+            <a:prstGeom prst="rect">
+              <a:avLst/>
+            </a:prstGeom>
+          </p:spPr>
+        </p:pic>
+        <p:pic>
+          <p:nvPicPr>
+            <p:cNvPr id="41" name="Graphic 40" descr="Badge 1 with solid fill">
+              <a:extLst>
+                <a:ext uri="{FF2B5EF4-FFF2-40B4-BE49-F238E27FC236}">
+                  <a16:creationId xmlns:a16="http://schemas.microsoft.com/office/drawing/2014/main" id="{F90537E2-6A56-197A-D21E-295C1735038A}"/>
+                </a:ext>
+              </a:extLst>
+            </p:cNvPr>
+            <p:cNvPicPr>
+              <a:picLocks noChangeAspect="1"/>
+            </p:cNvPicPr>
+            <p:nvPr/>
+          </p:nvPicPr>
+          <p:blipFill>
+            <a:blip r:embed="rId3">
+              <a:extLst>
+                <a:ext uri="{96DAC541-7B7A-43D3-8B79-37D633B846F1}">
+                  <asvg:svgBlip xmlns:asvg="http://schemas.microsoft.com/office/drawing/2016/SVG/main" r:embed="rId4"/>
+                </a:ext>
+              </a:extLst>
+            </a:blip>
+            <a:stretch>
+              <a:fillRect/>
+            </a:stretch>
+          </p:blipFill>
+          <p:spPr>
+            <a:xfrm>
+              <a:off x="12916586" y="321707"/>
+              <a:ext cx="320040" cy="320040"/>
+            </a:xfrm>
+            <a:prstGeom prst="rect">
+              <a:avLst/>
+            </a:prstGeom>
+          </p:spPr>
+        </p:pic>
+        <p:pic>
+          <p:nvPicPr>
+            <p:cNvPr id="42" name="Graphic 41" descr="Badge with solid fill">
+              <a:extLst>
+                <a:ext uri="{FF2B5EF4-FFF2-40B4-BE49-F238E27FC236}">
+                  <a16:creationId xmlns:a16="http://schemas.microsoft.com/office/drawing/2014/main" id="{39FF922C-3ED5-AF50-EC38-4A7615913ABE}"/>
+                </a:ext>
+              </a:extLst>
+            </p:cNvPr>
+            <p:cNvPicPr>
+              <a:picLocks noChangeAspect="1"/>
+            </p:cNvPicPr>
+            <p:nvPr/>
+          </p:nvPicPr>
+          <p:blipFill>
+            <a:blip r:embed="rId5">
+              <a:extLst>
+                <a:ext uri="{96DAC541-7B7A-43D3-8B79-37D633B846F1}">
+                  <asvg:svgBlip xmlns:asvg="http://schemas.microsoft.com/office/drawing/2016/SVG/main" r:embed="rId6"/>
+                </a:ext>
+              </a:extLst>
+            </a:blip>
+            <a:stretch>
+              <a:fillRect/>
+            </a:stretch>
+          </p:blipFill>
+          <p:spPr>
+            <a:xfrm>
+              <a:off x="12916586" y="2082870"/>
+              <a:ext cx="320040" cy="320040"/>
+            </a:xfrm>
+            <a:prstGeom prst="rect">
+              <a:avLst/>
+            </a:prstGeom>
+          </p:spPr>
+        </p:pic>
+        <p:pic>
+          <p:nvPicPr>
+            <p:cNvPr id="43" name="Graphic 42" descr="Badge 4 with solid fill">
+              <a:extLst>
+                <a:ext uri="{FF2B5EF4-FFF2-40B4-BE49-F238E27FC236}">
+                  <a16:creationId xmlns:a16="http://schemas.microsoft.com/office/drawing/2014/main" id="{DBAA8517-8168-1A63-D726-F153FB035AD5}"/>
+                </a:ext>
+              </a:extLst>
+            </p:cNvPr>
+            <p:cNvPicPr>
+              <a:picLocks noChangeAspect="1"/>
+            </p:cNvPicPr>
+            <p:nvPr/>
+          </p:nvPicPr>
+          <p:blipFill>
+            <a:blip r:embed="rId7">
+              <a:extLst>
+                <a:ext uri="{96DAC541-7B7A-43D3-8B79-37D633B846F1}">
+                  <asvg:svgBlip xmlns:asvg="http://schemas.microsoft.com/office/drawing/2016/SVG/main" r:embed="rId8"/>
+                </a:ext>
+              </a:extLst>
+            </a:blip>
+            <a:stretch>
+              <a:fillRect/>
+            </a:stretch>
+          </p:blipFill>
+          <p:spPr>
+            <a:xfrm>
+              <a:off x="12917179" y="5090745"/>
+              <a:ext cx="319446" cy="319446"/>
+            </a:xfrm>
+            <a:prstGeom prst="rect">
+              <a:avLst/>
+            </a:prstGeom>
+          </p:spPr>
+        </p:pic>
+        <p:sp>
+          <p:nvSpPr>
+            <p:cNvPr id="53" name="TextBox 52">
+              <a:extLst>
+                <a:ext uri="{FF2B5EF4-FFF2-40B4-BE49-F238E27FC236}">
+                  <a16:creationId xmlns:a16="http://schemas.microsoft.com/office/drawing/2014/main" id="{72300C28-E3F2-B48B-4573-40E30E5E0009}"/>
+                </a:ext>
+              </a:extLst>
+            </p:cNvPr>
+            <p:cNvSpPr txBox="1"/>
+            <p:nvPr/>
+          </p:nvSpPr>
+          <p:spPr>
+            <a:xfrm>
+              <a:off x="-100240" y="3816908"/>
+              <a:ext cx="274434" cy="400110"/>
+            </a:xfrm>
+            <a:prstGeom prst="rect">
+              <a:avLst/>
+            </a:prstGeom>
+            <a:noFill/>
+          </p:spPr>
+          <p:txBody>
+            <a:bodyPr wrap="none" rtlCol="0">
+              <a:spAutoFit/>
+            </a:bodyPr>
+            <a:lstStyle/>
+            <a:p>
+              <a:r>
+                <a:rPr lang="en-US" sz="2000" dirty="0">
+                  <a:solidFill>
+                    <a:schemeClr val="tx1"/>
+                  </a:solidFill>
+                  <a:latin typeface="Times" pitchFamily="2" charset="0"/>
+                </a:rPr>
+                <a:t>•</a:t>
+              </a:r>
+              <a:endParaRPr lang="en-US" dirty="0"/>
+            </a:p>
+          </p:txBody>
+        </p:sp>
+        <p:sp>
+          <p:nvSpPr>
+            <p:cNvPr id="54" name="TextBox 53">
+              <a:extLst>
+                <a:ext uri="{FF2B5EF4-FFF2-40B4-BE49-F238E27FC236}">
+                  <a16:creationId xmlns:a16="http://schemas.microsoft.com/office/drawing/2014/main" id="{204D9C8F-44D2-6DE4-AB7D-1CCD1734D87A}"/>
+                </a:ext>
+              </a:extLst>
+            </p:cNvPr>
+            <p:cNvSpPr txBox="1"/>
+            <p:nvPr/>
+          </p:nvSpPr>
+          <p:spPr>
+            <a:xfrm>
+              <a:off x="-100240" y="4541804"/>
+              <a:ext cx="274434" cy="400110"/>
+            </a:xfrm>
+            <a:prstGeom prst="rect">
+              <a:avLst/>
+            </a:prstGeom>
+            <a:noFill/>
+          </p:spPr>
+          <p:txBody>
+            <a:bodyPr wrap="none" rtlCol="0">
+              <a:spAutoFit/>
+            </a:bodyPr>
+            <a:lstStyle/>
+            <a:p>
+              <a:r>
+                <a:rPr lang="en-US" sz="2000" dirty="0">
+                  <a:solidFill>
+                    <a:schemeClr val="tx1"/>
+                  </a:solidFill>
+                  <a:latin typeface="Times" pitchFamily="2" charset="0"/>
+                </a:rPr>
+                <a:t>•</a:t>
+              </a:r>
+              <a:endParaRPr lang="en-US" dirty="0"/>
+            </a:p>
+          </p:txBody>
+        </p:sp>
+        <p:sp>
+          <p:nvSpPr>
+            <p:cNvPr id="2" name="Rectangle 1">
+              <a:extLst>
+                <a:ext uri="{FF2B5EF4-FFF2-40B4-BE49-F238E27FC236}">
+                  <a16:creationId xmlns:a16="http://schemas.microsoft.com/office/drawing/2014/main" id="{BABE9B18-C6B3-2FEF-DEF4-A27663974603}"/>
+                </a:ext>
+              </a:extLst>
+            </p:cNvPr>
+            <p:cNvSpPr/>
+            <p:nvPr/>
+          </p:nvSpPr>
+          <p:spPr>
+            <a:xfrm>
+              <a:off x="11175" y="3802063"/>
+              <a:ext cx="7377082" cy="2065850"/>
+            </a:xfrm>
+            <a:prstGeom prst="rect">
+              <a:avLst/>
+            </a:prstGeom>
+            <a:noFill/>
+            <a:ln w="19050">
+              <a:noFill/>
+            </a:ln>
+          </p:spPr>
+          <p:style>
+            <a:lnRef idx="2">
+              <a:schemeClr val="accent1">
+                <a:shade val="50000"/>
+              </a:schemeClr>
+            </a:lnRef>
+            <a:fillRef idx="1">
+              <a:schemeClr val="accent1"/>
+            </a:fillRef>
+            <a:effectRef idx="0">
+              <a:schemeClr val="accent1"/>
+            </a:effectRef>
+            <a:fontRef idx="minor">
+              <a:schemeClr val="lt1"/>
+            </a:fontRef>
+          </p:style>
+          <p:txBody>
+            <a:bodyPr wrap="square" tIns="0" bIns="0" rtlCol="0" anchor="ctr" anchorCtr="1"/>
+            <a:lstStyle/>
+            <a:p>
+              <a:r>
+                <a:rPr lang="en-US" sz="1602" dirty="0">
+                  <a:solidFill>
+                    <a:schemeClr val="tx1"/>
+                  </a:solidFill>
+                  <a:latin typeface="Times" pitchFamily="2" charset="0"/>
+                </a:rPr>
+                <a:t>In the original implementation, BMC must write awkward code to bypass the verifier. Specifically, dedicated check conditions for BMC_MAX_PACKET_LENGTH (</a:t>
+              </a:r>
+              <a:r>
+                <a:rPr lang="en-US" sz="1602" b="1" dirty="0">
+                  <a:solidFill>
+                    <a:srgbClr val="156082"/>
+                  </a:solidFill>
+                  <a:latin typeface="Times" pitchFamily="2" charset="0"/>
+                </a:rPr>
+                <a:t>L2</a:t>
+              </a:r>
+              <a:r>
+                <a:rPr lang="en-US" sz="1602" dirty="0">
+                  <a:solidFill>
+                    <a:schemeClr val="tx1"/>
+                  </a:solidFill>
+                  <a:latin typeface="Times" pitchFamily="2" charset="0"/>
+                </a:rPr>
+                <a:t>   ) are aiming to minimize the number of jump instructions due to verifier's specific restrictions regarding these instructions. However, in the Rex, such checks have become redundant because the inherent feature of slice could help confine </a:t>
+              </a:r>
+              <a:r>
+                <a:rPr lang="en-US" sz="1602" dirty="0" err="1">
+                  <a:solidFill>
+                    <a:schemeClr val="tx1"/>
+                  </a:solidFill>
+                  <a:latin typeface="Times" pitchFamily="2" charset="0"/>
+                </a:rPr>
+                <a:t>data_end</a:t>
+              </a:r>
+              <a:r>
+                <a:rPr lang="en-US" sz="1602" dirty="0">
+                  <a:solidFill>
+                    <a:schemeClr val="tx1"/>
+                  </a:solidFill>
+                  <a:latin typeface="Times" pitchFamily="2" charset="0"/>
+                </a:rPr>
+                <a:t>(</a:t>
+              </a:r>
+              <a:r>
+                <a:rPr lang="en-US" sz="1602" b="1" dirty="0">
+                  <a:solidFill>
+                    <a:srgbClr val="156082"/>
+                  </a:solidFill>
+                  <a:latin typeface="Times" pitchFamily="2" charset="0"/>
+                </a:rPr>
+                <a:t>L4</a:t>
+              </a:r>
+              <a:r>
+                <a:rPr lang="en-US" sz="1602" dirty="0">
+                  <a:solidFill>
+                    <a:schemeClr val="tx1"/>
+                  </a:solidFill>
+                  <a:latin typeface="Times" pitchFamily="2" charset="0"/>
+                </a:rPr>
+                <a:t>  ).</a:t>
+              </a:r>
+            </a:p>
+            <a:p>
+              <a:r>
+                <a:rPr lang="en-US" sz="1602" dirty="0">
+                  <a:solidFill>
+                    <a:schemeClr val="tx1"/>
+                  </a:solidFill>
+                  <a:latin typeface="Times" pitchFamily="2" charset="0"/>
+                </a:rPr>
+                <a:t>Consequently, the four levels of nesting (</a:t>
+              </a:r>
+              <a:r>
+                <a:rPr lang="en-US" sz="1602" b="1" dirty="0">
+                  <a:solidFill>
+                    <a:srgbClr val="156082"/>
+                  </a:solidFill>
+                  <a:latin typeface="Times" pitchFamily="2" charset="0"/>
+                </a:rPr>
+                <a:t>L4,20,25,26</a:t>
+              </a:r>
+              <a:r>
+                <a:rPr lang="en-US" sz="1602" b="1" dirty="0">
+                  <a:solidFill>
+                    <a:schemeClr val="accent5">
+                      <a:lumMod val="50000"/>
+                    </a:schemeClr>
+                  </a:solidFill>
+                  <a:latin typeface="Times" pitchFamily="2" charset="0"/>
+                </a:rPr>
+                <a:t>   </a:t>
+              </a:r>
+              <a:r>
+                <a:rPr lang="en-US" sz="1602" dirty="0">
+                  <a:solidFill>
+                    <a:schemeClr val="tx1"/>
+                  </a:solidFill>
+                  <a:latin typeface="Times" pitchFamily="2" charset="0"/>
+                </a:rPr>
+                <a:t>) is reduced by converting a </a:t>
+              </a:r>
+              <a:r>
+                <a:rPr lang="en-US" sz="1398" dirty="0">
+                  <a:solidFill>
+                    <a:srgbClr val="005DF6"/>
+                  </a:solidFill>
+                  <a:latin typeface="Consolas" panose="020B0609020204030204" pitchFamily="49" charset="0"/>
+                  <a:cs typeface="Consolas" panose="020B0609020204030204" pitchFamily="49" charset="0"/>
+                </a:rPr>
+                <a:t>for-loop</a:t>
+              </a:r>
+              <a:r>
+                <a:rPr lang="en-US" sz="1602" dirty="0">
+                  <a:solidFill>
+                    <a:schemeClr val="tx1"/>
+                  </a:solidFill>
+                  <a:latin typeface="Times" pitchFamily="2" charset="0"/>
+                </a:rPr>
+                <a:t> (</a:t>
+              </a:r>
+              <a:r>
+                <a:rPr lang="en-US" sz="1602" b="1" dirty="0">
+                  <a:solidFill>
+                    <a:srgbClr val="156082"/>
+                  </a:solidFill>
+                  <a:latin typeface="Times" pitchFamily="2" charset="0"/>
+                </a:rPr>
+                <a:t>L2</a:t>
+              </a:r>
+              <a:r>
+                <a:rPr lang="en-US" sz="1602" b="1" dirty="0">
+                  <a:solidFill>
+                    <a:schemeClr val="accent5">
+                      <a:lumMod val="50000"/>
+                    </a:schemeClr>
+                  </a:solidFill>
+                  <a:latin typeface="Times" pitchFamily="2" charset="0"/>
+                </a:rPr>
+                <a:t>   </a:t>
+              </a:r>
+              <a:r>
+                <a:rPr lang="en-US" sz="1602" dirty="0">
+                  <a:solidFill>
+                    <a:schemeClr val="tx1"/>
+                  </a:solidFill>
+                  <a:latin typeface="Times" pitchFamily="2" charset="0"/>
+                </a:rPr>
+                <a:t>) with intricate conditions (</a:t>
+              </a:r>
+              <a:r>
+                <a:rPr lang="en-US" sz="1602" b="1" dirty="0">
+                  <a:solidFill>
+                    <a:srgbClr val="156082"/>
+                  </a:solidFill>
+                  <a:latin typeface="Times" pitchFamily="2" charset="0"/>
+                </a:rPr>
+                <a:t>L4</a:t>
+              </a:r>
+              <a:r>
+                <a:rPr lang="en-US" sz="1602" b="1" dirty="0">
+                  <a:solidFill>
+                    <a:schemeClr val="accent5">
+                      <a:lumMod val="50000"/>
+                    </a:schemeClr>
+                  </a:solidFill>
+                  <a:latin typeface="Times" pitchFamily="2" charset="0"/>
+                </a:rPr>
+                <a:t>   </a:t>
+              </a:r>
+              <a:r>
+                <a:rPr lang="en-US" sz="1602" dirty="0">
+                  <a:solidFill>
+                    <a:schemeClr val="tx1"/>
+                  </a:solidFill>
+                  <a:latin typeface="Times" pitchFamily="2" charset="0"/>
+                </a:rPr>
+                <a:t>) into a clean chain of higher-order functions with closures (</a:t>
+              </a:r>
+              <a:r>
+                <a:rPr lang="en-US" sz="1602" b="1" dirty="0">
+                  <a:solidFill>
+                    <a:schemeClr val="accent6">
+                      <a:lumMod val="50000"/>
+                    </a:schemeClr>
+                  </a:solidFill>
+                  <a:latin typeface="Times" pitchFamily="2" charset="0"/>
+                </a:rPr>
+                <a:t>L1, L9   </a:t>
+              </a:r>
+              <a:r>
+                <a:rPr lang="en-US" sz="1602" dirty="0">
+                  <a:solidFill>
+                    <a:schemeClr val="tx1"/>
+                  </a:solidFill>
+                  <a:latin typeface="Times" pitchFamily="2" charset="0"/>
+                </a:rPr>
+                <a:t>) .</a:t>
+              </a:r>
+            </a:p>
+          </p:txBody>
+        </p:sp>
+        <p:sp>
+          <p:nvSpPr>
+            <p:cNvPr id="3" name="Rectangle 2">
+              <a:extLst>
+                <a:ext uri="{FF2B5EF4-FFF2-40B4-BE49-F238E27FC236}">
+                  <a16:creationId xmlns:a16="http://schemas.microsoft.com/office/drawing/2014/main" id="{95B573DE-D735-C39C-7CC6-F151ADBF0520}"/>
+                </a:ext>
+              </a:extLst>
+            </p:cNvPr>
+            <p:cNvSpPr/>
+            <p:nvPr/>
+          </p:nvSpPr>
+          <p:spPr>
+            <a:xfrm>
+              <a:off x="2696734" y="5601975"/>
+              <a:ext cx="115614" cy="190140"/>
+            </a:xfrm>
+            <a:prstGeom prst="rect">
+              <a:avLst/>
+            </a:prstGeom>
+          </p:spPr>
+          <p:style>
+            <a:lnRef idx="2">
+              <a:schemeClr val="accent6">
+                <a:shade val="50000"/>
+              </a:schemeClr>
+            </a:lnRef>
+            <a:fillRef idx="1">
+              <a:schemeClr val="accent6"/>
+            </a:fillRef>
+            <a:effectRef idx="0">
+              <a:schemeClr val="accent6"/>
+            </a:effectRef>
+            <a:fontRef idx="minor">
+              <a:schemeClr val="lt1"/>
+            </a:fontRef>
+          </p:style>
+          <p:txBody>
+            <a:bodyPr rtlCol="0" anchor="ctr"/>
+            <a:lstStyle/>
+            <a:p>
+              <a:pPr algn="ctr"/>
+              <a:endParaRPr lang="en-US" sz="600"/>
+            </a:p>
+          </p:txBody>
+        </p:sp>
+        <p:sp>
+          <p:nvSpPr>
+            <p:cNvPr id="8" name="Rectangle 7">
+              <a:extLst>
+                <a:ext uri="{FF2B5EF4-FFF2-40B4-BE49-F238E27FC236}">
+                  <a16:creationId xmlns:a16="http://schemas.microsoft.com/office/drawing/2014/main" id="{3DE72D92-CE8C-26CD-276F-907CFB65AA96}"/>
+                </a:ext>
+              </a:extLst>
+            </p:cNvPr>
+            <p:cNvSpPr/>
+            <p:nvPr/>
+          </p:nvSpPr>
+          <p:spPr>
+            <a:xfrm>
+              <a:off x="3864631" y="5346615"/>
+              <a:ext cx="115614" cy="190140"/>
+            </a:xfrm>
+            <a:prstGeom prst="rect">
+              <a:avLst/>
+            </a:prstGeom>
+          </p:spPr>
+          <p:style>
+            <a:lnRef idx="2">
+              <a:schemeClr val="accent1">
+                <a:shade val="50000"/>
+              </a:schemeClr>
+            </a:lnRef>
+            <a:fillRef idx="1">
+              <a:schemeClr val="accent1"/>
+            </a:fillRef>
+            <a:effectRef idx="0">
+              <a:schemeClr val="accent1"/>
+            </a:effectRef>
+            <a:fontRef idx="minor">
+              <a:schemeClr val="lt1"/>
+            </a:fontRef>
+          </p:style>
+          <p:txBody>
+            <a:bodyPr rtlCol="0" anchor="ctr"/>
+            <a:lstStyle/>
+            <a:p>
+              <a:pPr algn="ctr"/>
+              <a:endParaRPr lang="en-US" sz="600"/>
+            </a:p>
+          </p:txBody>
+        </p:sp>
+        <p:sp>
+          <p:nvSpPr>
+            <p:cNvPr id="11" name="Rectangle 10">
+              <a:extLst>
+                <a:ext uri="{FF2B5EF4-FFF2-40B4-BE49-F238E27FC236}">
+                  <a16:creationId xmlns:a16="http://schemas.microsoft.com/office/drawing/2014/main" id="{1EFBA395-DBCD-1280-F727-30FF1082610B}"/>
+                </a:ext>
+              </a:extLst>
+            </p:cNvPr>
+            <p:cNvSpPr/>
+            <p:nvPr/>
+          </p:nvSpPr>
+          <p:spPr>
+            <a:xfrm>
+              <a:off x="6907678" y="4121192"/>
+              <a:ext cx="115614" cy="190140"/>
+            </a:xfrm>
+            <a:prstGeom prst="rect">
+              <a:avLst/>
+            </a:prstGeom>
+          </p:spPr>
+          <p:style>
+            <a:lnRef idx="2">
+              <a:schemeClr val="accent1">
+                <a:shade val="50000"/>
+              </a:schemeClr>
+            </a:lnRef>
+            <a:fillRef idx="1">
+              <a:schemeClr val="accent1"/>
+            </a:fillRef>
+            <a:effectRef idx="0">
+              <a:schemeClr val="accent1"/>
+            </a:effectRef>
+            <a:fontRef idx="minor">
+              <a:schemeClr val="lt1"/>
+            </a:fontRef>
+          </p:style>
+          <p:txBody>
+            <a:bodyPr rtlCol="0" anchor="ctr"/>
+            <a:lstStyle/>
+            <a:p>
+              <a:pPr algn="ctr"/>
+              <a:endParaRPr lang="en-US" sz="600"/>
+            </a:p>
+          </p:txBody>
+        </p:sp>
+        <p:sp>
+          <p:nvSpPr>
+            <p:cNvPr id="13" name="Rectangle 12">
+              <a:extLst>
+                <a:ext uri="{FF2B5EF4-FFF2-40B4-BE49-F238E27FC236}">
+                  <a16:creationId xmlns:a16="http://schemas.microsoft.com/office/drawing/2014/main" id="{999A1563-F7D3-113F-607C-F386D820F8A9}"/>
+                </a:ext>
+              </a:extLst>
+            </p:cNvPr>
+            <p:cNvSpPr/>
+            <p:nvPr/>
+          </p:nvSpPr>
+          <p:spPr>
+            <a:xfrm>
+              <a:off x="1264005" y="5356343"/>
+              <a:ext cx="115614" cy="190140"/>
+            </a:xfrm>
+            <a:prstGeom prst="rect">
+              <a:avLst/>
+            </a:prstGeom>
+          </p:spPr>
+          <p:style>
+            <a:lnRef idx="2">
+              <a:schemeClr val="accent1">
+                <a:shade val="50000"/>
+              </a:schemeClr>
+            </a:lnRef>
+            <a:fillRef idx="1">
+              <a:schemeClr val="accent1"/>
+            </a:fillRef>
+            <a:effectRef idx="0">
+              <a:schemeClr val="accent1"/>
+            </a:effectRef>
+            <a:fontRef idx="minor">
+              <a:schemeClr val="lt1"/>
+            </a:fontRef>
+          </p:style>
+          <p:txBody>
+            <a:bodyPr rtlCol="0" anchor="ctr"/>
+            <a:lstStyle/>
+            <a:p>
+              <a:pPr algn="ctr"/>
+              <a:endParaRPr lang="en-US" sz="600"/>
+            </a:p>
+          </p:txBody>
+        </p:sp>
+        <p:sp>
+          <p:nvSpPr>
+            <p:cNvPr id="14" name="Rectangle 13">
+              <a:extLst>
+                <a:ext uri="{FF2B5EF4-FFF2-40B4-BE49-F238E27FC236}">
+                  <a16:creationId xmlns:a16="http://schemas.microsoft.com/office/drawing/2014/main" id="{E55F3A97-EF17-5324-8083-DF46D99FC121}"/>
+                </a:ext>
+              </a:extLst>
+            </p:cNvPr>
+            <p:cNvSpPr/>
+            <p:nvPr/>
+          </p:nvSpPr>
+          <p:spPr>
+            <a:xfrm>
+              <a:off x="4488254" y="5124169"/>
+              <a:ext cx="115614" cy="190140"/>
+            </a:xfrm>
+            <a:prstGeom prst="rect">
+              <a:avLst/>
+            </a:prstGeom>
+          </p:spPr>
+          <p:style>
+            <a:lnRef idx="2">
+              <a:schemeClr val="accent1">
+                <a:shade val="50000"/>
+              </a:schemeClr>
+            </a:lnRef>
+            <a:fillRef idx="1">
+              <a:schemeClr val="accent1"/>
+            </a:fillRef>
+            <a:effectRef idx="0">
+              <a:schemeClr val="accent1"/>
+            </a:effectRef>
+            <a:fontRef idx="minor">
+              <a:schemeClr val="lt1"/>
+            </a:fontRef>
+          </p:style>
+          <p:txBody>
+            <a:bodyPr rtlCol="0" anchor="ctr"/>
+            <a:lstStyle/>
+            <a:p>
+              <a:pPr algn="ctr"/>
+              <a:endParaRPr lang="en-US" sz="600"/>
+            </a:p>
+          </p:txBody>
+        </p:sp>
+      </p:grpSp>
+    </p:spTree>
+    <p:extLst>
+      <p:ext uri="{BB962C8B-B14F-4D97-AF65-F5344CB8AC3E}">
+        <p14:creationId xmlns:p14="http://schemas.microsoft.com/office/powerpoint/2010/main" val="2594787614"/>
+      </p:ext>
+    </p:extLst>
+  </p:cSld>
+  <p:clrMapOvr>
+    <a:masterClrMapping/>
+  </p:clrMapOvr>
+</p:sld>
+</file>
+
+<file path=ppt/slides/slide2.xml><?xml version="1.0" encoding="utf-8"?>
+<p:sld xmlns:a="http://schemas.openxmlformats.org/drawingml/2006/main" xmlns:r="http://schemas.openxmlformats.org/officeDocument/2006/relationships" xmlns:p="http://schemas.openxmlformats.org/presentationml/2006/main">
+  <p:cSld>
+    <p:spTree>
+      <p:nvGrpSpPr>
+        <p:cNvPr id="1" name=""/>
+        <p:cNvGrpSpPr/>
+        <p:nvPr/>
+      </p:nvGrpSpPr>
+      <p:grpSpPr>
+        <a:xfrm>
+          <a:off x="0" y="0"/>
+          <a:ext cx="0" cy="0"/>
+          <a:chOff x="0" y="0"/>
+          <a:chExt cx="0" cy="0"/>
+        </a:xfrm>
+      </p:grpSpPr>
+      <p:sp>
+        <p:nvSpPr>
+          <p:cNvPr id="4" name="Rectangle 3">
+            <a:extLst>
+              <a:ext uri="{FF2B5EF4-FFF2-40B4-BE49-F238E27FC236}">
+                <a16:creationId xmlns:a16="http://schemas.microsoft.com/office/drawing/2014/main" id="{322F46F6-D936-CFC9-B294-50646DBD3BFB}"/>
+              </a:ext>
+            </a:extLst>
+          </p:cNvPr>
+          <p:cNvSpPr/>
+          <p:nvPr/>
+        </p:nvSpPr>
+        <p:spPr>
+          <a:xfrm>
+            <a:off x="1960793" y="3185918"/>
+            <a:ext cx="7565344" cy="1959288"/>
+          </a:xfrm>
+          <a:prstGeom prst="rect">
+            <a:avLst/>
+          </a:prstGeom>
+          <a:noFill/>
+          <a:ln w="19050">
+            <a:noFill/>
+          </a:ln>
+        </p:spPr>
+        <p:style>
+          <a:lnRef idx="2">
+            <a:schemeClr val="accent1">
+              <a:shade val="50000"/>
+            </a:schemeClr>
+          </a:lnRef>
+          <a:fillRef idx="1">
+            <a:schemeClr val="accent1"/>
+          </a:fillRef>
+          <a:effectRef idx="0">
+            <a:schemeClr val="accent1"/>
+          </a:effectRef>
+          <a:fontRef idx="minor">
+            <a:schemeClr val="lt1"/>
+          </a:fontRef>
+        </p:style>
+        <p:txBody>
+          <a:bodyPr wrap="square" tIns="0" bIns="0" rtlCol="0" anchor="ctr" anchorCtr="1"/>
+          <a:lstStyle/>
+          <a:p>
+            <a:r>
+              <a:rPr lang="en-US" sz="1602" dirty="0">
+                <a:solidFill>
+                  <a:schemeClr val="tx1"/>
+                </a:solidFill>
+                <a:latin typeface="Times" pitchFamily="2" charset="0"/>
+              </a:rPr>
+              <a:t>In the original implementation, BMC has to write awkward code to bypass the verifier. Specifically, the dedicated check conditions for BMC_MAX_PACKET_LENGTH (</a:t>
+            </a:r>
+            <a:r>
+              <a:rPr lang="en-US" sz="1602" b="1" dirty="0">
+                <a:solidFill>
+                  <a:schemeClr val="accent5">
+                    <a:lumMod val="50000"/>
+                  </a:schemeClr>
+                </a:solidFill>
+                <a:latin typeface="Times" pitchFamily="2" charset="0"/>
+              </a:rPr>
+              <a:t>L2</a:t>
+            </a:r>
+            <a:r>
+              <a:rPr lang="en-US" sz="1602" dirty="0">
+                <a:solidFill>
+                  <a:schemeClr val="tx1"/>
+                </a:solidFill>
+                <a:latin typeface="Times" pitchFamily="2" charset="0"/>
+              </a:rPr>
+              <a:t>  ) are aiming to minimize the number of jump instructions due to verifier's specific restrictions regarding these instructions. However, in the Rex version, such checks have become redundant because the inherent feature of slice could help confine </a:t>
+            </a:r>
+            <a:r>
+              <a:rPr lang="en-US" sz="1602" dirty="0" err="1">
+                <a:solidFill>
+                  <a:schemeClr val="tx1"/>
+                </a:solidFill>
+                <a:latin typeface="Times" pitchFamily="2" charset="0"/>
+              </a:rPr>
+              <a:t>data_end</a:t>
+            </a:r>
+            <a:r>
+              <a:rPr lang="en-US" sz="1602" dirty="0">
+                <a:solidFill>
+                  <a:schemeClr val="tx1"/>
+                </a:solidFill>
+                <a:latin typeface="Times" pitchFamily="2" charset="0"/>
+              </a:rPr>
+              <a:t>(</a:t>
+            </a:r>
+            <a:r>
+              <a:rPr lang="en-US" sz="1602" b="1" dirty="0">
+                <a:solidFill>
+                  <a:schemeClr val="accent5">
+                    <a:lumMod val="50000"/>
+                  </a:schemeClr>
+                </a:solidFill>
+                <a:latin typeface="Times" pitchFamily="2" charset="0"/>
+              </a:rPr>
+              <a:t>L4</a:t>
+            </a:r>
+            <a:r>
+              <a:rPr lang="en-US" sz="1602" dirty="0">
+                <a:solidFill>
+                  <a:schemeClr val="tx1"/>
+                </a:solidFill>
+                <a:latin typeface="Times" pitchFamily="2" charset="0"/>
+              </a:rPr>
+              <a:t>  ).</a:t>
+            </a:r>
+          </a:p>
+          <a:p>
+            <a:r>
+              <a:rPr lang="en-US" sz="1602" dirty="0">
+                <a:solidFill>
+                  <a:schemeClr val="tx1"/>
+                </a:solidFill>
+                <a:latin typeface="Times" pitchFamily="2" charset="0"/>
+              </a:rPr>
+              <a:t>Consequently, the four levels of nesting (</a:t>
+            </a:r>
+            <a:r>
+              <a:rPr lang="en-US" sz="1602" b="1" dirty="0">
+                <a:solidFill>
+                  <a:schemeClr val="accent5">
+                    <a:lumMod val="50000"/>
+                  </a:schemeClr>
+                </a:solidFill>
+                <a:latin typeface="Times" pitchFamily="2" charset="0"/>
+              </a:rPr>
+              <a:t>L4,20,25,26   </a:t>
+            </a:r>
+            <a:r>
+              <a:rPr lang="en-US" sz="1602" dirty="0">
+                <a:solidFill>
+                  <a:schemeClr val="tx1"/>
+                </a:solidFill>
+                <a:latin typeface="Times" pitchFamily="2" charset="0"/>
+              </a:rPr>
+              <a:t>) is reduced by converting a </a:t>
+            </a:r>
+            <a:r>
+              <a:rPr lang="en-US" sz="1398" dirty="0">
+                <a:solidFill>
+                  <a:srgbClr val="005DF6"/>
+                </a:solidFill>
+                <a:latin typeface="Consolas" panose="020B0609020204030204" pitchFamily="49" charset="0"/>
+                <a:cs typeface="Consolas" panose="020B0609020204030204" pitchFamily="49" charset="0"/>
+              </a:rPr>
+              <a:t>for-loop</a:t>
+            </a:r>
+            <a:r>
+              <a:rPr lang="en-US" sz="1602" dirty="0">
+                <a:solidFill>
+                  <a:schemeClr val="tx1"/>
+                </a:solidFill>
+                <a:latin typeface="Times" pitchFamily="2" charset="0"/>
+              </a:rPr>
+              <a:t> (</a:t>
+            </a:r>
+            <a:r>
+              <a:rPr lang="en-US" sz="1602" b="1" dirty="0">
+                <a:solidFill>
+                  <a:schemeClr val="accent5">
+                    <a:lumMod val="50000"/>
+                  </a:schemeClr>
+                </a:solidFill>
+                <a:latin typeface="Times" pitchFamily="2" charset="0"/>
+              </a:rPr>
+              <a:t>L2   </a:t>
+            </a:r>
+            <a:r>
+              <a:rPr lang="en-US" sz="1602" dirty="0">
+                <a:solidFill>
+                  <a:schemeClr val="tx1"/>
+                </a:solidFill>
+                <a:latin typeface="Times" pitchFamily="2" charset="0"/>
+              </a:rPr>
+              <a:t>) with intricate conditions (</a:t>
+            </a:r>
+            <a:r>
+              <a:rPr lang="en-US" sz="1602" b="1" dirty="0">
+                <a:solidFill>
+                  <a:schemeClr val="accent5">
+                    <a:lumMod val="50000"/>
+                  </a:schemeClr>
+                </a:solidFill>
+                <a:latin typeface="Times" pitchFamily="2" charset="0"/>
+              </a:rPr>
+              <a:t>L4   </a:t>
+            </a:r>
+            <a:r>
+              <a:rPr lang="en-US" sz="1602" dirty="0">
+                <a:solidFill>
+                  <a:schemeClr val="tx1"/>
+                </a:solidFill>
+                <a:latin typeface="Times" pitchFamily="2" charset="0"/>
+              </a:rPr>
+              <a:t>) into a clean chain of higher-order functions with closures (</a:t>
+            </a:r>
+            <a:r>
+              <a:rPr lang="en-US" sz="1602" b="1" dirty="0">
+                <a:solidFill>
+                  <a:schemeClr val="accent6">
+                    <a:lumMod val="50000"/>
+                  </a:schemeClr>
+                </a:solidFill>
+                <a:latin typeface="Times" pitchFamily="2" charset="0"/>
+              </a:rPr>
+              <a:t>L1, L9   </a:t>
+            </a:r>
+            <a:r>
+              <a:rPr lang="en-US" sz="1602" dirty="0">
+                <a:solidFill>
+                  <a:schemeClr val="tx1"/>
+                </a:solidFill>
+                <a:latin typeface="Times" pitchFamily="2" charset="0"/>
+              </a:rPr>
+              <a:t>) .</a:t>
+            </a:r>
+          </a:p>
+        </p:txBody>
+      </p:sp>
+      <p:sp>
+        <p:nvSpPr>
+          <p:cNvPr id="6" name="Rectangle 5">
+            <a:extLst>
+              <a:ext uri="{FF2B5EF4-FFF2-40B4-BE49-F238E27FC236}">
+                <a16:creationId xmlns:a16="http://schemas.microsoft.com/office/drawing/2014/main" id="{B27F2378-E7C7-B375-3616-224B4F27BACF}"/>
+              </a:ext>
+            </a:extLst>
+          </p:cNvPr>
+          <p:cNvSpPr/>
+          <p:nvPr/>
+        </p:nvSpPr>
+        <p:spPr>
+          <a:xfrm>
+            <a:off x="1919850" y="169763"/>
+            <a:ext cx="7289263" cy="1959288"/>
+          </a:xfrm>
+          <a:prstGeom prst="rect">
+            <a:avLst/>
+          </a:prstGeom>
+          <a:noFill/>
+          <a:ln w="19050">
+            <a:noFill/>
+          </a:ln>
+        </p:spPr>
+        <p:style>
+          <a:lnRef idx="2">
+            <a:schemeClr val="accent1">
+              <a:shade val="50000"/>
+            </a:schemeClr>
+          </a:lnRef>
+          <a:fillRef idx="1">
+            <a:schemeClr val="accent1"/>
+          </a:fillRef>
+          <a:effectRef idx="0">
+            <a:schemeClr val="accent1"/>
+          </a:effectRef>
+          <a:fontRef idx="minor">
+            <a:schemeClr val="lt1"/>
+          </a:fontRef>
+        </p:style>
+        <p:txBody>
+          <a:bodyPr wrap="square" tIns="0" bIns="0" rtlCol="0" anchor="ctr" anchorCtr="1"/>
+          <a:lstStyle/>
+          <a:p>
+            <a:endParaRPr lang="en-US" sz="1602" dirty="0">
+              <a:solidFill>
+                <a:schemeClr val="tx1"/>
+              </a:solidFill>
+              <a:latin typeface="Times" pitchFamily="2" charset="0"/>
+            </a:endParaRPr>
+          </a:p>
+        </p:txBody>
+      </p:sp>
+    </p:spTree>
+    <p:extLst>
+      <p:ext uri="{BB962C8B-B14F-4D97-AF65-F5344CB8AC3E}">
+        <p14:creationId xmlns:p14="http://schemas.microsoft.com/office/powerpoint/2010/main" val="3574755677"/>
+      </p:ext>
+    </p:extLst>
+  </p:cSld>
+  <p:clrMapOvr>
+    <a:masterClrMapping/>
+  </p:clrMapOvr>
+</p:sld>
+</file>
+
+<file path=ppt/slides/slide3.xml><?xml version="1.0" encoding="utf-8"?>
+<p:sld xmlns:a="http://schemas.openxmlformats.org/drawingml/2006/main" xmlns:r="http://schemas.openxmlformats.org/officeDocument/2006/relationships" xmlns:p="http://schemas.openxmlformats.org/presentationml/2006/main">
+  <p:cSld>
+    <p:spTree>
+      <p:nvGrpSpPr>
+        <p:cNvPr id="1" name=""/>
+        <p:cNvGrpSpPr/>
+        <p:nvPr/>
+      </p:nvGrpSpPr>
+      <p:grpSpPr>
+        <a:xfrm>
+          <a:off x="0" y="0"/>
+          <a:ext cx="0" cy="0"/>
+          <a:chOff x="0" y="0"/>
+          <a:chExt cx="0" cy="0"/>
+        </a:xfrm>
+      </p:grpSpPr>
       <p:sp>
         <p:nvSpPr>
           <p:cNvPr id="10" name="Rectangle 9">
@@ -6308,7 +10882,7 @@
                 <a:ea typeface="Menlo" panose="020B0609030804020204" pitchFamily="49" charset="0"/>
                 <a:cs typeface="Consolas" panose="020B0609020204030204" pitchFamily="49" charset="0"/>
               </a:rPr>
-              <a:t>'e’</a:t>
+              <a:t>'e'</a:t>
             </a:r>
             <a:r>
               <a:rPr lang="en-US" altLang="zh-CN" sz="1398" dirty="0">
@@ -7794,7 +12368,7 @@
     </p:spTree>
     <p:extLst>
       <p:ext uri="{BB962C8B-B14F-4D97-AF65-F5344CB8AC3E}">
-        <p14:creationId xmlns:p14="http://schemas.microsoft.com/office/powerpoint/2010/main" val="2594787614"/>
+        <p14:creationId xmlns:p14="http://schemas.microsoft.com/office/powerpoint/2010/main" val="3637574248"/>
       </p:ext>
     </p:extLst>
   </p:cSld>

--- a/figs/rusty-bmc.pptx
+++ b/figs/rusty-bmc.pptx
@@ -3507,10 +3507,10 @@
       </p:grpSpPr>
       <p:grpSp>
         <p:nvGrpSpPr>
-          <p:cNvPr id="15" name="Group 14">
+          <p:cNvPr id="16" name="Group 15">
             <a:extLst>
               <a:ext uri="{FF2B5EF4-FFF2-40B4-BE49-F238E27FC236}">
-                <a16:creationId xmlns:a16="http://schemas.microsoft.com/office/drawing/2014/main" id="{6EABCC93-B080-E8D5-4293-F6EFD21832D1}"/>
+                <a16:creationId xmlns:a16="http://schemas.microsoft.com/office/drawing/2014/main" id="{50515586-61E2-5171-89B9-8131893FF13F}"/>
               </a:ext>
             </a:extLst>
           </p:cNvPr>
@@ -7240,7 +7240,7 @@
                   </a:solidFill>
                   <a:latin typeface="Times" pitchFamily="2" charset="0"/>
                 </a:rPr>
-                <a:t>   ) are aiming to minimize the number of jump instructions due to verifier's specific restrictions regarding these instructions. However, in the Rex, such checks have become redundant because the inherent feature of slice could help confine </a:t>
+                <a:t>   ) are aiming to minimize the number of jump instructions due to verifier‘s specific restrictions regarding these instructions. However, in the Rex, such checks have become redundant because the inherent feature of slice could help confine </a:t>
               </a:r>
               <a:r>
                 <a:rPr lang="en-US" sz="1602" dirty="0" err="1">
@@ -7276,7 +7276,25 @@
                   </a:solidFill>
                   <a:latin typeface="Times" pitchFamily="2" charset="0"/>
                 </a:rPr>
-                <a:t>  ).</a:t>
+                <a:t>  </a:t>
+              </a:r>
+              <a:r>
+                <a:rPr lang="zh-CN" altLang="en-US" sz="1602" dirty="0">
+                  <a:solidFill>
+                    <a:schemeClr val="tx1"/>
+                  </a:solidFill>
+                  <a:latin typeface="Times" pitchFamily="2" charset="0"/>
+                </a:rPr>
+                <a:t> </a:t>
+              </a:r>
+              <a:r>
+                <a:rPr lang="en-US" sz="1602" dirty="0">
+                  <a:solidFill>
+                    <a:schemeClr val="tx1"/>
+                  </a:solidFill>
+                  <a:latin typeface="Times" pitchFamily="2" charset="0"/>
+                </a:rPr>
+                <a:t>).</a:t>
               </a:r>
             </a:p>
             <a:p>
@@ -7617,6 +7635,52 @@
           <p:spPr>
             <a:xfrm>
               <a:off x="4488254" y="5124169"/>
+              <a:ext cx="115614" cy="190140"/>
+            </a:xfrm>
+            <a:prstGeom prst="rect">
+              <a:avLst/>
+            </a:prstGeom>
+          </p:spPr>
+          <p:style>
+            <a:lnRef idx="2">
+              <a:schemeClr val="accent1">
+                <a:shade val="50000"/>
+              </a:schemeClr>
+            </a:lnRef>
+            <a:fillRef idx="1">
+              <a:schemeClr val="accent1"/>
+            </a:fillRef>
+            <a:effectRef idx="0">
+              <a:schemeClr val="accent1"/>
+            </a:effectRef>
+            <a:fontRef idx="minor">
+              <a:schemeClr val="lt1"/>
+            </a:fontRef>
+          </p:style>
+          <p:txBody>
+            <a:bodyPr rtlCol="0" anchor="ctr"/>
+            <a:lstStyle/>
+            <a:p>
+              <a:pPr algn="ctr"/>
+              <a:endParaRPr lang="en-US" sz="600"/>
+            </a:p>
+          </p:txBody>
+        </p:sp>
+        <p:sp>
+          <p:nvSpPr>
+            <p:cNvPr id="6" name="Rectangle 5">
+              <a:extLst>
+                <a:ext uri="{FF2B5EF4-FFF2-40B4-BE49-F238E27FC236}">
+                  <a16:creationId xmlns:a16="http://schemas.microsoft.com/office/drawing/2014/main" id="{44266469-C13D-5E08-BE9E-1F78A4FD963A}"/>
+                </a:ext>
+              </a:extLst>
+            </p:cNvPr>
+            <p:cNvSpPr/>
+            <p:nvPr/>
+          </p:nvSpPr>
+          <p:spPr>
+            <a:xfrm>
+              <a:off x="6571593" y="4873780"/>
               <a:ext cx="115614" cy="190140"/>
             </a:xfrm>
             <a:prstGeom prst="rect">
